--- a/Recitations/Abu Shoeb/1- Abu Shoeb.pptx
+++ b/Recitations/Abu Shoeb/1- Abu Shoeb.pptx
@@ -1,32 +1,423 @@
 
 <file path=ppt/presentation.xml><?xml version="1.0" encoding="utf-8"?>
-<p:presentation xmlns:a="http://schemas.openxmlformats.org/drawingml/2006/main" xmlns:p="http://schemas.openxmlformats.org/presentationml/2006/main" xmlns:r="http://schemas.openxmlformats.org/officeDocument/2006/relationships">
+<p:presentation xmlns:a="http://schemas.openxmlformats.org/drawingml/2006/main" xmlns:r="http://schemas.openxmlformats.org/officeDocument/2006/relationships" xmlns:p="http://schemas.openxmlformats.org/presentationml/2006/main">
   <p:sldMasterIdLst>
-    <p:sldMasterId id="2147483648" r:id="rId2"/>
-    <p:sldMasterId id="2147483661" r:id="rId3"/>
+    <p:sldMasterId id="2147483648" r:id="rId1"/>
+    <p:sldMasterId id="2147483661" r:id="rId2"/>
   </p:sldMasterIdLst>
   <p:notesMasterIdLst>
-    <p:notesMasterId r:id="rId4"/>
+    <p:notesMasterId r:id="rId13"/>
   </p:notesMasterIdLst>
   <p:sldIdLst>
-    <p:sldId id="256" r:id="rId5"/>
-    <p:sldId id="257" r:id="rId6"/>
-    <p:sldId id="258" r:id="rId7"/>
-    <p:sldId id="259" r:id="rId8"/>
-    <p:sldId id="260" r:id="rId9"/>
-    <p:sldId id="261" r:id="rId10"/>
-    <p:sldId id="262" r:id="rId11"/>
-    <p:sldId id="263" r:id="rId12"/>
-    <p:sldId id="264" r:id="rId13"/>
-    <p:sldId id="265" r:id="rId14"/>
+    <p:sldId id="256" r:id="rId3"/>
+    <p:sldId id="257" r:id="rId4"/>
+    <p:sldId id="258" r:id="rId5"/>
+    <p:sldId id="259" r:id="rId6"/>
+    <p:sldId id="260" r:id="rId7"/>
+    <p:sldId id="261" r:id="rId8"/>
+    <p:sldId id="262" r:id="rId9"/>
+    <p:sldId id="263" r:id="rId10"/>
+    <p:sldId id="264" r:id="rId11"/>
+    <p:sldId id="265" r:id="rId12"/>
   </p:sldIdLst>
-  <p:sldSz cx="9144000" cy="6858000"/>
+  <p:sldSz cx="9144000" cy="6858000" type="screen4x3"/>
   <p:notesSz cx="7315200" cy="9601200"/>
+  <p:defaultTextStyle>
+    <a:defPPr>
+      <a:defRPr lang="en-US"/>
+    </a:defPPr>
+    <a:lvl1pPr marL="0" algn="l" defTabSz="914400" rtl="0" eaLnBrk="1" latinLnBrk="0" hangingPunct="1">
+      <a:defRPr sz="1800" kern="1200">
+        <a:solidFill>
+          <a:schemeClr val="tx1"/>
+        </a:solidFill>
+        <a:latin typeface="+mn-lt"/>
+        <a:ea typeface="+mn-ea"/>
+        <a:cs typeface="+mn-cs"/>
+      </a:defRPr>
+    </a:lvl1pPr>
+    <a:lvl2pPr marL="457200" algn="l" defTabSz="914400" rtl="0" eaLnBrk="1" latinLnBrk="0" hangingPunct="1">
+      <a:defRPr sz="1800" kern="1200">
+        <a:solidFill>
+          <a:schemeClr val="tx1"/>
+        </a:solidFill>
+        <a:latin typeface="+mn-lt"/>
+        <a:ea typeface="+mn-ea"/>
+        <a:cs typeface="+mn-cs"/>
+      </a:defRPr>
+    </a:lvl2pPr>
+    <a:lvl3pPr marL="914400" algn="l" defTabSz="914400" rtl="0" eaLnBrk="1" latinLnBrk="0" hangingPunct="1">
+      <a:defRPr sz="1800" kern="1200">
+        <a:solidFill>
+          <a:schemeClr val="tx1"/>
+        </a:solidFill>
+        <a:latin typeface="+mn-lt"/>
+        <a:ea typeface="+mn-ea"/>
+        <a:cs typeface="+mn-cs"/>
+      </a:defRPr>
+    </a:lvl3pPr>
+    <a:lvl4pPr marL="1371600" algn="l" defTabSz="914400" rtl="0" eaLnBrk="1" latinLnBrk="0" hangingPunct="1">
+      <a:defRPr sz="1800" kern="1200">
+        <a:solidFill>
+          <a:schemeClr val="tx1"/>
+        </a:solidFill>
+        <a:latin typeface="+mn-lt"/>
+        <a:ea typeface="+mn-ea"/>
+        <a:cs typeface="+mn-cs"/>
+      </a:defRPr>
+    </a:lvl4pPr>
+    <a:lvl5pPr marL="1828800" algn="l" defTabSz="914400" rtl="0" eaLnBrk="1" latinLnBrk="0" hangingPunct="1">
+      <a:defRPr sz="1800" kern="1200">
+        <a:solidFill>
+          <a:schemeClr val="tx1"/>
+        </a:solidFill>
+        <a:latin typeface="+mn-lt"/>
+        <a:ea typeface="+mn-ea"/>
+        <a:cs typeface="+mn-cs"/>
+      </a:defRPr>
+    </a:lvl5pPr>
+    <a:lvl6pPr marL="2286000" algn="l" defTabSz="914400" rtl="0" eaLnBrk="1" latinLnBrk="0" hangingPunct="1">
+      <a:defRPr sz="1800" kern="1200">
+        <a:solidFill>
+          <a:schemeClr val="tx1"/>
+        </a:solidFill>
+        <a:latin typeface="+mn-lt"/>
+        <a:ea typeface="+mn-ea"/>
+        <a:cs typeface="+mn-cs"/>
+      </a:defRPr>
+    </a:lvl6pPr>
+    <a:lvl7pPr marL="2743200" algn="l" defTabSz="914400" rtl="0" eaLnBrk="1" latinLnBrk="0" hangingPunct="1">
+      <a:defRPr sz="1800" kern="1200">
+        <a:solidFill>
+          <a:schemeClr val="tx1"/>
+        </a:solidFill>
+        <a:latin typeface="+mn-lt"/>
+        <a:ea typeface="+mn-ea"/>
+        <a:cs typeface="+mn-cs"/>
+      </a:defRPr>
+    </a:lvl7pPr>
+    <a:lvl8pPr marL="3200400" algn="l" defTabSz="914400" rtl="0" eaLnBrk="1" latinLnBrk="0" hangingPunct="1">
+      <a:defRPr sz="1800" kern="1200">
+        <a:solidFill>
+          <a:schemeClr val="tx1"/>
+        </a:solidFill>
+        <a:latin typeface="+mn-lt"/>
+        <a:ea typeface="+mn-ea"/>
+        <a:cs typeface="+mn-cs"/>
+      </a:defRPr>
+    </a:lvl8pPr>
+    <a:lvl9pPr marL="3657600" algn="l" defTabSz="914400" rtl="0" eaLnBrk="1" latinLnBrk="0" hangingPunct="1">
+      <a:defRPr sz="1800" kern="1200">
+        <a:solidFill>
+          <a:schemeClr val="tx1"/>
+        </a:solidFill>
+        <a:latin typeface="+mn-lt"/>
+        <a:ea typeface="+mn-ea"/>
+        <a:cs typeface="+mn-cs"/>
+      </a:defRPr>
+    </a:lvl9pPr>
+  </p:defaultTextStyle>
+  <p:extLst>
+    <p:ext uri="{EFAFB233-063F-42B5-8137-9DF3F51BA10A}">
+      <p15:sldGuideLst xmlns:p15="http://schemas.microsoft.com/office/powerpoint/2012/main"/>
+    </p:ext>
+  </p:extLst>
 </p:presentation>
 </file>
 
+<file path=ppt/revisionInfo.xml><?xml version="1.0" encoding="utf-8"?>
+<p1510:revInfo xmlns:a="http://schemas.openxmlformats.org/drawingml/2006/main" xmlns:r="http://schemas.openxmlformats.org/officeDocument/2006/relationships" xmlns:p1510="http://schemas.microsoft.com/office/powerpoint/2015/10/main"/>
+</file>
+
 <file path=ppt/notesMasters/notesMaster1.xml><?xml version="1.0" encoding="utf-8"?>
-<p:notesMaster xmlns:a="http://schemas.openxmlformats.org/drawingml/2006/main" xmlns:p="http://schemas.openxmlformats.org/presentationml/2006/main" xmlns:r="http://schemas.openxmlformats.org/officeDocument/2006/relationships">
+<p:notesMaster xmlns:a="http://schemas.openxmlformats.org/drawingml/2006/main" xmlns:r="http://schemas.openxmlformats.org/officeDocument/2006/relationships" xmlns:p="http://schemas.openxmlformats.org/presentationml/2006/main">
+  <p:cSld>
+    <p:bg>
+      <p:bgRef idx="1001">
+        <a:schemeClr val="bg1"/>
+      </p:bgRef>
+    </p:bg>
+    <p:spTree>
+      <p:nvGrpSpPr>
+        <p:cNvPr id="1" name=""/>
+        <p:cNvGrpSpPr/>
+        <p:nvPr/>
+      </p:nvGrpSpPr>
+      <p:grpSpPr>
+        <a:xfrm>
+          <a:off x="0" y="0"/>
+          <a:ext cx="0" cy="0"/>
+          <a:chOff x="0" y="0"/>
+          <a:chExt cx="0" cy="0"/>
+        </a:xfrm>
+      </p:grpSpPr>
+      <p:sp>
+        <p:nvSpPr>
+          <p:cNvPr id="72" name="PlaceHolder 1"/>
+          <p:cNvSpPr>
+            <a:spLocks noGrp="1"/>
+          </p:cNvSpPr>
+          <p:nvPr>
+            <p:ph type="body"/>
+          </p:nvPr>
+        </p:nvSpPr>
+        <p:spPr>
+          <a:xfrm>
+            <a:off x="777240" y="4777560"/>
+            <a:ext cx="6217560" cy="4525920"/>
+          </a:xfrm>
+          <a:prstGeom prst="rect">
+            <a:avLst/>
+          </a:prstGeom>
+        </p:spPr>
+        <p:txBody>
+          <a:bodyPr lIns="0" tIns="0" rIns="0" bIns="0"/>
+          <a:lstStyle/>
+          <a:p>
+            <a:r>
+              <a:rPr lang="en-US" sz="2000">
+                <a:latin typeface="Arial"/>
+              </a:rPr>
+              <a:t>Click to edit the notes format</a:t>
+            </a:r>
+            <a:endParaRPr/>
+          </a:p>
+        </p:txBody>
+      </p:sp>
+      <p:sp>
+        <p:nvSpPr>
+          <p:cNvPr id="73" name="PlaceHolder 2"/>
+          <p:cNvSpPr>
+            <a:spLocks noGrp="1"/>
+          </p:cNvSpPr>
+          <p:nvPr>
+            <p:ph type="hdr"/>
+          </p:nvPr>
+        </p:nvSpPr>
+        <p:spPr>
+          <a:xfrm>
+            <a:off x="0" y="0"/>
+            <a:ext cx="3372840" cy="502560"/>
+          </a:xfrm>
+          <a:prstGeom prst="rect">
+            <a:avLst/>
+          </a:prstGeom>
+        </p:spPr>
+        <p:txBody>
+          <a:bodyPr lIns="0" tIns="0" rIns="0" bIns="0"/>
+          <a:lstStyle/>
+          <a:p>
+            <a:r>
+              <a:rPr lang="en-US" sz="1400">
+                <a:latin typeface="Times New Roman"/>
+              </a:rPr>
+              <a:t>&lt;header&gt;</a:t>
+            </a:r>
+            <a:endParaRPr/>
+          </a:p>
+        </p:txBody>
+      </p:sp>
+      <p:sp>
+        <p:nvSpPr>
+          <p:cNvPr id="74" name="PlaceHolder 3"/>
+          <p:cNvSpPr>
+            <a:spLocks noGrp="1"/>
+          </p:cNvSpPr>
+          <p:nvPr>
+            <p:ph type="dt"/>
+          </p:nvPr>
+        </p:nvSpPr>
+        <p:spPr>
+          <a:xfrm>
+            <a:off x="4399200" y="0"/>
+            <a:ext cx="3372840" cy="502560"/>
+          </a:xfrm>
+          <a:prstGeom prst="rect">
+            <a:avLst/>
+          </a:prstGeom>
+        </p:spPr>
+        <p:txBody>
+          <a:bodyPr lIns="0" tIns="0" rIns="0" bIns="0"/>
+          <a:lstStyle/>
+          <a:p>
+            <a:pPr algn="r"/>
+            <a:r>
+              <a:rPr lang="en-US" sz="1400">
+                <a:latin typeface="Times New Roman"/>
+              </a:rPr>
+              <a:t>&lt;date/time&gt;</a:t>
+            </a:r>
+            <a:endParaRPr/>
+          </a:p>
+        </p:txBody>
+      </p:sp>
+      <p:sp>
+        <p:nvSpPr>
+          <p:cNvPr id="75" name="PlaceHolder 4"/>
+          <p:cNvSpPr>
+            <a:spLocks noGrp="1"/>
+          </p:cNvSpPr>
+          <p:nvPr>
+            <p:ph type="ftr"/>
+          </p:nvPr>
+        </p:nvSpPr>
+        <p:spPr>
+          <a:xfrm>
+            <a:off x="0" y="9555480"/>
+            <a:ext cx="3372840" cy="502560"/>
+          </a:xfrm>
+          <a:prstGeom prst="rect">
+            <a:avLst/>
+          </a:prstGeom>
+        </p:spPr>
+        <p:txBody>
+          <a:bodyPr lIns="0" tIns="0" rIns="0" bIns="0" anchor="b"/>
+          <a:lstStyle/>
+          <a:p>
+            <a:r>
+              <a:rPr lang="en-US" sz="1400">
+                <a:latin typeface="Times New Roman"/>
+              </a:rPr>
+              <a:t>&lt;footer&gt;</a:t>
+            </a:r>
+            <a:endParaRPr/>
+          </a:p>
+        </p:txBody>
+      </p:sp>
+      <p:sp>
+        <p:nvSpPr>
+          <p:cNvPr id="76" name="PlaceHolder 5"/>
+          <p:cNvSpPr>
+            <a:spLocks noGrp="1"/>
+          </p:cNvSpPr>
+          <p:nvPr>
+            <p:ph type="sldNum"/>
+          </p:nvPr>
+        </p:nvSpPr>
+        <p:spPr>
+          <a:xfrm>
+            <a:off x="4399200" y="9555480"/>
+            <a:ext cx="3372840" cy="502560"/>
+          </a:xfrm>
+          <a:prstGeom prst="rect">
+            <a:avLst/>
+          </a:prstGeom>
+        </p:spPr>
+        <p:txBody>
+          <a:bodyPr lIns="0" tIns="0" rIns="0" bIns="0" anchor="b"/>
+          <a:lstStyle/>
+          <a:p>
+            <a:pPr algn="r"/>
+            <a:fld id="{3712EF73-0B67-4652-BE8D-7F704DBCD8D4}" type="slidenum">
+              <a:rPr lang="en-US" sz="1400">
+                <a:latin typeface="Times New Roman"/>
+              </a:rPr>
+              <a:t>‹#›</a:t>
+            </a:fld>
+            <a:endParaRPr/>
+          </a:p>
+        </p:txBody>
+      </p:sp>
+    </p:spTree>
+  </p:cSld>
+  <p:clrMap bg1="lt1" tx1="dk1" bg2="lt2" tx2="dk2" accent1="accent1" accent2="accent2" accent3="accent3" accent4="accent4" accent5="accent5" accent6="accent6" hlink="hlink" folHlink="folHlink"/>
+  <p:notesStyle>
+    <a:lvl1pPr marL="0" algn="l" defTabSz="914400" rtl="0" eaLnBrk="1" latinLnBrk="0" hangingPunct="1">
+      <a:defRPr sz="1200" kern="1200">
+        <a:solidFill>
+          <a:schemeClr val="tx1"/>
+        </a:solidFill>
+        <a:latin typeface="+mn-lt"/>
+        <a:ea typeface="+mn-ea"/>
+        <a:cs typeface="+mn-cs"/>
+      </a:defRPr>
+    </a:lvl1pPr>
+    <a:lvl2pPr marL="457200" algn="l" defTabSz="914400" rtl="0" eaLnBrk="1" latinLnBrk="0" hangingPunct="1">
+      <a:defRPr sz="1200" kern="1200">
+        <a:solidFill>
+          <a:schemeClr val="tx1"/>
+        </a:solidFill>
+        <a:latin typeface="+mn-lt"/>
+        <a:ea typeface="+mn-ea"/>
+        <a:cs typeface="+mn-cs"/>
+      </a:defRPr>
+    </a:lvl2pPr>
+    <a:lvl3pPr marL="914400" algn="l" defTabSz="914400" rtl="0" eaLnBrk="1" latinLnBrk="0" hangingPunct="1">
+      <a:defRPr sz="1200" kern="1200">
+        <a:solidFill>
+          <a:schemeClr val="tx1"/>
+        </a:solidFill>
+        <a:latin typeface="+mn-lt"/>
+        <a:ea typeface="+mn-ea"/>
+        <a:cs typeface="+mn-cs"/>
+      </a:defRPr>
+    </a:lvl3pPr>
+    <a:lvl4pPr marL="1371600" algn="l" defTabSz="914400" rtl="0" eaLnBrk="1" latinLnBrk="0" hangingPunct="1">
+      <a:defRPr sz="1200" kern="1200">
+        <a:solidFill>
+          <a:schemeClr val="tx1"/>
+        </a:solidFill>
+        <a:latin typeface="+mn-lt"/>
+        <a:ea typeface="+mn-ea"/>
+        <a:cs typeface="+mn-cs"/>
+      </a:defRPr>
+    </a:lvl4pPr>
+    <a:lvl5pPr marL="1828800" algn="l" defTabSz="914400" rtl="0" eaLnBrk="1" latinLnBrk="0" hangingPunct="1">
+      <a:defRPr sz="1200" kern="1200">
+        <a:solidFill>
+          <a:schemeClr val="tx1"/>
+        </a:solidFill>
+        <a:latin typeface="+mn-lt"/>
+        <a:ea typeface="+mn-ea"/>
+        <a:cs typeface="+mn-cs"/>
+      </a:defRPr>
+    </a:lvl5pPr>
+    <a:lvl6pPr marL="2286000" algn="l" defTabSz="914400" rtl="0" eaLnBrk="1" latinLnBrk="0" hangingPunct="1">
+      <a:defRPr sz="1200" kern="1200">
+        <a:solidFill>
+          <a:schemeClr val="tx1"/>
+        </a:solidFill>
+        <a:latin typeface="+mn-lt"/>
+        <a:ea typeface="+mn-ea"/>
+        <a:cs typeface="+mn-cs"/>
+      </a:defRPr>
+    </a:lvl6pPr>
+    <a:lvl7pPr marL="2743200" algn="l" defTabSz="914400" rtl="0" eaLnBrk="1" latinLnBrk="0" hangingPunct="1">
+      <a:defRPr sz="1200" kern="1200">
+        <a:solidFill>
+          <a:schemeClr val="tx1"/>
+        </a:solidFill>
+        <a:latin typeface="+mn-lt"/>
+        <a:ea typeface="+mn-ea"/>
+        <a:cs typeface="+mn-cs"/>
+      </a:defRPr>
+    </a:lvl7pPr>
+    <a:lvl8pPr marL="3200400" algn="l" defTabSz="914400" rtl="0" eaLnBrk="1" latinLnBrk="0" hangingPunct="1">
+      <a:defRPr sz="1200" kern="1200">
+        <a:solidFill>
+          <a:schemeClr val="tx1"/>
+        </a:solidFill>
+        <a:latin typeface="+mn-lt"/>
+        <a:ea typeface="+mn-ea"/>
+        <a:cs typeface="+mn-cs"/>
+      </a:defRPr>
+    </a:lvl8pPr>
+    <a:lvl9pPr marL="3657600" algn="l" defTabSz="914400" rtl="0" eaLnBrk="1" latinLnBrk="0" hangingPunct="1">
+      <a:defRPr sz="1200" kern="1200">
+        <a:solidFill>
+          <a:schemeClr val="tx1"/>
+        </a:solidFill>
+        <a:latin typeface="+mn-lt"/>
+        <a:ea typeface="+mn-ea"/>
+        <a:cs typeface="+mn-cs"/>
+      </a:defRPr>
+    </a:lvl9pPr>
+  </p:notesStyle>
+</p:notesMaster>
+</file>
+
+<file path=ppt/notesSlides/notesSlide1.xml><?xml version="1.0" encoding="utf-8"?>
+<p:notes xmlns:a="http://schemas.openxmlformats.org/drawingml/2006/main" xmlns:r="http://schemas.openxmlformats.org/officeDocument/2006/relationships" xmlns:p="http://schemas.openxmlformats.org/presentationml/2006/main">
   <p:cSld>
     <p:spTree>
       <p:nvGrpSpPr>
@@ -44,7 +435,7 @@
       </p:grpSpPr>
       <p:sp>
         <p:nvSpPr>
-          <p:cNvPr id="72" name="PlaceHolder 1"/>
+          <p:cNvPr id="99" name="PlaceHolder 1"/>
           <p:cNvSpPr>
             <a:spLocks noGrp="1"/>
           </p:cNvSpPr>
@@ -54,151 +445,58 @@
         </p:nvSpPr>
         <p:spPr>
           <a:xfrm>
-            <a:off x="777240" y="4777560"/>
-            <a:ext cx="6217560" cy="4525920"/>
-          </a:xfrm>
-          <a:prstGeom prst="rect">
-            <a:avLst/>
-          </a:prstGeom>
-        </p:spPr>
-        <p:txBody>
-          <a:bodyPr lIns="0" rIns="0" tIns="0" bIns="0"/>
-          <a:p>
-            <a:r>
-              <a:rPr lang="en-US" sz="2000">
-                <a:latin typeface="Arial"/>
-              </a:rPr>
-              <a:t>Click to edit the notes format</a:t>
-            </a:r>
-            <a:endParaRPr/>
-          </a:p>
-        </p:txBody>
-      </p:sp>
-      <p:sp>
-        <p:nvSpPr>
-          <p:cNvPr id="73" name="PlaceHolder 2"/>
-          <p:cNvSpPr>
-            <a:spLocks noGrp="1"/>
-          </p:cNvSpPr>
-          <p:nvPr>
-            <p:ph type="hdr"/>
-          </p:nvPr>
-        </p:nvSpPr>
-        <p:spPr>
-          <a:xfrm>
-            <a:off x="0" y="0"/>
-            <a:ext cx="3372840" cy="502560"/>
-          </a:xfrm>
-          <a:prstGeom prst="rect">
-            <a:avLst/>
-          </a:prstGeom>
-        </p:spPr>
-        <p:txBody>
-          <a:bodyPr lIns="0" rIns="0" tIns="0" bIns="0"/>
-          <a:p>
-            <a:r>
-              <a:rPr lang="en-US" sz="1400">
-                <a:latin typeface="Times New Roman"/>
-              </a:rPr>
-              <a:t>&lt;header&gt;</a:t>
-            </a:r>
-            <a:endParaRPr/>
-          </a:p>
-        </p:txBody>
-      </p:sp>
-      <p:sp>
-        <p:nvSpPr>
-          <p:cNvPr id="74" name="PlaceHolder 3"/>
-          <p:cNvSpPr>
-            <a:spLocks noGrp="1"/>
-          </p:cNvSpPr>
-          <p:nvPr>
-            <p:ph type="dt"/>
-          </p:nvPr>
-        </p:nvSpPr>
-        <p:spPr>
-          <a:xfrm>
-            <a:off x="4399200" y="0"/>
-            <a:ext cx="3372840" cy="502560"/>
-          </a:xfrm>
-          <a:prstGeom prst="rect">
-            <a:avLst/>
-          </a:prstGeom>
-        </p:spPr>
-        <p:txBody>
-          <a:bodyPr lIns="0" rIns="0" tIns="0" bIns="0"/>
-          <a:p>
-            <a:pPr algn="r"/>
-            <a:r>
-              <a:rPr lang="en-US" sz="1400">
-                <a:latin typeface="Times New Roman"/>
-              </a:rPr>
-              <a:t>&lt;date/time&gt;</a:t>
-            </a:r>
-            <a:endParaRPr/>
-          </a:p>
-        </p:txBody>
-      </p:sp>
-      <p:sp>
-        <p:nvSpPr>
-          <p:cNvPr id="75" name="PlaceHolder 4"/>
-          <p:cNvSpPr>
-            <a:spLocks noGrp="1"/>
-          </p:cNvSpPr>
-          <p:nvPr>
-            <p:ph type="ftr"/>
-          </p:nvPr>
-        </p:nvSpPr>
-        <p:spPr>
-          <a:xfrm>
-            <a:off x="0" y="9555480"/>
-            <a:ext cx="3372840" cy="502560"/>
-          </a:xfrm>
-          <a:prstGeom prst="rect">
-            <a:avLst/>
-          </a:prstGeom>
-        </p:spPr>
-        <p:txBody>
-          <a:bodyPr lIns="0" rIns="0" tIns="0" bIns="0" anchor="b"/>
-          <a:p>
-            <a:r>
-              <a:rPr lang="en-US" sz="1400">
-                <a:latin typeface="Times New Roman"/>
-              </a:rPr>
-              <a:t>&lt;footer&gt;</a:t>
-            </a:r>
-            <a:endParaRPr/>
-          </a:p>
-        </p:txBody>
-      </p:sp>
-      <p:sp>
-        <p:nvSpPr>
-          <p:cNvPr id="76" name="PlaceHolder 5"/>
-          <p:cNvSpPr>
-            <a:spLocks noGrp="1"/>
-          </p:cNvSpPr>
-          <p:nvPr>
-            <p:ph type="sldNum"/>
-          </p:nvPr>
-        </p:nvSpPr>
-        <p:spPr>
-          <a:xfrm>
-            <a:off x="4399200" y="9555480"/>
-            <a:ext cx="3372840" cy="502560"/>
-          </a:xfrm>
-          <a:prstGeom prst="rect">
-            <a:avLst/>
-          </a:prstGeom>
-        </p:spPr>
-        <p:txBody>
-          <a:bodyPr lIns="0" rIns="0" tIns="0" bIns="0" anchor="b"/>
-          <a:p>
-            <a:pPr algn="r"/>
-            <a:fld id="{3712EF73-0B67-4652-BE8D-7F704DBCD8D4}" type="slidenum">
-              <a:rPr lang="en-US" sz="1400">
-                <a:latin typeface="Times New Roman"/>
-              </a:rPr>
-              <a:t>&lt;number&gt;</a:t>
+            <a:off x="731520" y="4620600"/>
+            <a:ext cx="5848200" cy="3776400"/>
+          </a:xfrm>
+          <a:prstGeom prst="rect">
+            <a:avLst/>
+          </a:prstGeom>
+        </p:spPr>
+        <p:txBody>
+          <a:bodyPr lIns="0" tIns="0" rIns="0" bIns="0"/>
+          <a:lstStyle/>
+          <a:p>
+            <a:endParaRPr/>
+          </a:p>
+        </p:txBody>
+      </p:sp>
+      <p:sp>
+        <p:nvSpPr>
+          <p:cNvPr id="100" name="CustomShape 2"/>
+          <p:cNvSpPr/>
+          <p:nvPr/>
+        </p:nvSpPr>
+        <p:spPr>
+          <a:xfrm>
+            <a:off x="4143600" y="9119520"/>
+            <a:ext cx="3165840" cy="477720"/>
+          </a:xfrm>
+          <a:prstGeom prst="rect">
+            <a:avLst/>
+          </a:prstGeom>
+          <a:noFill/>
+          <a:ln>
+            <a:noFill/>
+          </a:ln>
+        </p:spPr>
+        <p:txBody>
+          <a:bodyPr lIns="95040" tIns="47520" rIns="95040" bIns="47520" anchor="b"/>
+          <a:lstStyle/>
+          <a:p>
+            <a:pPr algn="r">
+              <a:lnSpc>
+                <a:spcPct val="100000"/>
+              </a:lnSpc>
+            </a:pPr>
+            <a:fld id="{569903E9-C353-4D3E-B770-FD1A4D316E59}" type="slidenum">
+              <a:rPr lang="en-US" sz="1300">
+                <a:solidFill>
+                  <a:srgbClr val="000000"/>
+                </a:solidFill>
+                <a:latin typeface="+mn-lt"/>
+                <a:ea typeface="+mn-ea"/>
+              </a:rPr>
+              <a:t>2</a:t>
             </a:fld>
             <a:endParaRPr/>
           </a:p>
@@ -206,12 +504,14 @@
       </p:sp>
     </p:spTree>
   </p:cSld>
-  <p:clrMap bg1="lt1" bg2="lt2" tx1="dk1" tx2="dk2" accent1="accent1" accent2="accent2" accent3="accent3" accent4="accent4" accent5="accent5" accent6="accent6" hlink="hlink" folHlink="folHlink"/>
-</p:notesMaster>
+  <p:clrMapOvr>
+    <a:masterClrMapping/>
+  </p:clrMapOvr>
+</p:notes>
 </file>
 
 <file path=ppt/notesSlides/notesSlide2.xml><?xml version="1.0" encoding="utf-8"?>
-<p:notes xmlns:a="http://schemas.openxmlformats.org/drawingml/2006/main" xmlns:p="http://schemas.openxmlformats.org/presentationml/2006/main" xmlns:r="http://schemas.openxmlformats.org/officeDocument/2006/relationships">
+<p:notes xmlns:a="http://schemas.openxmlformats.org/drawingml/2006/main" xmlns:r="http://schemas.openxmlformats.org/officeDocument/2006/relationships" xmlns:p="http://schemas.openxmlformats.org/presentationml/2006/main">
   <p:cSld>
     <p:spTree>
       <p:nvGrpSpPr>
@@ -229,7 +529,7 @@
       </p:grpSpPr>
       <p:sp>
         <p:nvSpPr>
-          <p:cNvPr id="99" name="PlaceHolder 1"/>
+          <p:cNvPr id="101" name="PlaceHolder 1"/>
           <p:cNvSpPr>
             <a:spLocks noGrp="1"/>
           </p:cNvSpPr>
@@ -247,15 +547,16 @@
           </a:prstGeom>
         </p:spPr>
         <p:txBody>
-          <a:bodyPr lIns="0" rIns="0" tIns="0" bIns="0"/>
-          <a:p>
-            <a:endParaRPr/>
-          </a:p>
-        </p:txBody>
-      </p:sp>
-      <p:sp>
-        <p:nvSpPr>
-          <p:cNvPr id="100" name="CustomShape 2"/>
+          <a:bodyPr lIns="0" tIns="0" rIns="0" bIns="0"/>
+          <a:lstStyle/>
+          <a:p>
+            <a:endParaRPr/>
+          </a:p>
+        </p:txBody>
+      </p:sp>
+      <p:sp>
+        <p:nvSpPr>
+          <p:cNvPr id="102" name="CustomShape 2"/>
           <p:cNvSpPr/>
           <p:nvPr/>
         </p:nvSpPr>
@@ -273,14 +574,15 @@
           </a:ln>
         </p:spPr>
         <p:txBody>
-          <a:bodyPr lIns="95040" rIns="95040" tIns="47520" bIns="47520" anchor="b"/>
+          <a:bodyPr lIns="95040" tIns="47520" rIns="95040" bIns="47520" anchor="b"/>
+          <a:lstStyle/>
           <a:p>
             <a:pPr algn="r">
               <a:lnSpc>
                 <a:spcPct val="100000"/>
               </a:lnSpc>
             </a:pPr>
-            <a:fld id="{569903E9-C353-4D3E-B770-FD1A4D316E59}" type="slidenum">
+            <a:fld id="{CD8334A6-B3B5-4B13-B1FA-D6C1F774DB70}" type="slidenum">
               <a:rPr lang="en-US" sz="1300">
                 <a:solidFill>
                   <a:srgbClr val="000000"/>
@@ -288,7 +590,7 @@
                 <a:latin typeface="+mn-lt"/>
                 <a:ea typeface="+mn-ea"/>
               </a:rPr>
-              <a:t>&lt;number&gt;</a:t>
+              <a:t>4</a:t>
             </a:fld>
             <a:endParaRPr/>
           </a:p>
@@ -296,11 +598,14 @@
       </p:sp>
     </p:spTree>
   </p:cSld>
+  <p:clrMapOvr>
+    <a:masterClrMapping/>
+  </p:clrMapOvr>
 </p:notes>
 </file>
 
-<file path=ppt/notesSlides/notesSlide4.xml><?xml version="1.0" encoding="utf-8"?>
-<p:notes xmlns:a="http://schemas.openxmlformats.org/drawingml/2006/main" xmlns:p="http://schemas.openxmlformats.org/presentationml/2006/main" xmlns:r="http://schemas.openxmlformats.org/officeDocument/2006/relationships">
+<file path=ppt/notesSlides/notesSlide3.xml><?xml version="1.0" encoding="utf-8"?>
+<p:notes xmlns:a="http://schemas.openxmlformats.org/drawingml/2006/main" xmlns:r="http://schemas.openxmlformats.org/officeDocument/2006/relationships" xmlns:p="http://schemas.openxmlformats.org/presentationml/2006/main">
   <p:cSld>
     <p:spTree>
       <p:nvGrpSpPr>
@@ -318,7 +623,7 @@
       </p:grpSpPr>
       <p:sp>
         <p:nvSpPr>
-          <p:cNvPr id="101" name="PlaceHolder 1"/>
+          <p:cNvPr id="103" name="PlaceHolder 1"/>
           <p:cNvSpPr>
             <a:spLocks noGrp="1"/>
           </p:cNvSpPr>
@@ -336,15 +641,16 @@
           </a:prstGeom>
         </p:spPr>
         <p:txBody>
-          <a:bodyPr lIns="0" rIns="0" tIns="0" bIns="0"/>
-          <a:p>
-            <a:endParaRPr/>
-          </a:p>
-        </p:txBody>
-      </p:sp>
-      <p:sp>
-        <p:nvSpPr>
-          <p:cNvPr id="102" name="CustomShape 2"/>
+          <a:bodyPr lIns="0" tIns="0" rIns="0" bIns="0"/>
+          <a:lstStyle/>
+          <a:p>
+            <a:endParaRPr/>
+          </a:p>
+        </p:txBody>
+      </p:sp>
+      <p:sp>
+        <p:nvSpPr>
+          <p:cNvPr id="104" name="CustomShape 2"/>
           <p:cNvSpPr/>
           <p:nvPr/>
         </p:nvSpPr>
@@ -362,14 +668,15 @@
           </a:ln>
         </p:spPr>
         <p:txBody>
-          <a:bodyPr lIns="95040" rIns="95040" tIns="47520" bIns="47520" anchor="b"/>
+          <a:bodyPr lIns="95040" tIns="47520" rIns="95040" bIns="47520" anchor="b"/>
+          <a:lstStyle/>
           <a:p>
             <a:pPr algn="r">
               <a:lnSpc>
                 <a:spcPct val="100000"/>
               </a:lnSpc>
             </a:pPr>
-            <a:fld id="{CD8334A6-B3B5-4B13-B1FA-D6C1F774DB70}" type="slidenum">
+            <a:fld id="{DCF52332-84AE-4A8E-AABC-DD1787C8B365}" type="slidenum">
               <a:rPr lang="en-US" sz="1300">
                 <a:solidFill>
                   <a:srgbClr val="000000"/>
@@ -377,7 +684,7 @@
                 <a:latin typeface="+mn-lt"/>
                 <a:ea typeface="+mn-ea"/>
               </a:rPr>
-              <a:t>&lt;number&gt;</a:t>
+              <a:t>7</a:t>
             </a:fld>
             <a:endParaRPr/>
           </a:p>
@@ -385,11 +692,14 @@
       </p:sp>
     </p:spTree>
   </p:cSld>
+  <p:clrMapOvr>
+    <a:masterClrMapping/>
+  </p:clrMapOvr>
 </p:notes>
 </file>
 
-<file path=ppt/notesSlides/notesSlide7.xml><?xml version="1.0" encoding="utf-8"?>
-<p:notes xmlns:a="http://schemas.openxmlformats.org/drawingml/2006/main" xmlns:p="http://schemas.openxmlformats.org/presentationml/2006/main" xmlns:r="http://schemas.openxmlformats.org/officeDocument/2006/relationships">
+<file path=ppt/notesSlides/notesSlide4.xml><?xml version="1.0" encoding="utf-8"?>
+<p:notes xmlns:a="http://schemas.openxmlformats.org/drawingml/2006/main" xmlns:r="http://schemas.openxmlformats.org/officeDocument/2006/relationships" xmlns:p="http://schemas.openxmlformats.org/presentationml/2006/main">
   <p:cSld>
     <p:spTree>
       <p:nvGrpSpPr>
@@ -407,7 +717,7 @@
       </p:grpSpPr>
       <p:sp>
         <p:nvSpPr>
-          <p:cNvPr id="103" name="PlaceHolder 1"/>
+          <p:cNvPr id="105" name="PlaceHolder 1"/>
           <p:cNvSpPr>
             <a:spLocks noGrp="1"/>
           </p:cNvSpPr>
@@ -425,15 +735,16 @@
           </a:prstGeom>
         </p:spPr>
         <p:txBody>
-          <a:bodyPr lIns="0" rIns="0" tIns="0" bIns="0"/>
-          <a:p>
-            <a:endParaRPr/>
-          </a:p>
-        </p:txBody>
-      </p:sp>
-      <p:sp>
-        <p:nvSpPr>
-          <p:cNvPr id="104" name="CustomShape 2"/>
+          <a:bodyPr lIns="0" tIns="0" rIns="0" bIns="0"/>
+          <a:lstStyle/>
+          <a:p>
+            <a:endParaRPr/>
+          </a:p>
+        </p:txBody>
+      </p:sp>
+      <p:sp>
+        <p:nvSpPr>
+          <p:cNvPr id="106" name="CustomShape 2"/>
           <p:cNvSpPr/>
           <p:nvPr/>
         </p:nvSpPr>
@@ -451,14 +762,15 @@
           </a:ln>
         </p:spPr>
         <p:txBody>
-          <a:bodyPr lIns="95040" rIns="95040" tIns="47520" bIns="47520" anchor="b"/>
+          <a:bodyPr lIns="95040" tIns="47520" rIns="95040" bIns="47520" anchor="b"/>
+          <a:lstStyle/>
           <a:p>
             <a:pPr algn="r">
               <a:lnSpc>
                 <a:spcPct val="100000"/>
               </a:lnSpc>
             </a:pPr>
-            <a:fld id="{DCF52332-84AE-4A8E-AABC-DD1787C8B365}" type="slidenum">
+            <a:fld id="{83C0C87A-906D-437D-AF17-4EBAF2691D1E}" type="slidenum">
               <a:rPr lang="en-US" sz="1300">
                 <a:solidFill>
                   <a:srgbClr val="000000"/>
@@ -466,7 +778,7 @@
                 <a:latin typeface="+mn-lt"/>
                 <a:ea typeface="+mn-ea"/>
               </a:rPr>
-              <a:t>&lt;number&gt;</a:t>
+              <a:t>8</a:t>
             </a:fld>
             <a:endParaRPr/>
           </a:p>
@@ -474,11 +786,14 @@
       </p:sp>
     </p:spTree>
   </p:cSld>
+  <p:clrMapOvr>
+    <a:masterClrMapping/>
+  </p:clrMapOvr>
 </p:notes>
 </file>
 
-<file path=ppt/notesSlides/notesSlide8.xml><?xml version="1.0" encoding="utf-8"?>
-<p:notes xmlns:a="http://schemas.openxmlformats.org/drawingml/2006/main" xmlns:p="http://schemas.openxmlformats.org/presentationml/2006/main" xmlns:r="http://schemas.openxmlformats.org/officeDocument/2006/relationships">
+<file path=ppt/notesSlides/notesSlide5.xml><?xml version="1.0" encoding="utf-8"?>
+<p:notes xmlns:a="http://schemas.openxmlformats.org/drawingml/2006/main" xmlns:r="http://schemas.openxmlformats.org/officeDocument/2006/relationships" xmlns:p="http://schemas.openxmlformats.org/presentationml/2006/main">
   <p:cSld>
     <p:spTree>
       <p:nvGrpSpPr>
@@ -496,95 +811,6 @@
       </p:grpSpPr>
       <p:sp>
         <p:nvSpPr>
-          <p:cNvPr id="105" name="PlaceHolder 1"/>
-          <p:cNvSpPr>
-            <a:spLocks noGrp="1"/>
-          </p:cNvSpPr>
-          <p:nvPr>
-            <p:ph type="body"/>
-          </p:nvPr>
-        </p:nvSpPr>
-        <p:spPr>
-          <a:xfrm>
-            <a:off x="731520" y="4620600"/>
-            <a:ext cx="5848200" cy="3776400"/>
-          </a:xfrm>
-          <a:prstGeom prst="rect">
-            <a:avLst/>
-          </a:prstGeom>
-        </p:spPr>
-        <p:txBody>
-          <a:bodyPr lIns="0" rIns="0" tIns="0" bIns="0"/>
-          <a:p>
-            <a:endParaRPr/>
-          </a:p>
-        </p:txBody>
-      </p:sp>
-      <p:sp>
-        <p:nvSpPr>
-          <p:cNvPr id="106" name="CustomShape 2"/>
-          <p:cNvSpPr/>
-          <p:nvPr/>
-        </p:nvSpPr>
-        <p:spPr>
-          <a:xfrm>
-            <a:off x="4143600" y="9119520"/>
-            <a:ext cx="3165840" cy="477720"/>
-          </a:xfrm>
-          <a:prstGeom prst="rect">
-            <a:avLst/>
-          </a:prstGeom>
-          <a:noFill/>
-          <a:ln>
-            <a:noFill/>
-          </a:ln>
-        </p:spPr>
-        <p:txBody>
-          <a:bodyPr lIns="95040" rIns="95040" tIns="47520" bIns="47520" anchor="b"/>
-          <a:p>
-            <a:pPr algn="r">
-              <a:lnSpc>
-                <a:spcPct val="100000"/>
-              </a:lnSpc>
-            </a:pPr>
-            <a:fld id="{83C0C87A-906D-437D-AF17-4EBAF2691D1E}" type="slidenum">
-              <a:rPr lang="en-US" sz="1300">
-                <a:solidFill>
-                  <a:srgbClr val="000000"/>
-                </a:solidFill>
-                <a:latin typeface="+mn-lt"/>
-                <a:ea typeface="+mn-ea"/>
-              </a:rPr>
-              <a:t>&lt;number&gt;</a:t>
-            </a:fld>
-            <a:endParaRPr/>
-          </a:p>
-        </p:txBody>
-      </p:sp>
-    </p:spTree>
-  </p:cSld>
-</p:notes>
-</file>
-
-<file path=ppt/notesSlides/notesSlide9.xml><?xml version="1.0" encoding="utf-8"?>
-<p:notes xmlns:a="http://schemas.openxmlformats.org/drawingml/2006/main" xmlns:p="http://schemas.openxmlformats.org/presentationml/2006/main" xmlns:r="http://schemas.openxmlformats.org/officeDocument/2006/relationships">
-  <p:cSld>
-    <p:spTree>
-      <p:nvGrpSpPr>
-        <p:cNvPr id="1" name=""/>
-        <p:cNvGrpSpPr/>
-        <p:nvPr/>
-      </p:nvGrpSpPr>
-      <p:grpSpPr>
-        <a:xfrm>
-          <a:off x="0" y="0"/>
-          <a:ext cx="0" cy="0"/>
-          <a:chOff x="0" y="0"/>
-          <a:chExt cx="0" cy="0"/>
-        </a:xfrm>
-      </p:grpSpPr>
-      <p:sp>
-        <p:nvSpPr>
           <p:cNvPr id="107" name="PlaceHolder 1"/>
           <p:cNvSpPr>
             <a:spLocks noGrp="1"/>
@@ -603,7 +829,8 @@
           </a:prstGeom>
         </p:spPr>
         <p:txBody>
-          <a:bodyPr lIns="0" rIns="0" tIns="0" bIns="0"/>
+          <a:bodyPr lIns="0" tIns="0" rIns="0" bIns="0"/>
+          <a:lstStyle/>
           <a:p>
             <a:endParaRPr/>
           </a:p>
@@ -629,7 +856,8 @@
           </a:ln>
         </p:spPr>
         <p:txBody>
-          <a:bodyPr lIns="95040" rIns="95040" tIns="47520" bIns="47520" anchor="b"/>
+          <a:bodyPr lIns="95040" tIns="47520" rIns="95040" bIns="47520" anchor="b"/>
+          <a:lstStyle/>
           <a:p>
             <a:pPr algn="r">
               <a:lnSpc>
@@ -644,7 +872,7 @@
                 <a:latin typeface="+mn-lt"/>
                 <a:ea typeface="+mn-ea"/>
               </a:rPr>
-              <a:t>&lt;number&gt;</a:t>
+              <a:t>9</a:t>
             </a:fld>
             <a:endParaRPr/>
           </a:p>
@@ -652,11 +880,14 @@
       </p:sp>
     </p:spTree>
   </p:cSld>
+  <p:clrMapOvr>
+    <a:masterClrMapping/>
+  </p:clrMapOvr>
 </p:notes>
 </file>
 
 <file path=ppt/slideLayouts/slideLayout1.xml><?xml version="1.0" encoding="utf-8"?>
-<p:sldLayout xmlns:a="http://schemas.openxmlformats.org/drawingml/2006/main" xmlns:p="http://schemas.openxmlformats.org/presentationml/2006/main" xmlns:r="http://schemas.openxmlformats.org/officeDocument/2006/relationships" type="blank" preserve="1">
+<p:sldLayout xmlns:a="http://schemas.openxmlformats.org/drawingml/2006/main" xmlns:r="http://schemas.openxmlformats.org/officeDocument/2006/relationships" xmlns:p="http://schemas.openxmlformats.org/presentationml/2006/main" type="blank" preserve="1">
   <p:cSld name="Blank Slide">
     <p:spTree>
       <p:nvGrpSpPr>
@@ -674,11 +905,14 @@
       </p:grpSpPr>
     </p:spTree>
   </p:cSld>
+  <p:clrMapOvr>
+    <a:masterClrMapping/>
+  </p:clrMapOvr>
 </p:sldLayout>
 </file>
 
 <file path=ppt/slideLayouts/slideLayout10.xml><?xml version="1.0" encoding="utf-8"?>
-<p:sldLayout xmlns:a="http://schemas.openxmlformats.org/drawingml/2006/main" xmlns:p="http://schemas.openxmlformats.org/presentationml/2006/main" xmlns:r="http://schemas.openxmlformats.org/officeDocument/2006/relationships" type="objOverTx" preserve="1">
+<p:sldLayout xmlns:a="http://schemas.openxmlformats.org/drawingml/2006/main" xmlns:r="http://schemas.openxmlformats.org/officeDocument/2006/relationships" xmlns:p="http://schemas.openxmlformats.org/presentationml/2006/main" type="objOverTx" preserve="1">
   <p:cSld name="Title, Content over Content">
     <p:spTree>
       <p:nvGrpSpPr>
@@ -714,7 +948,8 @@
           </a:prstGeom>
         </p:spPr>
         <p:txBody>
-          <a:bodyPr lIns="0" rIns="0" tIns="0" bIns="0" anchor="ctr"/>
+          <a:bodyPr lIns="0" tIns="0" rIns="0" bIns="0" anchor="ctr"/>
+          <a:lstStyle/>
           <a:p>
             <a:pPr algn="ctr"/>
             <a:endParaRPr/>
@@ -741,7 +976,8 @@
           </a:prstGeom>
         </p:spPr>
         <p:txBody>
-          <a:bodyPr lIns="0" rIns="0" tIns="0" bIns="0"/>
+          <a:bodyPr lIns="0" tIns="0" rIns="0" bIns="0"/>
+          <a:lstStyle/>
           <a:p>
             <a:endParaRPr/>
           </a:p>
@@ -767,7 +1003,8 @@
           </a:prstGeom>
         </p:spPr>
         <p:txBody>
-          <a:bodyPr lIns="0" rIns="0" tIns="0" bIns="0"/>
+          <a:bodyPr lIns="0" tIns="0" rIns="0" bIns="0"/>
+          <a:lstStyle/>
           <a:p>
             <a:endParaRPr/>
           </a:p>
@@ -775,11 +1012,14 @@
       </p:sp>
     </p:spTree>
   </p:cSld>
+  <p:clrMapOvr>
+    <a:masterClrMapping/>
+  </p:clrMapOvr>
 </p:sldLayout>
 </file>
 
 <file path=ppt/slideLayouts/slideLayout11.xml><?xml version="1.0" encoding="utf-8"?>
-<p:sldLayout xmlns:a="http://schemas.openxmlformats.org/drawingml/2006/main" xmlns:p="http://schemas.openxmlformats.org/presentationml/2006/main" xmlns:r="http://schemas.openxmlformats.org/officeDocument/2006/relationships" type="fourObj" preserve="1">
+<p:sldLayout xmlns:a="http://schemas.openxmlformats.org/drawingml/2006/main" xmlns:r="http://schemas.openxmlformats.org/officeDocument/2006/relationships" xmlns:p="http://schemas.openxmlformats.org/presentationml/2006/main" type="fourObj" preserve="1">
   <p:cSld name="Title, 4 Content">
     <p:spTree>
       <p:nvGrpSpPr>
@@ -815,7 +1055,8 @@
           </a:prstGeom>
         </p:spPr>
         <p:txBody>
-          <a:bodyPr lIns="0" rIns="0" tIns="0" bIns="0" anchor="ctr"/>
+          <a:bodyPr lIns="0" tIns="0" rIns="0" bIns="0" anchor="ctr"/>
+          <a:lstStyle/>
           <a:p>
             <a:pPr algn="ctr"/>
             <a:endParaRPr/>
@@ -842,7 +1083,8 @@
           </a:prstGeom>
         </p:spPr>
         <p:txBody>
-          <a:bodyPr lIns="0" rIns="0" tIns="0" bIns="0"/>
+          <a:bodyPr lIns="0" tIns="0" rIns="0" bIns="0"/>
+          <a:lstStyle/>
           <a:p>
             <a:endParaRPr/>
           </a:p>
@@ -868,7 +1110,8 @@
           </a:prstGeom>
         </p:spPr>
         <p:txBody>
-          <a:bodyPr lIns="0" rIns="0" tIns="0" bIns="0"/>
+          <a:bodyPr lIns="0" tIns="0" rIns="0" bIns="0"/>
+          <a:lstStyle/>
           <a:p>
             <a:endParaRPr/>
           </a:p>
@@ -894,7 +1137,8 @@
           </a:prstGeom>
         </p:spPr>
         <p:txBody>
-          <a:bodyPr lIns="0" rIns="0" tIns="0" bIns="0"/>
+          <a:bodyPr lIns="0" tIns="0" rIns="0" bIns="0"/>
+          <a:lstStyle/>
           <a:p>
             <a:endParaRPr/>
           </a:p>
@@ -920,7 +1164,8 @@
           </a:prstGeom>
         </p:spPr>
         <p:txBody>
-          <a:bodyPr lIns="0" rIns="0" tIns="0" bIns="0"/>
+          <a:bodyPr lIns="0" tIns="0" rIns="0" bIns="0"/>
+          <a:lstStyle/>
           <a:p>
             <a:endParaRPr/>
           </a:p>
@@ -928,11 +1173,14 @@
       </p:sp>
     </p:spTree>
   </p:cSld>
+  <p:clrMapOvr>
+    <a:masterClrMapping/>
+  </p:clrMapOvr>
 </p:sldLayout>
 </file>
 
 <file path=ppt/slideLayouts/slideLayout12.xml><?xml version="1.0" encoding="utf-8"?>
-<p:sldLayout xmlns:a="http://schemas.openxmlformats.org/drawingml/2006/main" xmlns:p="http://schemas.openxmlformats.org/presentationml/2006/main" xmlns:r="http://schemas.openxmlformats.org/officeDocument/2006/relationships" type="blank" preserve="1">
+<p:sldLayout xmlns:a="http://schemas.openxmlformats.org/drawingml/2006/main" xmlns:r="http://schemas.openxmlformats.org/officeDocument/2006/relationships" xmlns:p="http://schemas.openxmlformats.org/presentationml/2006/main" type="blank" preserve="1">
   <p:cSld name="Title, 6 Content">
     <p:spTree>
       <p:nvGrpSpPr>
@@ -968,7 +1216,8 @@
           </a:prstGeom>
         </p:spPr>
         <p:txBody>
-          <a:bodyPr lIns="0" rIns="0" tIns="0" bIns="0" anchor="ctr"/>
+          <a:bodyPr lIns="0" tIns="0" rIns="0" bIns="0" anchor="ctr"/>
+          <a:lstStyle/>
           <a:p>
             <a:pPr algn="ctr"/>
             <a:endParaRPr/>
@@ -995,7 +1244,8 @@
           </a:prstGeom>
         </p:spPr>
         <p:txBody>
-          <a:bodyPr lIns="0" rIns="0" tIns="0" bIns="0"/>
+          <a:bodyPr lIns="0" tIns="0" rIns="0" bIns="0"/>
+          <a:lstStyle/>
           <a:p>
             <a:endParaRPr/>
           </a:p>
@@ -1021,7 +1271,8 @@
           </a:prstGeom>
         </p:spPr>
         <p:txBody>
-          <a:bodyPr lIns="0" rIns="0" tIns="0" bIns="0"/>
+          <a:bodyPr lIns="0" tIns="0" rIns="0" bIns="0"/>
+          <a:lstStyle/>
           <a:p>
             <a:endParaRPr/>
           </a:p>
@@ -1029,7 +1280,7 @@
       </p:sp>
       <p:pic>
         <p:nvPicPr>
-          <p:cNvPr id="34" name="" descr=""/>
+          <p:cNvPr id="34" name="Picture 33"/>
           <p:cNvPicPr/>
           <p:nvPr/>
         </p:nvPicPr>
@@ -1054,12 +1305,12 @@
       </p:pic>
       <p:pic>
         <p:nvPicPr>
-          <p:cNvPr id="35" name="" descr=""/>
+          <p:cNvPr id="35" name="Picture 34"/>
           <p:cNvPicPr/>
           <p:nvPr/>
         </p:nvPicPr>
         <p:blipFill>
-          <a:blip r:embed="rId3"/>
+          <a:blip r:embed="rId2"/>
           <a:stretch>
             <a:fillRect/>
           </a:stretch>
@@ -1079,11 +1330,14 @@
       </p:pic>
     </p:spTree>
   </p:cSld>
+  <p:clrMapOvr>
+    <a:masterClrMapping/>
+  </p:clrMapOvr>
 </p:sldLayout>
 </file>
 
 <file path=ppt/slideLayouts/slideLayout13.xml><?xml version="1.0" encoding="utf-8"?>
-<p:sldLayout xmlns:a="http://schemas.openxmlformats.org/drawingml/2006/main" xmlns:p="http://schemas.openxmlformats.org/presentationml/2006/main" xmlns:r="http://schemas.openxmlformats.org/officeDocument/2006/relationships" type="blank" preserve="1">
+<p:sldLayout xmlns:a="http://schemas.openxmlformats.org/drawingml/2006/main" xmlns:r="http://schemas.openxmlformats.org/officeDocument/2006/relationships" xmlns:p="http://schemas.openxmlformats.org/presentationml/2006/main" type="blank" preserve="1">
   <p:cSld name="Blank Slide">
     <p:spTree>
       <p:nvGrpSpPr>
@@ -1101,11 +1355,14 @@
       </p:grpSpPr>
     </p:spTree>
   </p:cSld>
+  <p:clrMapOvr>
+    <a:masterClrMapping/>
+  </p:clrMapOvr>
 </p:sldLayout>
 </file>
 
 <file path=ppt/slideLayouts/slideLayout14.xml><?xml version="1.0" encoding="utf-8"?>
-<p:sldLayout xmlns:a="http://schemas.openxmlformats.org/drawingml/2006/main" xmlns:p="http://schemas.openxmlformats.org/presentationml/2006/main" xmlns:r="http://schemas.openxmlformats.org/officeDocument/2006/relationships" type="tx" preserve="1">
+<p:sldLayout xmlns:a="http://schemas.openxmlformats.org/drawingml/2006/main" xmlns:r="http://schemas.openxmlformats.org/officeDocument/2006/relationships" xmlns:p="http://schemas.openxmlformats.org/presentationml/2006/main" type="tx" preserve="1">
   <p:cSld name="Title Slide">
     <p:spTree>
       <p:nvGrpSpPr>
@@ -1141,7 +1398,8 @@
           </a:prstGeom>
         </p:spPr>
         <p:txBody>
-          <a:bodyPr lIns="0" rIns="0" tIns="0" bIns="0" anchor="ctr"/>
+          <a:bodyPr lIns="0" tIns="0" rIns="0" bIns="0" anchor="ctr"/>
+          <a:lstStyle/>
           <a:p>
             <a:pPr algn="ctr"/>
             <a:endParaRPr/>
@@ -1168,7 +1426,8 @@
           </a:prstGeom>
         </p:spPr>
         <p:txBody>
-          <a:bodyPr lIns="0" rIns="0" tIns="0" bIns="0" anchor="ctr"/>
+          <a:bodyPr lIns="0" tIns="0" rIns="0" bIns="0" anchor="ctr"/>
+          <a:lstStyle/>
           <a:p>
             <a:pPr algn="ctr"/>
             <a:endParaRPr/>
@@ -1177,11 +1436,14 @@
       </p:sp>
     </p:spTree>
   </p:cSld>
+  <p:clrMapOvr>
+    <a:masterClrMapping/>
+  </p:clrMapOvr>
 </p:sldLayout>
 </file>
 
 <file path=ppt/slideLayouts/slideLayout15.xml><?xml version="1.0" encoding="utf-8"?>
-<p:sldLayout xmlns:a="http://schemas.openxmlformats.org/drawingml/2006/main" xmlns:p="http://schemas.openxmlformats.org/presentationml/2006/main" xmlns:r="http://schemas.openxmlformats.org/officeDocument/2006/relationships" type="obj" preserve="1">
+<p:sldLayout xmlns:a="http://schemas.openxmlformats.org/drawingml/2006/main" xmlns:r="http://schemas.openxmlformats.org/officeDocument/2006/relationships" xmlns:p="http://schemas.openxmlformats.org/presentationml/2006/main" type="obj" preserve="1">
   <p:cSld name="Title, Content">
     <p:spTree>
       <p:nvGrpSpPr>
@@ -1217,7 +1479,8 @@
           </a:prstGeom>
         </p:spPr>
         <p:txBody>
-          <a:bodyPr lIns="0" rIns="0" tIns="0" bIns="0" anchor="ctr"/>
+          <a:bodyPr lIns="0" tIns="0" rIns="0" bIns="0" anchor="ctr"/>
+          <a:lstStyle/>
           <a:p>
             <a:pPr algn="ctr"/>
             <a:endParaRPr/>
@@ -1244,7 +1507,8 @@
           </a:prstGeom>
         </p:spPr>
         <p:txBody>
-          <a:bodyPr lIns="0" rIns="0" tIns="0" bIns="0"/>
+          <a:bodyPr lIns="0" tIns="0" rIns="0" bIns="0"/>
+          <a:lstStyle/>
           <a:p>
             <a:endParaRPr/>
           </a:p>
@@ -1252,11 +1516,14 @@
       </p:sp>
     </p:spTree>
   </p:cSld>
+  <p:clrMapOvr>
+    <a:masterClrMapping/>
+  </p:clrMapOvr>
 </p:sldLayout>
 </file>
 
 <file path=ppt/slideLayouts/slideLayout16.xml><?xml version="1.0" encoding="utf-8"?>
-<p:sldLayout xmlns:a="http://schemas.openxmlformats.org/drawingml/2006/main" xmlns:p="http://schemas.openxmlformats.org/presentationml/2006/main" xmlns:r="http://schemas.openxmlformats.org/officeDocument/2006/relationships" type="twoObj" preserve="1">
+<p:sldLayout xmlns:a="http://schemas.openxmlformats.org/drawingml/2006/main" xmlns:r="http://schemas.openxmlformats.org/officeDocument/2006/relationships" xmlns:p="http://schemas.openxmlformats.org/presentationml/2006/main" type="twoObj" preserve="1">
   <p:cSld name="Title, 2 Content">
     <p:spTree>
       <p:nvGrpSpPr>
@@ -1292,7 +1559,8 @@
           </a:prstGeom>
         </p:spPr>
         <p:txBody>
-          <a:bodyPr lIns="0" rIns="0" tIns="0" bIns="0" anchor="ctr"/>
+          <a:bodyPr lIns="0" tIns="0" rIns="0" bIns="0" anchor="ctr"/>
+          <a:lstStyle/>
           <a:p>
             <a:pPr algn="ctr"/>
             <a:endParaRPr/>
@@ -1319,7 +1587,8 @@
           </a:prstGeom>
         </p:spPr>
         <p:txBody>
-          <a:bodyPr lIns="0" rIns="0" tIns="0" bIns="0"/>
+          <a:bodyPr lIns="0" tIns="0" rIns="0" bIns="0"/>
+          <a:lstStyle/>
           <a:p>
             <a:endParaRPr/>
           </a:p>
@@ -1345,7 +1614,8 @@
           </a:prstGeom>
         </p:spPr>
         <p:txBody>
-          <a:bodyPr lIns="0" rIns="0" tIns="0" bIns="0"/>
+          <a:bodyPr lIns="0" tIns="0" rIns="0" bIns="0"/>
+          <a:lstStyle/>
           <a:p>
             <a:endParaRPr/>
           </a:p>
@@ -1353,11 +1623,14 @@
       </p:sp>
     </p:spTree>
   </p:cSld>
+  <p:clrMapOvr>
+    <a:masterClrMapping/>
+  </p:clrMapOvr>
 </p:sldLayout>
 </file>
 
 <file path=ppt/slideLayouts/slideLayout17.xml><?xml version="1.0" encoding="utf-8"?>
-<p:sldLayout xmlns:a="http://schemas.openxmlformats.org/drawingml/2006/main" xmlns:p="http://schemas.openxmlformats.org/presentationml/2006/main" xmlns:r="http://schemas.openxmlformats.org/officeDocument/2006/relationships" type="titleOnly" preserve="1">
+<p:sldLayout xmlns:a="http://schemas.openxmlformats.org/drawingml/2006/main" xmlns:r="http://schemas.openxmlformats.org/officeDocument/2006/relationships" xmlns:p="http://schemas.openxmlformats.org/presentationml/2006/main" type="titleOnly" preserve="1">
   <p:cSld name="Title Only">
     <p:spTree>
       <p:nvGrpSpPr>
@@ -1393,7 +1666,8 @@
           </a:prstGeom>
         </p:spPr>
         <p:txBody>
-          <a:bodyPr lIns="0" rIns="0" tIns="0" bIns="0" anchor="ctr"/>
+          <a:bodyPr lIns="0" tIns="0" rIns="0" bIns="0" anchor="ctr"/>
+          <a:lstStyle/>
           <a:p>
             <a:pPr algn="ctr"/>
             <a:endParaRPr/>
@@ -1402,11 +1676,14 @@
       </p:sp>
     </p:spTree>
   </p:cSld>
+  <p:clrMapOvr>
+    <a:masterClrMapping/>
+  </p:clrMapOvr>
 </p:sldLayout>
 </file>
 
 <file path=ppt/slideLayouts/slideLayout18.xml><?xml version="1.0" encoding="utf-8"?>
-<p:sldLayout xmlns:a="http://schemas.openxmlformats.org/drawingml/2006/main" xmlns:p="http://schemas.openxmlformats.org/presentationml/2006/main" xmlns:r="http://schemas.openxmlformats.org/officeDocument/2006/relationships" type="objOnly" preserve="1">
+<p:sldLayout xmlns:a="http://schemas.openxmlformats.org/drawingml/2006/main" xmlns:r="http://schemas.openxmlformats.org/officeDocument/2006/relationships" xmlns:p="http://schemas.openxmlformats.org/presentationml/2006/main" type="objOnly" preserve="1">
   <p:cSld name="Centered Text">
     <p:spTree>
       <p:nvGrpSpPr>
@@ -1442,7 +1719,8 @@
           </a:prstGeom>
         </p:spPr>
         <p:txBody>
-          <a:bodyPr lIns="0" rIns="0" tIns="0" bIns="0" anchor="ctr"/>
+          <a:bodyPr lIns="0" tIns="0" rIns="0" bIns="0" anchor="ctr"/>
+          <a:lstStyle/>
           <a:p>
             <a:pPr algn="ctr"/>
             <a:endParaRPr/>
@@ -1451,11 +1729,14 @@
       </p:sp>
     </p:spTree>
   </p:cSld>
+  <p:clrMapOvr>
+    <a:masterClrMapping/>
+  </p:clrMapOvr>
 </p:sldLayout>
 </file>
 
 <file path=ppt/slideLayouts/slideLayout19.xml><?xml version="1.0" encoding="utf-8"?>
-<p:sldLayout xmlns:a="http://schemas.openxmlformats.org/drawingml/2006/main" xmlns:p="http://schemas.openxmlformats.org/presentationml/2006/main" xmlns:r="http://schemas.openxmlformats.org/officeDocument/2006/relationships" type="twoObjAndObj" preserve="1">
+<p:sldLayout xmlns:a="http://schemas.openxmlformats.org/drawingml/2006/main" xmlns:r="http://schemas.openxmlformats.org/officeDocument/2006/relationships" xmlns:p="http://schemas.openxmlformats.org/presentationml/2006/main" type="twoObjAndObj" preserve="1">
   <p:cSld name="Title, 2 Content and Content">
     <p:spTree>
       <p:nvGrpSpPr>
@@ -1491,7 +1772,8 @@
           </a:prstGeom>
         </p:spPr>
         <p:txBody>
-          <a:bodyPr lIns="0" rIns="0" tIns="0" bIns="0" anchor="ctr"/>
+          <a:bodyPr lIns="0" tIns="0" rIns="0" bIns="0" anchor="ctr"/>
+          <a:lstStyle/>
           <a:p>
             <a:pPr algn="ctr"/>
             <a:endParaRPr/>
@@ -1518,7 +1800,8 @@
           </a:prstGeom>
         </p:spPr>
         <p:txBody>
-          <a:bodyPr lIns="0" rIns="0" tIns="0" bIns="0"/>
+          <a:bodyPr lIns="0" tIns="0" rIns="0" bIns="0"/>
+          <a:lstStyle/>
           <a:p>
             <a:endParaRPr/>
           </a:p>
@@ -1544,7 +1827,8 @@
           </a:prstGeom>
         </p:spPr>
         <p:txBody>
-          <a:bodyPr lIns="0" rIns="0" tIns="0" bIns="0"/>
+          <a:bodyPr lIns="0" tIns="0" rIns="0" bIns="0"/>
+          <a:lstStyle/>
           <a:p>
             <a:endParaRPr/>
           </a:p>
@@ -1570,7 +1854,8 @@
           </a:prstGeom>
         </p:spPr>
         <p:txBody>
-          <a:bodyPr lIns="0" rIns="0" tIns="0" bIns="0"/>
+          <a:bodyPr lIns="0" tIns="0" rIns="0" bIns="0"/>
+          <a:lstStyle/>
           <a:p>
             <a:endParaRPr/>
           </a:p>
@@ -1578,11 +1863,14 @@
       </p:sp>
     </p:spTree>
   </p:cSld>
+  <p:clrMapOvr>
+    <a:masterClrMapping/>
+  </p:clrMapOvr>
 </p:sldLayout>
 </file>
 
 <file path=ppt/slideLayouts/slideLayout2.xml><?xml version="1.0" encoding="utf-8"?>
-<p:sldLayout xmlns:a="http://schemas.openxmlformats.org/drawingml/2006/main" xmlns:p="http://schemas.openxmlformats.org/presentationml/2006/main" xmlns:r="http://schemas.openxmlformats.org/officeDocument/2006/relationships" type="tx" preserve="1">
+<p:sldLayout xmlns:a="http://schemas.openxmlformats.org/drawingml/2006/main" xmlns:r="http://schemas.openxmlformats.org/officeDocument/2006/relationships" xmlns:p="http://schemas.openxmlformats.org/presentationml/2006/main" type="tx" preserve="1">
   <p:cSld name="Title Slide">
     <p:spTree>
       <p:nvGrpSpPr>
@@ -1618,7 +1906,8 @@
           </a:prstGeom>
         </p:spPr>
         <p:txBody>
-          <a:bodyPr lIns="0" rIns="0" tIns="0" bIns="0" anchor="ctr"/>
+          <a:bodyPr lIns="0" tIns="0" rIns="0" bIns="0" anchor="ctr"/>
+          <a:lstStyle/>
           <a:p>
             <a:pPr algn="ctr"/>
             <a:endParaRPr/>
@@ -1645,7 +1934,8 @@
           </a:prstGeom>
         </p:spPr>
         <p:txBody>
-          <a:bodyPr lIns="0" rIns="0" tIns="0" bIns="0" anchor="ctr"/>
+          <a:bodyPr lIns="0" tIns="0" rIns="0" bIns="0" anchor="ctr"/>
+          <a:lstStyle/>
           <a:p>
             <a:pPr algn="ctr"/>
             <a:endParaRPr/>
@@ -1654,11 +1944,14 @@
       </p:sp>
     </p:spTree>
   </p:cSld>
+  <p:clrMapOvr>
+    <a:masterClrMapping/>
+  </p:clrMapOvr>
 </p:sldLayout>
 </file>
 
 <file path=ppt/slideLayouts/slideLayout20.xml><?xml version="1.0" encoding="utf-8"?>
-<p:sldLayout xmlns:a="http://schemas.openxmlformats.org/drawingml/2006/main" xmlns:p="http://schemas.openxmlformats.org/presentationml/2006/main" xmlns:r="http://schemas.openxmlformats.org/officeDocument/2006/relationships" type="objAndTwoObj" preserve="1">
+<p:sldLayout xmlns:a="http://schemas.openxmlformats.org/drawingml/2006/main" xmlns:r="http://schemas.openxmlformats.org/officeDocument/2006/relationships" xmlns:p="http://schemas.openxmlformats.org/presentationml/2006/main" type="objAndTwoObj" preserve="1">
   <p:cSld name="Title Content and 2 Content">
     <p:spTree>
       <p:nvGrpSpPr>
@@ -1694,7 +1987,8 @@
           </a:prstGeom>
         </p:spPr>
         <p:txBody>
-          <a:bodyPr lIns="0" rIns="0" tIns="0" bIns="0" anchor="ctr"/>
+          <a:bodyPr lIns="0" tIns="0" rIns="0" bIns="0" anchor="ctr"/>
+          <a:lstStyle/>
           <a:p>
             <a:pPr algn="ctr"/>
             <a:endParaRPr/>
@@ -1721,7 +2015,8 @@
           </a:prstGeom>
         </p:spPr>
         <p:txBody>
-          <a:bodyPr lIns="0" rIns="0" tIns="0" bIns="0"/>
+          <a:bodyPr lIns="0" tIns="0" rIns="0" bIns="0"/>
+          <a:lstStyle/>
           <a:p>
             <a:endParaRPr/>
           </a:p>
@@ -1747,7 +2042,8 @@
           </a:prstGeom>
         </p:spPr>
         <p:txBody>
-          <a:bodyPr lIns="0" rIns="0" tIns="0" bIns="0"/>
+          <a:bodyPr lIns="0" tIns="0" rIns="0" bIns="0"/>
+          <a:lstStyle/>
           <a:p>
             <a:endParaRPr/>
           </a:p>
@@ -1773,7 +2069,8 @@
           </a:prstGeom>
         </p:spPr>
         <p:txBody>
-          <a:bodyPr lIns="0" rIns="0" tIns="0" bIns="0"/>
+          <a:bodyPr lIns="0" tIns="0" rIns="0" bIns="0"/>
+          <a:lstStyle/>
           <a:p>
             <a:endParaRPr/>
           </a:p>
@@ -1781,11 +2078,14 @@
       </p:sp>
     </p:spTree>
   </p:cSld>
+  <p:clrMapOvr>
+    <a:masterClrMapping/>
+  </p:clrMapOvr>
 </p:sldLayout>
 </file>
 
 <file path=ppt/slideLayouts/slideLayout21.xml><?xml version="1.0" encoding="utf-8"?>
-<p:sldLayout xmlns:a="http://schemas.openxmlformats.org/drawingml/2006/main" xmlns:p="http://schemas.openxmlformats.org/presentationml/2006/main" xmlns:r="http://schemas.openxmlformats.org/officeDocument/2006/relationships" type="twoObjOverTx" preserve="1">
+<p:sldLayout xmlns:a="http://schemas.openxmlformats.org/drawingml/2006/main" xmlns:r="http://schemas.openxmlformats.org/officeDocument/2006/relationships" xmlns:p="http://schemas.openxmlformats.org/presentationml/2006/main" type="twoObjOverTx" preserve="1">
   <p:cSld name="Title, 2 Content over Content">
     <p:spTree>
       <p:nvGrpSpPr>
@@ -1821,7 +2121,8 @@
           </a:prstGeom>
         </p:spPr>
         <p:txBody>
-          <a:bodyPr lIns="0" rIns="0" tIns="0" bIns="0" anchor="ctr"/>
+          <a:bodyPr lIns="0" tIns="0" rIns="0" bIns="0" anchor="ctr"/>
+          <a:lstStyle/>
           <a:p>
             <a:pPr algn="ctr"/>
             <a:endParaRPr/>
@@ -1848,7 +2149,8 @@
           </a:prstGeom>
         </p:spPr>
         <p:txBody>
-          <a:bodyPr lIns="0" rIns="0" tIns="0" bIns="0"/>
+          <a:bodyPr lIns="0" tIns="0" rIns="0" bIns="0"/>
+          <a:lstStyle/>
           <a:p>
             <a:endParaRPr/>
           </a:p>
@@ -1874,7 +2176,8 @@
           </a:prstGeom>
         </p:spPr>
         <p:txBody>
-          <a:bodyPr lIns="0" rIns="0" tIns="0" bIns="0"/>
+          <a:bodyPr lIns="0" tIns="0" rIns="0" bIns="0"/>
+          <a:lstStyle/>
           <a:p>
             <a:endParaRPr/>
           </a:p>
@@ -1900,7 +2203,8 @@
           </a:prstGeom>
         </p:spPr>
         <p:txBody>
-          <a:bodyPr lIns="0" rIns="0" tIns="0" bIns="0"/>
+          <a:bodyPr lIns="0" tIns="0" rIns="0" bIns="0"/>
+          <a:lstStyle/>
           <a:p>
             <a:endParaRPr/>
           </a:p>
@@ -1908,11 +2212,14 @@
       </p:sp>
     </p:spTree>
   </p:cSld>
+  <p:clrMapOvr>
+    <a:masterClrMapping/>
+  </p:clrMapOvr>
 </p:sldLayout>
 </file>
 
 <file path=ppt/slideLayouts/slideLayout22.xml><?xml version="1.0" encoding="utf-8"?>
-<p:sldLayout xmlns:a="http://schemas.openxmlformats.org/drawingml/2006/main" xmlns:p="http://schemas.openxmlformats.org/presentationml/2006/main" xmlns:r="http://schemas.openxmlformats.org/officeDocument/2006/relationships" type="objOverTx" preserve="1">
+<p:sldLayout xmlns:a="http://schemas.openxmlformats.org/drawingml/2006/main" xmlns:r="http://schemas.openxmlformats.org/officeDocument/2006/relationships" xmlns:p="http://schemas.openxmlformats.org/presentationml/2006/main" type="objOverTx" preserve="1">
   <p:cSld name="Title, Content over Content">
     <p:spTree>
       <p:nvGrpSpPr>
@@ -1948,7 +2255,8 @@
           </a:prstGeom>
         </p:spPr>
         <p:txBody>
-          <a:bodyPr lIns="0" rIns="0" tIns="0" bIns="0" anchor="ctr"/>
+          <a:bodyPr lIns="0" tIns="0" rIns="0" bIns="0" anchor="ctr"/>
+          <a:lstStyle/>
           <a:p>
             <a:pPr algn="ctr"/>
             <a:endParaRPr/>
@@ -1975,7 +2283,8 @@
           </a:prstGeom>
         </p:spPr>
         <p:txBody>
-          <a:bodyPr lIns="0" rIns="0" tIns="0" bIns="0"/>
+          <a:bodyPr lIns="0" tIns="0" rIns="0" bIns="0"/>
+          <a:lstStyle/>
           <a:p>
             <a:endParaRPr/>
           </a:p>
@@ -2001,7 +2310,8 @@
           </a:prstGeom>
         </p:spPr>
         <p:txBody>
-          <a:bodyPr lIns="0" rIns="0" tIns="0" bIns="0"/>
+          <a:bodyPr lIns="0" tIns="0" rIns="0" bIns="0"/>
+          <a:lstStyle/>
           <a:p>
             <a:endParaRPr/>
           </a:p>
@@ -2009,11 +2319,14 @@
       </p:sp>
     </p:spTree>
   </p:cSld>
+  <p:clrMapOvr>
+    <a:masterClrMapping/>
+  </p:clrMapOvr>
 </p:sldLayout>
 </file>
 
 <file path=ppt/slideLayouts/slideLayout23.xml><?xml version="1.0" encoding="utf-8"?>
-<p:sldLayout xmlns:a="http://schemas.openxmlformats.org/drawingml/2006/main" xmlns:p="http://schemas.openxmlformats.org/presentationml/2006/main" xmlns:r="http://schemas.openxmlformats.org/officeDocument/2006/relationships" type="fourObj" preserve="1">
+<p:sldLayout xmlns:a="http://schemas.openxmlformats.org/drawingml/2006/main" xmlns:r="http://schemas.openxmlformats.org/officeDocument/2006/relationships" xmlns:p="http://schemas.openxmlformats.org/presentationml/2006/main" type="fourObj" preserve="1">
   <p:cSld name="Title, 4 Content">
     <p:spTree>
       <p:nvGrpSpPr>
@@ -2049,7 +2362,8 @@
           </a:prstGeom>
         </p:spPr>
         <p:txBody>
-          <a:bodyPr lIns="0" rIns="0" tIns="0" bIns="0" anchor="ctr"/>
+          <a:bodyPr lIns="0" tIns="0" rIns="0" bIns="0" anchor="ctr"/>
+          <a:lstStyle/>
           <a:p>
             <a:pPr algn="ctr"/>
             <a:endParaRPr/>
@@ -2076,7 +2390,8 @@
           </a:prstGeom>
         </p:spPr>
         <p:txBody>
-          <a:bodyPr lIns="0" rIns="0" tIns="0" bIns="0"/>
+          <a:bodyPr lIns="0" tIns="0" rIns="0" bIns="0"/>
+          <a:lstStyle/>
           <a:p>
             <a:endParaRPr/>
           </a:p>
@@ -2102,7 +2417,8 @@
           </a:prstGeom>
         </p:spPr>
         <p:txBody>
-          <a:bodyPr lIns="0" rIns="0" tIns="0" bIns="0"/>
+          <a:bodyPr lIns="0" tIns="0" rIns="0" bIns="0"/>
+          <a:lstStyle/>
           <a:p>
             <a:endParaRPr/>
           </a:p>
@@ -2128,7 +2444,8 @@
           </a:prstGeom>
         </p:spPr>
         <p:txBody>
-          <a:bodyPr lIns="0" rIns="0" tIns="0" bIns="0"/>
+          <a:bodyPr lIns="0" tIns="0" rIns="0" bIns="0"/>
+          <a:lstStyle/>
           <a:p>
             <a:endParaRPr/>
           </a:p>
@@ -2154,7 +2471,8 @@
           </a:prstGeom>
         </p:spPr>
         <p:txBody>
-          <a:bodyPr lIns="0" rIns="0" tIns="0" bIns="0"/>
+          <a:bodyPr lIns="0" tIns="0" rIns="0" bIns="0"/>
+          <a:lstStyle/>
           <a:p>
             <a:endParaRPr/>
           </a:p>
@@ -2162,11 +2480,14 @@
       </p:sp>
     </p:spTree>
   </p:cSld>
+  <p:clrMapOvr>
+    <a:masterClrMapping/>
+  </p:clrMapOvr>
 </p:sldLayout>
 </file>
 
 <file path=ppt/slideLayouts/slideLayout24.xml><?xml version="1.0" encoding="utf-8"?>
-<p:sldLayout xmlns:a="http://schemas.openxmlformats.org/drawingml/2006/main" xmlns:p="http://schemas.openxmlformats.org/presentationml/2006/main" xmlns:r="http://schemas.openxmlformats.org/officeDocument/2006/relationships" type="blank" preserve="1">
+<p:sldLayout xmlns:a="http://schemas.openxmlformats.org/drawingml/2006/main" xmlns:r="http://schemas.openxmlformats.org/officeDocument/2006/relationships" xmlns:p="http://schemas.openxmlformats.org/presentationml/2006/main" type="blank" preserve="1">
   <p:cSld name="Title, 6 Content">
     <p:spTree>
       <p:nvGrpSpPr>
@@ -2202,7 +2523,8 @@
           </a:prstGeom>
         </p:spPr>
         <p:txBody>
-          <a:bodyPr lIns="0" rIns="0" tIns="0" bIns="0" anchor="ctr"/>
+          <a:bodyPr lIns="0" tIns="0" rIns="0" bIns="0" anchor="ctr"/>
+          <a:lstStyle/>
           <a:p>
             <a:pPr algn="ctr"/>
             <a:endParaRPr/>
@@ -2229,7 +2551,8 @@
           </a:prstGeom>
         </p:spPr>
         <p:txBody>
-          <a:bodyPr lIns="0" rIns="0" tIns="0" bIns="0"/>
+          <a:bodyPr lIns="0" tIns="0" rIns="0" bIns="0"/>
+          <a:lstStyle/>
           <a:p>
             <a:endParaRPr/>
           </a:p>
@@ -2255,7 +2578,8 @@
           </a:prstGeom>
         </p:spPr>
         <p:txBody>
-          <a:bodyPr lIns="0" rIns="0" tIns="0" bIns="0"/>
+          <a:bodyPr lIns="0" tIns="0" rIns="0" bIns="0"/>
+          <a:lstStyle/>
           <a:p>
             <a:endParaRPr/>
           </a:p>
@@ -2263,7 +2587,7 @@
       </p:sp>
       <p:pic>
         <p:nvPicPr>
-          <p:cNvPr id="70" name="" descr=""/>
+          <p:cNvPr id="70" name="Picture 69"/>
           <p:cNvPicPr/>
           <p:nvPr/>
         </p:nvPicPr>
@@ -2288,12 +2612,12 @@
       </p:pic>
       <p:pic>
         <p:nvPicPr>
-          <p:cNvPr id="71" name="" descr=""/>
+          <p:cNvPr id="71" name="Picture 70"/>
           <p:cNvPicPr/>
           <p:nvPr/>
         </p:nvPicPr>
         <p:blipFill>
-          <a:blip r:embed="rId3"/>
+          <a:blip r:embed="rId2"/>
           <a:stretch>
             <a:fillRect/>
           </a:stretch>
@@ -2313,11 +2637,14 @@
       </p:pic>
     </p:spTree>
   </p:cSld>
+  <p:clrMapOvr>
+    <a:masterClrMapping/>
+  </p:clrMapOvr>
 </p:sldLayout>
 </file>
 
 <file path=ppt/slideLayouts/slideLayout3.xml><?xml version="1.0" encoding="utf-8"?>
-<p:sldLayout xmlns:a="http://schemas.openxmlformats.org/drawingml/2006/main" xmlns:p="http://schemas.openxmlformats.org/presentationml/2006/main" xmlns:r="http://schemas.openxmlformats.org/officeDocument/2006/relationships" type="obj" preserve="1">
+<p:sldLayout xmlns:a="http://schemas.openxmlformats.org/drawingml/2006/main" xmlns:r="http://schemas.openxmlformats.org/officeDocument/2006/relationships" xmlns:p="http://schemas.openxmlformats.org/presentationml/2006/main" type="obj" preserve="1">
   <p:cSld name="Title, Content">
     <p:spTree>
       <p:nvGrpSpPr>
@@ -2353,7 +2680,8 @@
           </a:prstGeom>
         </p:spPr>
         <p:txBody>
-          <a:bodyPr lIns="0" rIns="0" tIns="0" bIns="0" anchor="ctr"/>
+          <a:bodyPr lIns="0" tIns="0" rIns="0" bIns="0" anchor="ctr"/>
+          <a:lstStyle/>
           <a:p>
             <a:pPr algn="ctr"/>
             <a:endParaRPr/>
@@ -2380,7 +2708,8 @@
           </a:prstGeom>
         </p:spPr>
         <p:txBody>
-          <a:bodyPr lIns="0" rIns="0" tIns="0" bIns="0"/>
+          <a:bodyPr lIns="0" tIns="0" rIns="0" bIns="0"/>
+          <a:lstStyle/>
           <a:p>
             <a:endParaRPr/>
           </a:p>
@@ -2388,11 +2717,14 @@
       </p:sp>
     </p:spTree>
   </p:cSld>
+  <p:clrMapOvr>
+    <a:masterClrMapping/>
+  </p:clrMapOvr>
 </p:sldLayout>
 </file>
 
 <file path=ppt/slideLayouts/slideLayout4.xml><?xml version="1.0" encoding="utf-8"?>
-<p:sldLayout xmlns:a="http://schemas.openxmlformats.org/drawingml/2006/main" xmlns:p="http://schemas.openxmlformats.org/presentationml/2006/main" xmlns:r="http://schemas.openxmlformats.org/officeDocument/2006/relationships" type="twoObj" preserve="1">
+<p:sldLayout xmlns:a="http://schemas.openxmlformats.org/drawingml/2006/main" xmlns:r="http://schemas.openxmlformats.org/officeDocument/2006/relationships" xmlns:p="http://schemas.openxmlformats.org/presentationml/2006/main" type="twoObj" preserve="1">
   <p:cSld name="Title, 2 Content">
     <p:spTree>
       <p:nvGrpSpPr>
@@ -2428,7 +2760,8 @@
           </a:prstGeom>
         </p:spPr>
         <p:txBody>
-          <a:bodyPr lIns="0" rIns="0" tIns="0" bIns="0" anchor="ctr"/>
+          <a:bodyPr lIns="0" tIns="0" rIns="0" bIns="0" anchor="ctr"/>
+          <a:lstStyle/>
           <a:p>
             <a:pPr algn="ctr"/>
             <a:endParaRPr/>
@@ -2455,7 +2788,8 @@
           </a:prstGeom>
         </p:spPr>
         <p:txBody>
-          <a:bodyPr lIns="0" rIns="0" tIns="0" bIns="0"/>
+          <a:bodyPr lIns="0" tIns="0" rIns="0" bIns="0"/>
+          <a:lstStyle/>
           <a:p>
             <a:endParaRPr/>
           </a:p>
@@ -2481,7 +2815,8 @@
           </a:prstGeom>
         </p:spPr>
         <p:txBody>
-          <a:bodyPr lIns="0" rIns="0" tIns="0" bIns="0"/>
+          <a:bodyPr lIns="0" tIns="0" rIns="0" bIns="0"/>
+          <a:lstStyle/>
           <a:p>
             <a:endParaRPr/>
           </a:p>
@@ -2489,11 +2824,14 @@
       </p:sp>
     </p:spTree>
   </p:cSld>
+  <p:clrMapOvr>
+    <a:masterClrMapping/>
+  </p:clrMapOvr>
 </p:sldLayout>
 </file>
 
 <file path=ppt/slideLayouts/slideLayout5.xml><?xml version="1.0" encoding="utf-8"?>
-<p:sldLayout xmlns:a="http://schemas.openxmlformats.org/drawingml/2006/main" xmlns:p="http://schemas.openxmlformats.org/presentationml/2006/main" xmlns:r="http://schemas.openxmlformats.org/officeDocument/2006/relationships" type="titleOnly" preserve="1">
+<p:sldLayout xmlns:a="http://schemas.openxmlformats.org/drawingml/2006/main" xmlns:r="http://schemas.openxmlformats.org/officeDocument/2006/relationships" xmlns:p="http://schemas.openxmlformats.org/presentationml/2006/main" type="titleOnly" preserve="1">
   <p:cSld name="Title Only">
     <p:spTree>
       <p:nvGrpSpPr>
@@ -2529,7 +2867,8 @@
           </a:prstGeom>
         </p:spPr>
         <p:txBody>
-          <a:bodyPr lIns="0" rIns="0" tIns="0" bIns="0" anchor="ctr"/>
+          <a:bodyPr lIns="0" tIns="0" rIns="0" bIns="0" anchor="ctr"/>
+          <a:lstStyle/>
           <a:p>
             <a:pPr algn="ctr"/>
             <a:endParaRPr/>
@@ -2538,11 +2877,14 @@
       </p:sp>
     </p:spTree>
   </p:cSld>
+  <p:clrMapOvr>
+    <a:masterClrMapping/>
+  </p:clrMapOvr>
 </p:sldLayout>
 </file>
 
 <file path=ppt/slideLayouts/slideLayout6.xml><?xml version="1.0" encoding="utf-8"?>
-<p:sldLayout xmlns:a="http://schemas.openxmlformats.org/drawingml/2006/main" xmlns:p="http://schemas.openxmlformats.org/presentationml/2006/main" xmlns:r="http://schemas.openxmlformats.org/officeDocument/2006/relationships" type="objOnly" preserve="1">
+<p:sldLayout xmlns:a="http://schemas.openxmlformats.org/drawingml/2006/main" xmlns:r="http://schemas.openxmlformats.org/officeDocument/2006/relationships" xmlns:p="http://schemas.openxmlformats.org/presentationml/2006/main" type="objOnly" preserve="1">
   <p:cSld name="Centered Text">
     <p:spTree>
       <p:nvGrpSpPr>
@@ -2578,7 +2920,8 @@
           </a:prstGeom>
         </p:spPr>
         <p:txBody>
-          <a:bodyPr lIns="0" rIns="0" tIns="0" bIns="0" anchor="ctr"/>
+          <a:bodyPr lIns="0" tIns="0" rIns="0" bIns="0" anchor="ctr"/>
+          <a:lstStyle/>
           <a:p>
             <a:pPr algn="ctr"/>
             <a:endParaRPr/>
@@ -2587,11 +2930,14 @@
       </p:sp>
     </p:spTree>
   </p:cSld>
+  <p:clrMapOvr>
+    <a:masterClrMapping/>
+  </p:clrMapOvr>
 </p:sldLayout>
 </file>
 
 <file path=ppt/slideLayouts/slideLayout7.xml><?xml version="1.0" encoding="utf-8"?>
-<p:sldLayout xmlns:a="http://schemas.openxmlformats.org/drawingml/2006/main" xmlns:p="http://schemas.openxmlformats.org/presentationml/2006/main" xmlns:r="http://schemas.openxmlformats.org/officeDocument/2006/relationships" type="twoObjAndObj" preserve="1">
+<p:sldLayout xmlns:a="http://schemas.openxmlformats.org/drawingml/2006/main" xmlns:r="http://schemas.openxmlformats.org/officeDocument/2006/relationships" xmlns:p="http://schemas.openxmlformats.org/presentationml/2006/main" type="twoObjAndObj" preserve="1">
   <p:cSld name="Title, 2 Content and Content">
     <p:spTree>
       <p:nvGrpSpPr>
@@ -2627,7 +2973,8 @@
           </a:prstGeom>
         </p:spPr>
         <p:txBody>
-          <a:bodyPr lIns="0" rIns="0" tIns="0" bIns="0" anchor="ctr"/>
+          <a:bodyPr lIns="0" tIns="0" rIns="0" bIns="0" anchor="ctr"/>
+          <a:lstStyle/>
           <a:p>
             <a:pPr algn="ctr"/>
             <a:endParaRPr/>
@@ -2654,7 +3001,8 @@
           </a:prstGeom>
         </p:spPr>
         <p:txBody>
-          <a:bodyPr lIns="0" rIns="0" tIns="0" bIns="0"/>
+          <a:bodyPr lIns="0" tIns="0" rIns="0" bIns="0"/>
+          <a:lstStyle/>
           <a:p>
             <a:endParaRPr/>
           </a:p>
@@ -2680,7 +3028,8 @@
           </a:prstGeom>
         </p:spPr>
         <p:txBody>
-          <a:bodyPr lIns="0" rIns="0" tIns="0" bIns="0"/>
+          <a:bodyPr lIns="0" tIns="0" rIns="0" bIns="0"/>
+          <a:lstStyle/>
           <a:p>
             <a:endParaRPr/>
           </a:p>
@@ -2706,7 +3055,8 @@
           </a:prstGeom>
         </p:spPr>
         <p:txBody>
-          <a:bodyPr lIns="0" rIns="0" tIns="0" bIns="0"/>
+          <a:bodyPr lIns="0" tIns="0" rIns="0" bIns="0"/>
+          <a:lstStyle/>
           <a:p>
             <a:endParaRPr/>
           </a:p>
@@ -2714,11 +3064,14 @@
       </p:sp>
     </p:spTree>
   </p:cSld>
+  <p:clrMapOvr>
+    <a:masterClrMapping/>
+  </p:clrMapOvr>
 </p:sldLayout>
 </file>
 
 <file path=ppt/slideLayouts/slideLayout8.xml><?xml version="1.0" encoding="utf-8"?>
-<p:sldLayout xmlns:a="http://schemas.openxmlformats.org/drawingml/2006/main" xmlns:p="http://schemas.openxmlformats.org/presentationml/2006/main" xmlns:r="http://schemas.openxmlformats.org/officeDocument/2006/relationships" type="objAndTwoObj" preserve="1">
+<p:sldLayout xmlns:a="http://schemas.openxmlformats.org/drawingml/2006/main" xmlns:r="http://schemas.openxmlformats.org/officeDocument/2006/relationships" xmlns:p="http://schemas.openxmlformats.org/presentationml/2006/main" type="objAndTwoObj" preserve="1">
   <p:cSld name="Title Content and 2 Content">
     <p:spTree>
       <p:nvGrpSpPr>
@@ -2754,7 +3107,8 @@
           </a:prstGeom>
         </p:spPr>
         <p:txBody>
-          <a:bodyPr lIns="0" rIns="0" tIns="0" bIns="0" anchor="ctr"/>
+          <a:bodyPr lIns="0" tIns="0" rIns="0" bIns="0" anchor="ctr"/>
+          <a:lstStyle/>
           <a:p>
             <a:pPr algn="ctr"/>
             <a:endParaRPr/>
@@ -2781,7 +3135,8 @@
           </a:prstGeom>
         </p:spPr>
         <p:txBody>
-          <a:bodyPr lIns="0" rIns="0" tIns="0" bIns="0"/>
+          <a:bodyPr lIns="0" tIns="0" rIns="0" bIns="0"/>
+          <a:lstStyle/>
           <a:p>
             <a:endParaRPr/>
           </a:p>
@@ -2807,7 +3162,8 @@
           </a:prstGeom>
         </p:spPr>
         <p:txBody>
-          <a:bodyPr lIns="0" rIns="0" tIns="0" bIns="0"/>
+          <a:bodyPr lIns="0" tIns="0" rIns="0" bIns="0"/>
+          <a:lstStyle/>
           <a:p>
             <a:endParaRPr/>
           </a:p>
@@ -2833,7 +3189,8 @@
           </a:prstGeom>
         </p:spPr>
         <p:txBody>
-          <a:bodyPr lIns="0" rIns="0" tIns="0" bIns="0"/>
+          <a:bodyPr lIns="0" tIns="0" rIns="0" bIns="0"/>
+          <a:lstStyle/>
           <a:p>
             <a:endParaRPr/>
           </a:p>
@@ -2841,11 +3198,14 @@
       </p:sp>
     </p:spTree>
   </p:cSld>
+  <p:clrMapOvr>
+    <a:masterClrMapping/>
+  </p:clrMapOvr>
 </p:sldLayout>
 </file>
 
 <file path=ppt/slideLayouts/slideLayout9.xml><?xml version="1.0" encoding="utf-8"?>
-<p:sldLayout xmlns:a="http://schemas.openxmlformats.org/drawingml/2006/main" xmlns:p="http://schemas.openxmlformats.org/presentationml/2006/main" xmlns:r="http://schemas.openxmlformats.org/officeDocument/2006/relationships" type="twoObjOverTx" preserve="1">
+<p:sldLayout xmlns:a="http://schemas.openxmlformats.org/drawingml/2006/main" xmlns:r="http://schemas.openxmlformats.org/officeDocument/2006/relationships" xmlns:p="http://schemas.openxmlformats.org/presentationml/2006/main" type="twoObjOverTx" preserve="1">
   <p:cSld name="Title, 2 Content over Content">
     <p:spTree>
       <p:nvGrpSpPr>
@@ -2881,7 +3241,8 @@
           </a:prstGeom>
         </p:spPr>
         <p:txBody>
-          <a:bodyPr lIns="0" rIns="0" tIns="0" bIns="0" anchor="ctr"/>
+          <a:bodyPr lIns="0" tIns="0" rIns="0" bIns="0" anchor="ctr"/>
+          <a:lstStyle/>
           <a:p>
             <a:pPr algn="ctr"/>
             <a:endParaRPr/>
@@ -2908,7 +3269,8 @@
           </a:prstGeom>
         </p:spPr>
         <p:txBody>
-          <a:bodyPr lIns="0" rIns="0" tIns="0" bIns="0"/>
+          <a:bodyPr lIns="0" tIns="0" rIns="0" bIns="0"/>
+          <a:lstStyle/>
           <a:p>
             <a:endParaRPr/>
           </a:p>
@@ -2934,7 +3296,8 @@
           </a:prstGeom>
         </p:spPr>
         <p:txBody>
-          <a:bodyPr lIns="0" rIns="0" tIns="0" bIns="0"/>
+          <a:bodyPr lIns="0" tIns="0" rIns="0" bIns="0"/>
+          <a:lstStyle/>
           <a:p>
             <a:endParaRPr/>
           </a:p>
@@ -2960,7 +3323,8 @@
           </a:prstGeom>
         </p:spPr>
         <p:txBody>
-          <a:bodyPr lIns="0" rIns="0" tIns="0" bIns="0"/>
+          <a:bodyPr lIns="0" tIns="0" rIns="0" bIns="0"/>
+          <a:lstStyle/>
           <a:p>
             <a:endParaRPr/>
           </a:p>
@@ -2968,17 +3332,21 @@
       </p:sp>
     </p:spTree>
   </p:cSld>
+  <p:clrMapOvr>
+    <a:masterClrMapping/>
+  </p:clrMapOvr>
 </p:sldLayout>
 </file>
 
 <file path=ppt/slideMasters/slideMaster1.xml><?xml version="1.0" encoding="utf-8"?>
-<p:sldMaster xmlns:a="http://schemas.openxmlformats.org/drawingml/2006/main" xmlns:p="http://schemas.openxmlformats.org/presentationml/2006/main" xmlns:r="http://schemas.openxmlformats.org/officeDocument/2006/relationships">
+<p:sldMaster xmlns:a="http://schemas.openxmlformats.org/drawingml/2006/main" xmlns:r="http://schemas.openxmlformats.org/officeDocument/2006/relationships" xmlns:p="http://schemas.openxmlformats.org/presentationml/2006/main">
   <p:cSld>
     <p:bg>
       <p:bgPr>
         <a:solidFill>
-          <a:srgbClr val="ffffff"/>
+          <a:srgbClr val="FFFFFF"/>
         </a:solidFill>
+        <a:effectLst/>
       </p:bgPr>
     </p:bg>
     <p:spTree>
@@ -2997,7 +3365,7 @@
       </p:grpSpPr>
       <p:sp>
         <p:nvSpPr>
-          <p:cNvPr id="0" name="PlaceHolder 1"/>
+          <p:cNvPr id="2" name="PlaceHolder 1"/>
           <p:cNvSpPr>
             <a:spLocks noGrp="1"/>
           </p:cNvSpPr>
@@ -3015,7 +3383,8 @@
           </a:prstGeom>
         </p:spPr>
         <p:txBody>
-          <a:bodyPr lIns="0" rIns="0" tIns="0" bIns="0" anchor="ctr"/>
+          <a:bodyPr lIns="0" tIns="0" rIns="0" bIns="0" anchor="ctr"/>
+          <a:lstStyle/>
           <a:p>
             <a:pPr algn="ctr"/>
             <a:r>
@@ -3030,7 +3399,7 @@
       </p:sp>
       <p:sp>
         <p:nvSpPr>
-          <p:cNvPr id="1" name="PlaceHolder 2"/>
+          <p:cNvPr id="3" name="PlaceHolder 2"/>
           <p:cNvSpPr>
             <a:spLocks noGrp="1"/>
           </p:cNvSpPr>
@@ -3048,7 +3417,8 @@
           </a:prstGeom>
         </p:spPr>
         <p:txBody>
-          <a:bodyPr lIns="0" rIns="0" tIns="0" bIns="0"/>
+          <a:bodyPr lIns="0" tIns="0" rIns="0" bIns="0"/>
+          <a:lstStyle/>
           <a:p>
             <a:pPr>
               <a:buSzPct val="45000"/>
@@ -3151,32 +3521,313 @@
       </p:sp>
     </p:spTree>
   </p:cSld>
-  <p:clrMap bg1="lt1" bg2="lt2" tx1="dk1" tx2="dk2" accent1="accent1" accent2="accent2" accent3="accent3" accent4="accent4" accent5="accent5" accent6="accent6" hlink="hlink" folHlink="folHlink"/>
+  <p:clrMap bg1="lt1" tx1="dk1" bg2="lt2" tx2="dk2" accent1="accent1" accent2="accent2" accent3="accent3" accent4="accent4" accent5="accent5" accent6="accent6" hlink="hlink" folHlink="folHlink"/>
   <p:sldLayoutIdLst>
-    <p:sldLayoutId id="2147483649" r:id="rId2"/>
-    <p:sldLayoutId id="2147483650" r:id="rId3"/>
-    <p:sldLayoutId id="2147483651" r:id="rId4"/>
-    <p:sldLayoutId id="2147483652" r:id="rId5"/>
-    <p:sldLayoutId id="2147483653" r:id="rId6"/>
-    <p:sldLayoutId id="2147483654" r:id="rId7"/>
-    <p:sldLayoutId id="2147483655" r:id="rId8"/>
-    <p:sldLayoutId id="2147483656" r:id="rId9"/>
-    <p:sldLayoutId id="2147483657" r:id="rId10"/>
-    <p:sldLayoutId id="2147483658" r:id="rId11"/>
-    <p:sldLayoutId id="2147483659" r:id="rId12"/>
-    <p:sldLayoutId id="2147483660" r:id="rId13"/>
+    <p:sldLayoutId id="2147483649" r:id="rId1"/>
+    <p:sldLayoutId id="2147483650" r:id="rId2"/>
+    <p:sldLayoutId id="2147483651" r:id="rId3"/>
+    <p:sldLayoutId id="2147483652" r:id="rId4"/>
+    <p:sldLayoutId id="2147483653" r:id="rId5"/>
+    <p:sldLayoutId id="2147483654" r:id="rId6"/>
+    <p:sldLayoutId id="2147483655" r:id="rId7"/>
+    <p:sldLayoutId id="2147483656" r:id="rId8"/>
+    <p:sldLayoutId id="2147483657" r:id="rId9"/>
+    <p:sldLayoutId id="2147483658" r:id="rId10"/>
+    <p:sldLayoutId id="2147483659" r:id="rId11"/>
+    <p:sldLayoutId id="2147483660" r:id="rId12"/>
   </p:sldLayoutIdLst>
+  <p:txStyles>
+    <p:titleStyle>
+      <a:lvl1pPr algn="l" defTabSz="914400" rtl="0" eaLnBrk="1" latinLnBrk="0" hangingPunct="1">
+        <a:lnSpc>
+          <a:spcPct val="90000"/>
+        </a:lnSpc>
+        <a:spcBef>
+          <a:spcPct val="0"/>
+        </a:spcBef>
+        <a:buNone/>
+        <a:defRPr sz="4400" kern="1200">
+          <a:solidFill>
+            <a:schemeClr val="tx1"/>
+          </a:solidFill>
+          <a:latin typeface="+mj-lt"/>
+          <a:ea typeface="+mj-ea"/>
+          <a:cs typeface="+mj-cs"/>
+        </a:defRPr>
+      </a:lvl1pPr>
+    </p:titleStyle>
+    <p:bodyStyle>
+      <a:lvl1pPr marL="228600" indent="-228600" algn="l" defTabSz="914400" rtl="0" eaLnBrk="1" latinLnBrk="0" hangingPunct="1">
+        <a:lnSpc>
+          <a:spcPct val="90000"/>
+        </a:lnSpc>
+        <a:spcBef>
+          <a:spcPts val="1000"/>
+        </a:spcBef>
+        <a:buFont typeface="Arial" panose="020B0604020202020204" pitchFamily="34" charset="0"/>
+        <a:buChar char="•"/>
+        <a:defRPr sz="2800" kern="1200">
+          <a:solidFill>
+            <a:schemeClr val="tx1"/>
+          </a:solidFill>
+          <a:latin typeface="+mn-lt"/>
+          <a:ea typeface="+mn-ea"/>
+          <a:cs typeface="+mn-cs"/>
+        </a:defRPr>
+      </a:lvl1pPr>
+      <a:lvl2pPr marL="685800" indent="-228600" algn="l" defTabSz="914400" rtl="0" eaLnBrk="1" latinLnBrk="0" hangingPunct="1">
+        <a:lnSpc>
+          <a:spcPct val="90000"/>
+        </a:lnSpc>
+        <a:spcBef>
+          <a:spcPts val="500"/>
+        </a:spcBef>
+        <a:buFont typeface="Arial" panose="020B0604020202020204" pitchFamily="34" charset="0"/>
+        <a:buChar char="•"/>
+        <a:defRPr sz="2400" kern="1200">
+          <a:solidFill>
+            <a:schemeClr val="tx1"/>
+          </a:solidFill>
+          <a:latin typeface="+mn-lt"/>
+          <a:ea typeface="+mn-ea"/>
+          <a:cs typeface="+mn-cs"/>
+        </a:defRPr>
+      </a:lvl2pPr>
+      <a:lvl3pPr marL="1143000" indent="-228600" algn="l" defTabSz="914400" rtl="0" eaLnBrk="1" latinLnBrk="0" hangingPunct="1">
+        <a:lnSpc>
+          <a:spcPct val="90000"/>
+        </a:lnSpc>
+        <a:spcBef>
+          <a:spcPts val="500"/>
+        </a:spcBef>
+        <a:buFont typeface="Arial" panose="020B0604020202020204" pitchFamily="34" charset="0"/>
+        <a:buChar char="•"/>
+        <a:defRPr sz="2000" kern="1200">
+          <a:solidFill>
+            <a:schemeClr val="tx1"/>
+          </a:solidFill>
+          <a:latin typeface="+mn-lt"/>
+          <a:ea typeface="+mn-ea"/>
+          <a:cs typeface="+mn-cs"/>
+        </a:defRPr>
+      </a:lvl3pPr>
+      <a:lvl4pPr marL="1600200" indent="-228600" algn="l" defTabSz="914400" rtl="0" eaLnBrk="1" latinLnBrk="0" hangingPunct="1">
+        <a:lnSpc>
+          <a:spcPct val="90000"/>
+        </a:lnSpc>
+        <a:spcBef>
+          <a:spcPts val="500"/>
+        </a:spcBef>
+        <a:buFont typeface="Arial" panose="020B0604020202020204" pitchFamily="34" charset="0"/>
+        <a:buChar char="•"/>
+        <a:defRPr sz="1800" kern="1200">
+          <a:solidFill>
+            <a:schemeClr val="tx1"/>
+          </a:solidFill>
+          <a:latin typeface="+mn-lt"/>
+          <a:ea typeface="+mn-ea"/>
+          <a:cs typeface="+mn-cs"/>
+        </a:defRPr>
+      </a:lvl4pPr>
+      <a:lvl5pPr marL="2057400" indent="-228600" algn="l" defTabSz="914400" rtl="0" eaLnBrk="1" latinLnBrk="0" hangingPunct="1">
+        <a:lnSpc>
+          <a:spcPct val="90000"/>
+        </a:lnSpc>
+        <a:spcBef>
+          <a:spcPts val="500"/>
+        </a:spcBef>
+        <a:buFont typeface="Arial" panose="020B0604020202020204" pitchFamily="34" charset="0"/>
+        <a:buChar char="•"/>
+        <a:defRPr sz="1800" kern="1200">
+          <a:solidFill>
+            <a:schemeClr val="tx1"/>
+          </a:solidFill>
+          <a:latin typeface="+mn-lt"/>
+          <a:ea typeface="+mn-ea"/>
+          <a:cs typeface="+mn-cs"/>
+        </a:defRPr>
+      </a:lvl5pPr>
+      <a:lvl6pPr marL="2514600" indent="-228600" algn="l" defTabSz="914400" rtl="0" eaLnBrk="1" latinLnBrk="0" hangingPunct="1">
+        <a:lnSpc>
+          <a:spcPct val="90000"/>
+        </a:lnSpc>
+        <a:spcBef>
+          <a:spcPts val="500"/>
+        </a:spcBef>
+        <a:buFont typeface="Arial" panose="020B0604020202020204" pitchFamily="34" charset="0"/>
+        <a:buChar char="•"/>
+        <a:defRPr sz="1800" kern="1200">
+          <a:solidFill>
+            <a:schemeClr val="tx1"/>
+          </a:solidFill>
+          <a:latin typeface="+mn-lt"/>
+          <a:ea typeface="+mn-ea"/>
+          <a:cs typeface="+mn-cs"/>
+        </a:defRPr>
+      </a:lvl6pPr>
+      <a:lvl7pPr marL="2971800" indent="-228600" algn="l" defTabSz="914400" rtl="0" eaLnBrk="1" latinLnBrk="0" hangingPunct="1">
+        <a:lnSpc>
+          <a:spcPct val="90000"/>
+        </a:lnSpc>
+        <a:spcBef>
+          <a:spcPts val="500"/>
+        </a:spcBef>
+        <a:buFont typeface="Arial" panose="020B0604020202020204" pitchFamily="34" charset="0"/>
+        <a:buChar char="•"/>
+        <a:defRPr sz="1800" kern="1200">
+          <a:solidFill>
+            <a:schemeClr val="tx1"/>
+          </a:solidFill>
+          <a:latin typeface="+mn-lt"/>
+          <a:ea typeface="+mn-ea"/>
+          <a:cs typeface="+mn-cs"/>
+        </a:defRPr>
+      </a:lvl7pPr>
+      <a:lvl8pPr marL="3429000" indent="-228600" algn="l" defTabSz="914400" rtl="0" eaLnBrk="1" latinLnBrk="0" hangingPunct="1">
+        <a:lnSpc>
+          <a:spcPct val="90000"/>
+        </a:lnSpc>
+        <a:spcBef>
+          <a:spcPts val="500"/>
+        </a:spcBef>
+        <a:buFont typeface="Arial" panose="020B0604020202020204" pitchFamily="34" charset="0"/>
+        <a:buChar char="•"/>
+        <a:defRPr sz="1800" kern="1200">
+          <a:solidFill>
+            <a:schemeClr val="tx1"/>
+          </a:solidFill>
+          <a:latin typeface="+mn-lt"/>
+          <a:ea typeface="+mn-ea"/>
+          <a:cs typeface="+mn-cs"/>
+        </a:defRPr>
+      </a:lvl8pPr>
+      <a:lvl9pPr marL="3886200" indent="-228600" algn="l" defTabSz="914400" rtl="0" eaLnBrk="1" latinLnBrk="0" hangingPunct="1">
+        <a:lnSpc>
+          <a:spcPct val="90000"/>
+        </a:lnSpc>
+        <a:spcBef>
+          <a:spcPts val="500"/>
+        </a:spcBef>
+        <a:buFont typeface="Arial" panose="020B0604020202020204" pitchFamily="34" charset="0"/>
+        <a:buChar char="•"/>
+        <a:defRPr sz="1800" kern="1200">
+          <a:solidFill>
+            <a:schemeClr val="tx1"/>
+          </a:solidFill>
+          <a:latin typeface="+mn-lt"/>
+          <a:ea typeface="+mn-ea"/>
+          <a:cs typeface="+mn-cs"/>
+        </a:defRPr>
+      </a:lvl9pPr>
+    </p:bodyStyle>
+    <p:otherStyle>
+      <a:defPPr>
+        <a:defRPr lang="en-US"/>
+      </a:defPPr>
+      <a:lvl1pPr marL="0" algn="l" defTabSz="914400" rtl="0" eaLnBrk="1" latinLnBrk="0" hangingPunct="1">
+        <a:defRPr sz="1800" kern="1200">
+          <a:solidFill>
+            <a:schemeClr val="tx1"/>
+          </a:solidFill>
+          <a:latin typeface="+mn-lt"/>
+          <a:ea typeface="+mn-ea"/>
+          <a:cs typeface="+mn-cs"/>
+        </a:defRPr>
+      </a:lvl1pPr>
+      <a:lvl2pPr marL="457200" algn="l" defTabSz="914400" rtl="0" eaLnBrk="1" latinLnBrk="0" hangingPunct="1">
+        <a:defRPr sz="1800" kern="1200">
+          <a:solidFill>
+            <a:schemeClr val="tx1"/>
+          </a:solidFill>
+          <a:latin typeface="+mn-lt"/>
+          <a:ea typeface="+mn-ea"/>
+          <a:cs typeface="+mn-cs"/>
+        </a:defRPr>
+      </a:lvl2pPr>
+      <a:lvl3pPr marL="914400" algn="l" defTabSz="914400" rtl="0" eaLnBrk="1" latinLnBrk="0" hangingPunct="1">
+        <a:defRPr sz="1800" kern="1200">
+          <a:solidFill>
+            <a:schemeClr val="tx1"/>
+          </a:solidFill>
+          <a:latin typeface="+mn-lt"/>
+          <a:ea typeface="+mn-ea"/>
+          <a:cs typeface="+mn-cs"/>
+        </a:defRPr>
+      </a:lvl3pPr>
+      <a:lvl4pPr marL="1371600" algn="l" defTabSz="914400" rtl="0" eaLnBrk="1" latinLnBrk="0" hangingPunct="1">
+        <a:defRPr sz="1800" kern="1200">
+          <a:solidFill>
+            <a:schemeClr val="tx1"/>
+          </a:solidFill>
+          <a:latin typeface="+mn-lt"/>
+          <a:ea typeface="+mn-ea"/>
+          <a:cs typeface="+mn-cs"/>
+        </a:defRPr>
+      </a:lvl4pPr>
+      <a:lvl5pPr marL="1828800" algn="l" defTabSz="914400" rtl="0" eaLnBrk="1" latinLnBrk="0" hangingPunct="1">
+        <a:defRPr sz="1800" kern="1200">
+          <a:solidFill>
+            <a:schemeClr val="tx1"/>
+          </a:solidFill>
+          <a:latin typeface="+mn-lt"/>
+          <a:ea typeface="+mn-ea"/>
+          <a:cs typeface="+mn-cs"/>
+        </a:defRPr>
+      </a:lvl5pPr>
+      <a:lvl6pPr marL="2286000" algn="l" defTabSz="914400" rtl="0" eaLnBrk="1" latinLnBrk="0" hangingPunct="1">
+        <a:defRPr sz="1800" kern="1200">
+          <a:solidFill>
+            <a:schemeClr val="tx1"/>
+          </a:solidFill>
+          <a:latin typeface="+mn-lt"/>
+          <a:ea typeface="+mn-ea"/>
+          <a:cs typeface="+mn-cs"/>
+        </a:defRPr>
+      </a:lvl6pPr>
+      <a:lvl7pPr marL="2743200" algn="l" defTabSz="914400" rtl="0" eaLnBrk="1" latinLnBrk="0" hangingPunct="1">
+        <a:defRPr sz="1800" kern="1200">
+          <a:solidFill>
+            <a:schemeClr val="tx1"/>
+          </a:solidFill>
+          <a:latin typeface="+mn-lt"/>
+          <a:ea typeface="+mn-ea"/>
+          <a:cs typeface="+mn-cs"/>
+        </a:defRPr>
+      </a:lvl7pPr>
+      <a:lvl8pPr marL="3200400" algn="l" defTabSz="914400" rtl="0" eaLnBrk="1" latinLnBrk="0" hangingPunct="1">
+        <a:defRPr sz="1800" kern="1200">
+          <a:solidFill>
+            <a:schemeClr val="tx1"/>
+          </a:solidFill>
+          <a:latin typeface="+mn-lt"/>
+          <a:ea typeface="+mn-ea"/>
+          <a:cs typeface="+mn-cs"/>
+        </a:defRPr>
+      </a:lvl8pPr>
+      <a:lvl9pPr marL="3657600" algn="l" defTabSz="914400" rtl="0" eaLnBrk="1" latinLnBrk="0" hangingPunct="1">
+        <a:defRPr sz="1800" kern="1200">
+          <a:solidFill>
+            <a:schemeClr val="tx1"/>
+          </a:solidFill>
+          <a:latin typeface="+mn-lt"/>
+          <a:ea typeface="+mn-ea"/>
+          <a:cs typeface="+mn-cs"/>
+        </a:defRPr>
+      </a:lvl9pPr>
+    </p:otherStyle>
+  </p:txStyles>
 </p:sldMaster>
 </file>
 
 <file path=ppt/slideMasters/slideMaster2.xml><?xml version="1.0" encoding="utf-8"?>
-<p:sldMaster xmlns:a="http://schemas.openxmlformats.org/drawingml/2006/main" xmlns:p="http://schemas.openxmlformats.org/presentationml/2006/main" xmlns:r="http://schemas.openxmlformats.org/officeDocument/2006/relationships">
+<p:sldMaster xmlns:a="http://schemas.openxmlformats.org/drawingml/2006/main" xmlns:r="http://schemas.openxmlformats.org/officeDocument/2006/relationships" xmlns:p="http://schemas.openxmlformats.org/presentationml/2006/main">
   <p:cSld>
     <p:bg>
       <p:bgPr>
         <a:solidFill>
-          <a:srgbClr val="ffffff"/>
+          <a:srgbClr val="FFFFFF"/>
         </a:solidFill>
+        <a:effectLst/>
       </p:bgPr>
     </p:bg>
     <p:spTree>
@@ -3213,7 +3864,8 @@
           </a:prstGeom>
         </p:spPr>
         <p:txBody>
-          <a:bodyPr lIns="0" rIns="0" tIns="0" bIns="0" anchor="ctr"/>
+          <a:bodyPr lIns="0" tIns="0" rIns="0" bIns="0" anchor="ctr"/>
+          <a:lstStyle/>
           <a:p>
             <a:pPr algn="ctr"/>
             <a:r>
@@ -3246,7 +3898,8 @@
           </a:prstGeom>
         </p:spPr>
         <p:txBody>
-          <a:bodyPr lIns="0" rIns="0" tIns="0" bIns="0"/>
+          <a:bodyPr lIns="0" tIns="0" rIns="0" bIns="0"/>
+          <a:lstStyle/>
           <a:p>
             <a:pPr>
               <a:buSzPct val="45000"/>
@@ -3349,26 +4002,306 @@
       </p:sp>
     </p:spTree>
   </p:cSld>
-  <p:clrMap bg1="lt1" bg2="lt2" tx1="dk1" tx2="dk2" accent1="accent1" accent2="accent2" accent3="accent3" accent4="accent4" accent5="accent5" accent6="accent6" hlink="hlink" folHlink="folHlink"/>
+  <p:clrMap bg1="lt1" tx1="dk1" bg2="lt2" tx2="dk2" accent1="accent1" accent2="accent2" accent3="accent3" accent4="accent4" accent5="accent5" accent6="accent6" hlink="hlink" folHlink="folHlink"/>
   <p:sldLayoutIdLst>
-    <p:sldLayoutId id="2147483662" r:id="rId2"/>
-    <p:sldLayoutId id="2147483663" r:id="rId3"/>
-    <p:sldLayoutId id="2147483664" r:id="rId4"/>
-    <p:sldLayoutId id="2147483665" r:id="rId5"/>
-    <p:sldLayoutId id="2147483666" r:id="rId6"/>
-    <p:sldLayoutId id="2147483667" r:id="rId7"/>
-    <p:sldLayoutId id="2147483668" r:id="rId8"/>
-    <p:sldLayoutId id="2147483669" r:id="rId9"/>
-    <p:sldLayoutId id="2147483670" r:id="rId10"/>
-    <p:sldLayoutId id="2147483671" r:id="rId11"/>
-    <p:sldLayoutId id="2147483672" r:id="rId12"/>
-    <p:sldLayoutId id="2147483673" r:id="rId13"/>
+    <p:sldLayoutId id="2147483662" r:id="rId1"/>
+    <p:sldLayoutId id="2147483663" r:id="rId2"/>
+    <p:sldLayoutId id="2147483664" r:id="rId3"/>
+    <p:sldLayoutId id="2147483665" r:id="rId4"/>
+    <p:sldLayoutId id="2147483666" r:id="rId5"/>
+    <p:sldLayoutId id="2147483667" r:id="rId6"/>
+    <p:sldLayoutId id="2147483668" r:id="rId7"/>
+    <p:sldLayoutId id="2147483669" r:id="rId8"/>
+    <p:sldLayoutId id="2147483670" r:id="rId9"/>
+    <p:sldLayoutId id="2147483671" r:id="rId10"/>
+    <p:sldLayoutId id="2147483672" r:id="rId11"/>
+    <p:sldLayoutId id="2147483673" r:id="rId12"/>
   </p:sldLayoutIdLst>
+  <p:txStyles>
+    <p:titleStyle>
+      <a:lvl1pPr algn="l" defTabSz="914400" rtl="0" eaLnBrk="1" latinLnBrk="0" hangingPunct="1">
+        <a:lnSpc>
+          <a:spcPct val="90000"/>
+        </a:lnSpc>
+        <a:spcBef>
+          <a:spcPct val="0"/>
+        </a:spcBef>
+        <a:buNone/>
+        <a:defRPr sz="4400" kern="1200">
+          <a:solidFill>
+            <a:schemeClr val="tx1"/>
+          </a:solidFill>
+          <a:latin typeface="+mj-lt"/>
+          <a:ea typeface="+mj-ea"/>
+          <a:cs typeface="+mj-cs"/>
+        </a:defRPr>
+      </a:lvl1pPr>
+    </p:titleStyle>
+    <p:bodyStyle>
+      <a:lvl1pPr marL="228600" indent="-228600" algn="l" defTabSz="914400" rtl="0" eaLnBrk="1" latinLnBrk="0" hangingPunct="1">
+        <a:lnSpc>
+          <a:spcPct val="90000"/>
+        </a:lnSpc>
+        <a:spcBef>
+          <a:spcPts val="1000"/>
+        </a:spcBef>
+        <a:buFont typeface="Arial" panose="020B0604020202020204" pitchFamily="34" charset="0"/>
+        <a:buChar char="•"/>
+        <a:defRPr sz="2800" kern="1200">
+          <a:solidFill>
+            <a:schemeClr val="tx1"/>
+          </a:solidFill>
+          <a:latin typeface="+mn-lt"/>
+          <a:ea typeface="+mn-ea"/>
+          <a:cs typeface="+mn-cs"/>
+        </a:defRPr>
+      </a:lvl1pPr>
+      <a:lvl2pPr marL="685800" indent="-228600" algn="l" defTabSz="914400" rtl="0" eaLnBrk="1" latinLnBrk="0" hangingPunct="1">
+        <a:lnSpc>
+          <a:spcPct val="90000"/>
+        </a:lnSpc>
+        <a:spcBef>
+          <a:spcPts val="500"/>
+        </a:spcBef>
+        <a:buFont typeface="Arial" panose="020B0604020202020204" pitchFamily="34" charset="0"/>
+        <a:buChar char="•"/>
+        <a:defRPr sz="2400" kern="1200">
+          <a:solidFill>
+            <a:schemeClr val="tx1"/>
+          </a:solidFill>
+          <a:latin typeface="+mn-lt"/>
+          <a:ea typeface="+mn-ea"/>
+          <a:cs typeface="+mn-cs"/>
+        </a:defRPr>
+      </a:lvl2pPr>
+      <a:lvl3pPr marL="1143000" indent="-228600" algn="l" defTabSz="914400" rtl="0" eaLnBrk="1" latinLnBrk="0" hangingPunct="1">
+        <a:lnSpc>
+          <a:spcPct val="90000"/>
+        </a:lnSpc>
+        <a:spcBef>
+          <a:spcPts val="500"/>
+        </a:spcBef>
+        <a:buFont typeface="Arial" panose="020B0604020202020204" pitchFamily="34" charset="0"/>
+        <a:buChar char="•"/>
+        <a:defRPr sz="2000" kern="1200">
+          <a:solidFill>
+            <a:schemeClr val="tx1"/>
+          </a:solidFill>
+          <a:latin typeface="+mn-lt"/>
+          <a:ea typeface="+mn-ea"/>
+          <a:cs typeface="+mn-cs"/>
+        </a:defRPr>
+      </a:lvl3pPr>
+      <a:lvl4pPr marL="1600200" indent="-228600" algn="l" defTabSz="914400" rtl="0" eaLnBrk="1" latinLnBrk="0" hangingPunct="1">
+        <a:lnSpc>
+          <a:spcPct val="90000"/>
+        </a:lnSpc>
+        <a:spcBef>
+          <a:spcPts val="500"/>
+        </a:spcBef>
+        <a:buFont typeface="Arial" panose="020B0604020202020204" pitchFamily="34" charset="0"/>
+        <a:buChar char="•"/>
+        <a:defRPr sz="1800" kern="1200">
+          <a:solidFill>
+            <a:schemeClr val="tx1"/>
+          </a:solidFill>
+          <a:latin typeface="+mn-lt"/>
+          <a:ea typeface="+mn-ea"/>
+          <a:cs typeface="+mn-cs"/>
+        </a:defRPr>
+      </a:lvl4pPr>
+      <a:lvl5pPr marL="2057400" indent="-228600" algn="l" defTabSz="914400" rtl="0" eaLnBrk="1" latinLnBrk="0" hangingPunct="1">
+        <a:lnSpc>
+          <a:spcPct val="90000"/>
+        </a:lnSpc>
+        <a:spcBef>
+          <a:spcPts val="500"/>
+        </a:spcBef>
+        <a:buFont typeface="Arial" panose="020B0604020202020204" pitchFamily="34" charset="0"/>
+        <a:buChar char="•"/>
+        <a:defRPr sz="1800" kern="1200">
+          <a:solidFill>
+            <a:schemeClr val="tx1"/>
+          </a:solidFill>
+          <a:latin typeface="+mn-lt"/>
+          <a:ea typeface="+mn-ea"/>
+          <a:cs typeface="+mn-cs"/>
+        </a:defRPr>
+      </a:lvl5pPr>
+      <a:lvl6pPr marL="2514600" indent="-228600" algn="l" defTabSz="914400" rtl="0" eaLnBrk="1" latinLnBrk="0" hangingPunct="1">
+        <a:lnSpc>
+          <a:spcPct val="90000"/>
+        </a:lnSpc>
+        <a:spcBef>
+          <a:spcPts val="500"/>
+        </a:spcBef>
+        <a:buFont typeface="Arial" panose="020B0604020202020204" pitchFamily="34" charset="0"/>
+        <a:buChar char="•"/>
+        <a:defRPr sz="1800" kern="1200">
+          <a:solidFill>
+            <a:schemeClr val="tx1"/>
+          </a:solidFill>
+          <a:latin typeface="+mn-lt"/>
+          <a:ea typeface="+mn-ea"/>
+          <a:cs typeface="+mn-cs"/>
+        </a:defRPr>
+      </a:lvl6pPr>
+      <a:lvl7pPr marL="2971800" indent="-228600" algn="l" defTabSz="914400" rtl="0" eaLnBrk="1" latinLnBrk="0" hangingPunct="1">
+        <a:lnSpc>
+          <a:spcPct val="90000"/>
+        </a:lnSpc>
+        <a:spcBef>
+          <a:spcPts val="500"/>
+        </a:spcBef>
+        <a:buFont typeface="Arial" panose="020B0604020202020204" pitchFamily="34" charset="0"/>
+        <a:buChar char="•"/>
+        <a:defRPr sz="1800" kern="1200">
+          <a:solidFill>
+            <a:schemeClr val="tx1"/>
+          </a:solidFill>
+          <a:latin typeface="+mn-lt"/>
+          <a:ea typeface="+mn-ea"/>
+          <a:cs typeface="+mn-cs"/>
+        </a:defRPr>
+      </a:lvl7pPr>
+      <a:lvl8pPr marL="3429000" indent="-228600" algn="l" defTabSz="914400" rtl="0" eaLnBrk="1" latinLnBrk="0" hangingPunct="1">
+        <a:lnSpc>
+          <a:spcPct val="90000"/>
+        </a:lnSpc>
+        <a:spcBef>
+          <a:spcPts val="500"/>
+        </a:spcBef>
+        <a:buFont typeface="Arial" panose="020B0604020202020204" pitchFamily="34" charset="0"/>
+        <a:buChar char="•"/>
+        <a:defRPr sz="1800" kern="1200">
+          <a:solidFill>
+            <a:schemeClr val="tx1"/>
+          </a:solidFill>
+          <a:latin typeface="+mn-lt"/>
+          <a:ea typeface="+mn-ea"/>
+          <a:cs typeface="+mn-cs"/>
+        </a:defRPr>
+      </a:lvl8pPr>
+      <a:lvl9pPr marL="3886200" indent="-228600" algn="l" defTabSz="914400" rtl="0" eaLnBrk="1" latinLnBrk="0" hangingPunct="1">
+        <a:lnSpc>
+          <a:spcPct val="90000"/>
+        </a:lnSpc>
+        <a:spcBef>
+          <a:spcPts val="500"/>
+        </a:spcBef>
+        <a:buFont typeface="Arial" panose="020B0604020202020204" pitchFamily="34" charset="0"/>
+        <a:buChar char="•"/>
+        <a:defRPr sz="1800" kern="1200">
+          <a:solidFill>
+            <a:schemeClr val="tx1"/>
+          </a:solidFill>
+          <a:latin typeface="+mn-lt"/>
+          <a:ea typeface="+mn-ea"/>
+          <a:cs typeface="+mn-cs"/>
+        </a:defRPr>
+      </a:lvl9pPr>
+    </p:bodyStyle>
+    <p:otherStyle>
+      <a:defPPr>
+        <a:defRPr lang="en-US"/>
+      </a:defPPr>
+      <a:lvl1pPr marL="0" algn="l" defTabSz="914400" rtl="0" eaLnBrk="1" latinLnBrk="0" hangingPunct="1">
+        <a:defRPr sz="1800" kern="1200">
+          <a:solidFill>
+            <a:schemeClr val="tx1"/>
+          </a:solidFill>
+          <a:latin typeface="+mn-lt"/>
+          <a:ea typeface="+mn-ea"/>
+          <a:cs typeface="+mn-cs"/>
+        </a:defRPr>
+      </a:lvl1pPr>
+      <a:lvl2pPr marL="457200" algn="l" defTabSz="914400" rtl="0" eaLnBrk="1" latinLnBrk="0" hangingPunct="1">
+        <a:defRPr sz="1800" kern="1200">
+          <a:solidFill>
+            <a:schemeClr val="tx1"/>
+          </a:solidFill>
+          <a:latin typeface="+mn-lt"/>
+          <a:ea typeface="+mn-ea"/>
+          <a:cs typeface="+mn-cs"/>
+        </a:defRPr>
+      </a:lvl2pPr>
+      <a:lvl3pPr marL="914400" algn="l" defTabSz="914400" rtl="0" eaLnBrk="1" latinLnBrk="0" hangingPunct="1">
+        <a:defRPr sz="1800" kern="1200">
+          <a:solidFill>
+            <a:schemeClr val="tx1"/>
+          </a:solidFill>
+          <a:latin typeface="+mn-lt"/>
+          <a:ea typeface="+mn-ea"/>
+          <a:cs typeface="+mn-cs"/>
+        </a:defRPr>
+      </a:lvl3pPr>
+      <a:lvl4pPr marL="1371600" algn="l" defTabSz="914400" rtl="0" eaLnBrk="1" latinLnBrk="0" hangingPunct="1">
+        <a:defRPr sz="1800" kern="1200">
+          <a:solidFill>
+            <a:schemeClr val="tx1"/>
+          </a:solidFill>
+          <a:latin typeface="+mn-lt"/>
+          <a:ea typeface="+mn-ea"/>
+          <a:cs typeface="+mn-cs"/>
+        </a:defRPr>
+      </a:lvl4pPr>
+      <a:lvl5pPr marL="1828800" algn="l" defTabSz="914400" rtl="0" eaLnBrk="1" latinLnBrk="0" hangingPunct="1">
+        <a:defRPr sz="1800" kern="1200">
+          <a:solidFill>
+            <a:schemeClr val="tx1"/>
+          </a:solidFill>
+          <a:latin typeface="+mn-lt"/>
+          <a:ea typeface="+mn-ea"/>
+          <a:cs typeface="+mn-cs"/>
+        </a:defRPr>
+      </a:lvl5pPr>
+      <a:lvl6pPr marL="2286000" algn="l" defTabSz="914400" rtl="0" eaLnBrk="1" latinLnBrk="0" hangingPunct="1">
+        <a:defRPr sz="1800" kern="1200">
+          <a:solidFill>
+            <a:schemeClr val="tx1"/>
+          </a:solidFill>
+          <a:latin typeface="+mn-lt"/>
+          <a:ea typeface="+mn-ea"/>
+          <a:cs typeface="+mn-cs"/>
+        </a:defRPr>
+      </a:lvl6pPr>
+      <a:lvl7pPr marL="2743200" algn="l" defTabSz="914400" rtl="0" eaLnBrk="1" latinLnBrk="0" hangingPunct="1">
+        <a:defRPr sz="1800" kern="1200">
+          <a:solidFill>
+            <a:schemeClr val="tx1"/>
+          </a:solidFill>
+          <a:latin typeface="+mn-lt"/>
+          <a:ea typeface="+mn-ea"/>
+          <a:cs typeface="+mn-cs"/>
+        </a:defRPr>
+      </a:lvl7pPr>
+      <a:lvl8pPr marL="3200400" algn="l" defTabSz="914400" rtl="0" eaLnBrk="1" latinLnBrk="0" hangingPunct="1">
+        <a:defRPr sz="1800" kern="1200">
+          <a:solidFill>
+            <a:schemeClr val="tx1"/>
+          </a:solidFill>
+          <a:latin typeface="+mn-lt"/>
+          <a:ea typeface="+mn-ea"/>
+          <a:cs typeface="+mn-cs"/>
+        </a:defRPr>
+      </a:lvl8pPr>
+      <a:lvl9pPr marL="3657600" algn="l" defTabSz="914400" rtl="0" eaLnBrk="1" latinLnBrk="0" hangingPunct="1">
+        <a:defRPr sz="1800" kern="1200">
+          <a:solidFill>
+            <a:schemeClr val="tx1"/>
+          </a:solidFill>
+          <a:latin typeface="+mn-lt"/>
+          <a:ea typeface="+mn-ea"/>
+          <a:cs typeface="+mn-cs"/>
+        </a:defRPr>
+      </a:lvl9pPr>
+    </p:otherStyle>
+  </p:txStyles>
 </p:sldMaster>
 </file>
 
 <file path=ppt/slides/slide1.xml><?xml version="1.0" encoding="utf-8"?>
-<p:sld xmlns:a="http://schemas.openxmlformats.org/drawingml/2006/main" xmlns:p="http://schemas.openxmlformats.org/presentationml/2006/main" xmlns:r="http://schemas.openxmlformats.org/officeDocument/2006/relationships">
+<p:sld xmlns:a="http://schemas.openxmlformats.org/drawingml/2006/main" xmlns:r="http://schemas.openxmlformats.org/officeDocument/2006/relationships" xmlns:p="http://schemas.openxmlformats.org/presentationml/2006/main">
   <p:cSld>
     <p:spTree>
       <p:nvGrpSpPr>
@@ -3404,7 +4337,8 @@
           </a:ln>
         </p:spPr>
         <p:txBody>
-          <a:bodyPr lIns="90000" rIns="90000" tIns="45000" bIns="45000" anchor="b"/>
+          <a:bodyPr lIns="90000" tIns="45000" rIns="90000" bIns="45000" anchor="b"/>
+          <a:lstStyle/>
           <a:p>
             <a:pPr algn="ctr">
               <a:lnSpc>
@@ -3479,7 +4413,8 @@
           </a:ln>
         </p:spPr>
         <p:txBody>
-          <a:bodyPr lIns="90000" rIns="90000" tIns="45000" bIns="45000"/>
+          <a:bodyPr lIns="90000" tIns="45000" rIns="90000" bIns="45000"/>
+          <a:lstStyle/>
           <a:p>
             <a:pPr algn="ctr">
               <a:lnSpc>
@@ -3536,12 +4471,12 @@
       </p:sp>
       <p:pic>
         <p:nvPicPr>
-          <p:cNvPr id="79" name="Picture 2" descr=""/>
+          <p:cNvPr id="79" name="Picture 2"/>
           <p:cNvPicPr/>
           <p:nvPr/>
         </p:nvPicPr>
         <p:blipFill>
-          <a:blip r:embed="rId1"/>
+          <a:blip r:embed="rId2"/>
           <a:stretch>
             <a:fillRect/>
           </a:stretch>
@@ -3561,6 +4496,9 @@
       </p:pic>
     </p:spTree>
   </p:cSld>
+  <p:clrMapOvr>
+    <a:masterClrMapping/>
+  </p:clrMapOvr>
   <p:timing>
     <p:tnLst>
       <p:par>
@@ -3569,14 +4507,14 @@
             <p:seq>
               <p:cTn id="2" nodeType="mainSeq"/>
               <p:prevCondLst>
-                <p:cond delay="0" evt="onPrev">
+                <p:cond evt="onPrev" delay="0">
                   <p:tgtEl>
                     <p:sldTgt/>
                   </p:tgtEl>
                 </p:cond>
               </p:prevCondLst>
               <p:nextCondLst>
-                <p:cond delay="0" evt="onNext">
+                <p:cond evt="onNext" delay="0">
                   <p:tgtEl>
                     <p:sldTgt/>
                   </p:tgtEl>
@@ -3592,7 +4530,7 @@
 </file>
 
 <file path=ppt/slides/slide10.xml><?xml version="1.0" encoding="utf-8"?>
-<p:sld xmlns:a="http://schemas.openxmlformats.org/drawingml/2006/main" xmlns:p="http://schemas.openxmlformats.org/presentationml/2006/main" xmlns:r="http://schemas.openxmlformats.org/officeDocument/2006/relationships">
+<p:sld xmlns:a="http://schemas.openxmlformats.org/drawingml/2006/main" xmlns:r="http://schemas.openxmlformats.org/officeDocument/2006/relationships" xmlns:p="http://schemas.openxmlformats.org/presentationml/2006/main">
   <p:cSld>
     <p:spTree>
       <p:nvGrpSpPr>
@@ -3628,7 +4566,8 @@
           </a:ln>
         </p:spPr>
         <p:txBody>
-          <a:bodyPr lIns="90000" rIns="90000" tIns="45000" bIns="45000" anchor="ctr"/>
+          <a:bodyPr lIns="90000" tIns="45000" rIns="90000" bIns="45000" anchor="ctr"/>
+          <a:lstStyle/>
           <a:p>
             <a:pPr>
               <a:lnSpc>
@@ -3636,7 +4575,7 @@
               </a:lnSpc>
             </a:pPr>
             <a:r>
-              <a:rPr lang="en-US" sz="3600">
+              <a:rPr lang="en-US" sz="3600" dirty="0">
                 <a:solidFill>
                   <a:srgbClr val="000000"/>
                 </a:solidFill>
@@ -3645,7 +4584,7 @@
               </a:rPr>
               <a:t>Assignment For This Recitation!</a:t>
             </a:r>
-            <a:endParaRPr/>
+            <a:endParaRPr dirty="0"/>
           </a:p>
         </p:txBody>
       </p:sp>
@@ -3669,7 +4608,8 @@
           </a:ln>
         </p:spPr>
         <p:txBody>
-          <a:bodyPr lIns="90000" rIns="90000" tIns="45000" bIns="45000"/>
+          <a:bodyPr lIns="90000" tIns="45000" rIns="90000" bIns="45000"/>
+          <a:lstStyle/>
           <a:p>
             <a:pPr>
               <a:lnSpc>
@@ -3703,7 +4643,7 @@
             <a:r>
               <a:rPr lang="en-US" sz="6600">
                 <a:solidFill>
-                  <a:srgbClr val="ff3300"/>
+                  <a:srgbClr val="FF3300"/>
                 </a:solidFill>
                 <a:latin typeface="Calibri"/>
                 <a:ea typeface="DejaVu Sans"/>
@@ -3716,22 +4656,25 @@
       </p:sp>
     </p:spTree>
   </p:cSld>
+  <p:clrMapOvr>
+    <a:masterClrMapping/>
+  </p:clrMapOvr>
   <p:timing>
     <p:tnLst>
       <p:par>
-        <p:cTn id="19" dur="indefinite" restart="never" nodeType="tmRoot">
+        <p:cTn id="1" dur="indefinite" restart="never" nodeType="tmRoot">
           <p:childTnLst>
             <p:seq>
-              <p:cTn id="20" nodeType="mainSeq"/>
+              <p:cTn id="2" nodeType="mainSeq"/>
               <p:prevCondLst>
-                <p:cond delay="0" evt="onPrev">
+                <p:cond evt="onPrev" delay="0">
                   <p:tgtEl>
                     <p:sldTgt/>
                   </p:tgtEl>
                 </p:cond>
               </p:prevCondLst>
               <p:nextCondLst>
-                <p:cond delay="0" evt="onNext">
+                <p:cond evt="onNext" delay="0">
                   <p:tgtEl>
                     <p:sldTgt/>
                   </p:tgtEl>
@@ -3747,7 +4690,7 @@
 </file>
 
 <file path=ppt/slides/slide2.xml><?xml version="1.0" encoding="utf-8"?>
-<p:sld xmlns:a="http://schemas.openxmlformats.org/drawingml/2006/main" xmlns:p="http://schemas.openxmlformats.org/presentationml/2006/main" xmlns:r="http://schemas.openxmlformats.org/officeDocument/2006/relationships">
+<p:sld xmlns:a="http://schemas.openxmlformats.org/drawingml/2006/main" xmlns:r="http://schemas.openxmlformats.org/officeDocument/2006/relationships" xmlns:p="http://schemas.openxmlformats.org/presentationml/2006/main">
   <p:cSld>
     <p:spTree>
       <p:nvGrpSpPr>
@@ -3783,7 +4726,8 @@
           </a:ln>
         </p:spPr>
         <p:txBody>
-          <a:bodyPr lIns="90000" rIns="90000" tIns="45000" bIns="45000" anchor="ctr"/>
+          <a:bodyPr lIns="90000" tIns="45000" rIns="90000" bIns="45000" anchor="ctr"/>
+          <a:lstStyle/>
           <a:p>
             <a:pPr>
               <a:lnSpc>
@@ -3824,249 +4768,305 @@
           </a:ln>
         </p:spPr>
         <p:txBody>
-          <a:bodyPr lIns="90000" rIns="90000" tIns="45000" bIns="45000"/>
+          <a:bodyPr lIns="90000" tIns="45000" rIns="90000" bIns="45000"/>
+          <a:lstStyle/>
+          <a:p>
+            <a:pPr marL="457200" indent="-457200">
+              <a:lnSpc>
+                <a:spcPct val="90000"/>
+              </a:lnSpc>
+              <a:buSzPct val="45000"/>
+              <a:buFont typeface="Wingdings" panose="05000000000000000000" pitchFamily="2" charset="2"/>
+              <a:buChar char="§"/>
+            </a:pPr>
+            <a:r>
+              <a:rPr lang="en-US" sz="2800" dirty="0">
+                <a:solidFill>
+                  <a:srgbClr val="000000"/>
+                </a:solidFill>
+                <a:latin typeface="Calibri"/>
+                <a:ea typeface="DejaVu Sans"/>
+              </a:rPr>
+              <a:t>Full Name : Abu </a:t>
+            </a:r>
+            <a:r>
+              <a:rPr lang="en-US" sz="2800" dirty="0" err="1">
+                <a:solidFill>
+                  <a:srgbClr val="000000"/>
+                </a:solidFill>
+                <a:latin typeface="Calibri"/>
+                <a:ea typeface="DejaVu Sans"/>
+              </a:rPr>
+              <a:t>Awal</a:t>
+            </a:r>
+            <a:r>
+              <a:rPr lang="en-US" sz="2800" dirty="0">
+                <a:solidFill>
+                  <a:srgbClr val="000000"/>
+                </a:solidFill>
+                <a:latin typeface="Calibri"/>
+                <a:ea typeface="DejaVu Sans"/>
+              </a:rPr>
+              <a:t> </a:t>
+            </a:r>
+            <a:r>
+              <a:rPr lang="en-US" sz="2800" dirty="0" err="1">
+                <a:solidFill>
+                  <a:srgbClr val="000000"/>
+                </a:solidFill>
+                <a:latin typeface="Calibri"/>
+                <a:ea typeface="DejaVu Sans"/>
+              </a:rPr>
+              <a:t>Md</a:t>
+            </a:r>
+            <a:r>
+              <a:rPr lang="en-US" sz="2800" dirty="0">
+                <a:solidFill>
+                  <a:srgbClr val="000000"/>
+                </a:solidFill>
+                <a:latin typeface="Calibri"/>
+                <a:ea typeface="DejaVu Sans"/>
+              </a:rPr>
+              <a:t> </a:t>
+            </a:r>
+            <a:r>
+              <a:rPr lang="en-US" sz="2800" dirty="0" err="1">
+                <a:solidFill>
+                  <a:srgbClr val="000000"/>
+                </a:solidFill>
+                <a:latin typeface="Calibri"/>
+                <a:ea typeface="DejaVu Sans"/>
+              </a:rPr>
+              <a:t>Shoeb</a:t>
+            </a:r>
+            <a:endParaRPr dirty="0"/>
+          </a:p>
+          <a:p>
+            <a:pPr marL="457200" indent="-457200">
+              <a:lnSpc>
+                <a:spcPct val="90000"/>
+              </a:lnSpc>
+              <a:buSzPct val="45000"/>
+              <a:buFont typeface="Wingdings" panose="05000000000000000000" pitchFamily="2" charset="2"/>
+              <a:buChar char="§"/>
+            </a:pPr>
+            <a:r>
+              <a:rPr lang="en-US" sz="2800" dirty="0">
+                <a:solidFill>
+                  <a:srgbClr val="000000"/>
+                </a:solidFill>
+                <a:latin typeface="Calibri"/>
+                <a:ea typeface="DejaVu Sans"/>
+              </a:rPr>
+              <a:t>You can call me </a:t>
+            </a:r>
+            <a:r>
+              <a:rPr lang="en-US" sz="2800" b="1" i="1" dirty="0" err="1">
+                <a:solidFill>
+                  <a:srgbClr val="000000"/>
+                </a:solidFill>
+                <a:latin typeface="Calibri"/>
+                <a:ea typeface="DejaVu Sans"/>
+              </a:rPr>
+              <a:t>Shoeb</a:t>
+            </a:r>
+            <a:r>
+              <a:rPr lang="en-US" sz="2800" dirty="0">
+                <a:solidFill>
+                  <a:srgbClr val="000000"/>
+                </a:solidFill>
+                <a:latin typeface="Calibri"/>
+                <a:ea typeface="DejaVu Sans"/>
+              </a:rPr>
+              <a:t> </a:t>
+            </a:r>
+            <a:endParaRPr dirty="0"/>
+          </a:p>
+          <a:p>
+            <a:pPr marL="457200" indent="-457200">
+              <a:lnSpc>
+                <a:spcPct val="90000"/>
+              </a:lnSpc>
+              <a:buSzPct val="45000"/>
+              <a:buFont typeface="Wingdings" panose="05000000000000000000" pitchFamily="2" charset="2"/>
+              <a:buChar char="§"/>
+            </a:pPr>
+            <a:r>
+              <a:rPr lang="en-US" sz="2800" dirty="0">
+                <a:solidFill>
+                  <a:srgbClr val="000000"/>
+                </a:solidFill>
+                <a:latin typeface="Calibri"/>
+                <a:ea typeface="DejaVu Sans"/>
+              </a:rPr>
+              <a:t>Email : as2352@scarletmail.rutgers.edu</a:t>
+            </a:r>
+            <a:endParaRPr dirty="0"/>
+          </a:p>
+          <a:p>
+            <a:pPr marL="457200" indent="-457200">
+              <a:lnSpc>
+                <a:spcPct val="90000"/>
+              </a:lnSpc>
+              <a:buSzPct val="45000"/>
+              <a:buFont typeface="Wingdings" panose="05000000000000000000" pitchFamily="2" charset="2"/>
+              <a:buChar char="§"/>
+            </a:pPr>
+            <a:r>
+              <a:rPr lang="en-US" sz="2800" dirty="0">
+                <a:solidFill>
+                  <a:srgbClr val="000000"/>
+                </a:solidFill>
+                <a:latin typeface="Calibri"/>
+                <a:ea typeface="DejaVu Sans"/>
+              </a:rPr>
+              <a:t>Office : Hill 264A</a:t>
+            </a:r>
+            <a:endParaRPr dirty="0"/>
+          </a:p>
+          <a:p>
+            <a:pPr marL="457200" indent="-457200">
+              <a:lnSpc>
+                <a:spcPct val="90000"/>
+              </a:lnSpc>
+              <a:buSzPct val="45000"/>
+              <a:buFont typeface="Wingdings" panose="05000000000000000000" pitchFamily="2" charset="2"/>
+              <a:buChar char="§"/>
+            </a:pPr>
+            <a:r>
+              <a:rPr lang="en-US" sz="2800" dirty="0">
+                <a:solidFill>
+                  <a:srgbClr val="000000"/>
+                </a:solidFill>
+                <a:latin typeface="Calibri"/>
+                <a:ea typeface="DejaVu Sans"/>
+              </a:rPr>
+              <a:t>Hours: Tuesdays 12pm – 1pm</a:t>
+            </a:r>
+            <a:endParaRPr dirty="0"/>
+          </a:p>
+          <a:p>
+            <a:pPr marL="285750" indent="-285750">
+              <a:lnSpc>
+                <a:spcPct val="90000"/>
+              </a:lnSpc>
+              <a:buFont typeface="Wingdings" panose="05000000000000000000" pitchFamily="2" charset="2"/>
+              <a:buChar char="§"/>
+            </a:pPr>
+            <a:endParaRPr dirty="0"/>
+          </a:p>
+          <a:p>
+            <a:pPr marL="457200" indent="-457200">
+              <a:lnSpc>
+                <a:spcPct val="90000"/>
+              </a:lnSpc>
+              <a:buSzPct val="45000"/>
+              <a:buFont typeface="Wingdings" panose="05000000000000000000" pitchFamily="2" charset="2"/>
+              <a:buChar char="§"/>
+            </a:pPr>
+            <a:r>
+              <a:rPr lang="en-US" sz="2800" dirty="0">
+                <a:solidFill>
+                  <a:srgbClr val="000000"/>
+                </a:solidFill>
+                <a:latin typeface="Calibri"/>
+                <a:ea typeface="DejaVu Sans"/>
+              </a:rPr>
+              <a:t>Use </a:t>
+            </a:r>
+            <a:r>
+              <a:rPr lang="en-US" sz="2800" dirty="0">
+                <a:solidFill>
+                  <a:srgbClr val="800000"/>
+                </a:solidFill>
+                <a:latin typeface="Calibri"/>
+                <a:ea typeface="DejaVu Sans"/>
+              </a:rPr>
+              <a:t>Sakai Forums</a:t>
+            </a:r>
+            <a:r>
+              <a:rPr lang="en-US" sz="2800" dirty="0">
+                <a:solidFill>
+                  <a:srgbClr val="000000"/>
+                </a:solidFill>
+                <a:latin typeface="Calibri"/>
+                <a:ea typeface="DejaVu Sans"/>
+              </a:rPr>
+              <a:t> for any queries. However, if you need to send an email to your TA then please use </a:t>
+            </a:r>
+            <a:r>
+              <a:rPr lang="en-US" sz="2800" b="1" dirty="0">
+                <a:solidFill>
+                  <a:srgbClr val="800000"/>
+                </a:solidFill>
+                <a:latin typeface="Calibri"/>
+                <a:ea typeface="DejaVu Sans"/>
+              </a:rPr>
+              <a:t>CS-211</a:t>
+            </a:r>
+            <a:r>
+              <a:rPr lang="en-US" sz="2800" dirty="0">
+                <a:solidFill>
+                  <a:srgbClr val="000000"/>
+                </a:solidFill>
+                <a:latin typeface="Calibri"/>
+                <a:ea typeface="DejaVu Sans"/>
+              </a:rPr>
+              <a:t> as prefix in your </a:t>
+            </a:r>
+            <a:r>
+              <a:rPr lang="en-US" sz="2800" dirty="0">
+                <a:solidFill>
+                  <a:srgbClr val="800000"/>
+                </a:solidFill>
+                <a:latin typeface="Calibri"/>
+                <a:ea typeface="DejaVu Sans"/>
+              </a:rPr>
+              <a:t>Email Subject</a:t>
+            </a:r>
+            <a:r>
+              <a:rPr lang="en-US" sz="2800" dirty="0">
+                <a:solidFill>
+                  <a:srgbClr val="000000"/>
+                </a:solidFill>
+                <a:latin typeface="Calibri"/>
+                <a:ea typeface="DejaVu Sans"/>
+              </a:rPr>
+              <a:t>! </a:t>
+            </a:r>
+            <a:endParaRPr dirty="0"/>
+          </a:p>
           <a:p>
             <a:pPr>
               <a:lnSpc>
-                <a:spcPct val="90000"/>
-              </a:lnSpc>
-              <a:buSzPct val="45000"/>
-              <a:buFont typeface="StarSymbol"/>
-              <a:buChar char=""/>
-            </a:pPr>
-            <a:r>
-              <a:rPr lang="en-US" sz="2800">
-                <a:solidFill>
-                  <a:srgbClr val="000000"/>
-                </a:solidFill>
-                <a:latin typeface="Calibri"/>
-                <a:ea typeface="DejaVu Sans"/>
-              </a:rPr>
-              <a:t>Full Name : Abu Awal Md Shoeb</a:t>
-            </a:r>
-            <a:endParaRPr/>
-          </a:p>
-          <a:p>
-            <a:pPr>
-              <a:lnSpc>
-                <a:spcPct val="90000"/>
-              </a:lnSpc>
-              <a:buSzPct val="45000"/>
-              <a:buFont typeface="StarSymbol"/>
-              <a:buChar char=""/>
-            </a:pPr>
-            <a:r>
-              <a:rPr lang="en-US" sz="2800">
-                <a:solidFill>
-                  <a:srgbClr val="000000"/>
-                </a:solidFill>
-                <a:latin typeface="Calibri"/>
-                <a:ea typeface="DejaVu Sans"/>
-              </a:rPr>
-              <a:t>You can call me </a:t>
-            </a:r>
-            <a:r>
-              <a:rPr b="1" i="1" lang="en-US" sz="2800">
-                <a:solidFill>
-                  <a:srgbClr val="000000"/>
-                </a:solidFill>
-                <a:latin typeface="Calibri"/>
-                <a:ea typeface="DejaVu Sans"/>
-              </a:rPr>
-              <a:t>Shoeb</a:t>
-            </a:r>
-            <a:r>
-              <a:rPr lang="en-US" sz="2800">
-                <a:solidFill>
-                  <a:srgbClr val="000000"/>
-                </a:solidFill>
-                <a:latin typeface="Calibri"/>
-                <a:ea typeface="DejaVu Sans"/>
-              </a:rPr>
-              <a:t> </a:t>
-            </a:r>
-            <a:endParaRPr/>
-          </a:p>
-          <a:p>
-            <a:pPr>
-              <a:lnSpc>
-                <a:spcPct val="90000"/>
-              </a:lnSpc>
-              <a:buSzPct val="45000"/>
-              <a:buFont typeface="StarSymbol"/>
-              <a:buChar char=""/>
-            </a:pPr>
-            <a:r>
-              <a:rPr lang="en-US" sz="2800">
-                <a:solidFill>
-                  <a:srgbClr val="000000"/>
-                </a:solidFill>
-                <a:latin typeface="Calibri"/>
-                <a:ea typeface="DejaVu Sans"/>
-              </a:rPr>
-              <a:t>Email : as2352@scarletmail.rutgers.edu</a:t>
-            </a:r>
-            <a:endParaRPr/>
-          </a:p>
-          <a:p>
-            <a:pPr>
-              <a:lnSpc>
-                <a:spcPct val="90000"/>
-              </a:lnSpc>
-              <a:buSzPct val="45000"/>
-              <a:buFont typeface="StarSymbol"/>
-              <a:buChar char=""/>
-            </a:pPr>
-            <a:r>
-              <a:rPr lang="en-US" sz="2800">
-                <a:solidFill>
-                  <a:srgbClr val="000000"/>
-                </a:solidFill>
-                <a:latin typeface="Calibri"/>
-                <a:ea typeface="DejaVu Sans"/>
-              </a:rPr>
-              <a:t>Office : Hill 264A</a:t>
-            </a:r>
-            <a:endParaRPr/>
-          </a:p>
-          <a:p>
-            <a:pPr>
-              <a:lnSpc>
-                <a:spcPct val="90000"/>
-              </a:lnSpc>
-              <a:buSzPct val="45000"/>
-              <a:buFont typeface="StarSymbol"/>
-              <a:buChar char=""/>
-            </a:pPr>
-            <a:r>
-              <a:rPr lang="en-US" sz="2800">
-                <a:solidFill>
-                  <a:srgbClr val="000000"/>
-                </a:solidFill>
-                <a:latin typeface="Calibri"/>
-                <a:ea typeface="DejaVu Sans"/>
-              </a:rPr>
-              <a:t>Hours: Tuesdays 12pm – 1pm</a:t>
-            </a:r>
-            <a:endParaRPr/>
-          </a:p>
-          <a:p>
-            <a:pPr>
-              <a:lnSpc>
-                <a:spcPct val="90000"/>
-              </a:lnSpc>
-            </a:pPr>
-            <a:endParaRPr/>
-          </a:p>
-          <a:p>
-            <a:pPr>
-              <a:lnSpc>
-                <a:spcPct val="90000"/>
-              </a:lnSpc>
-              <a:buSzPct val="45000"/>
-              <a:buFont typeface="StarSymbol"/>
-              <a:buChar char=""/>
-            </a:pPr>
-            <a:r>
-              <a:rPr lang="en-US" sz="2800">
-                <a:solidFill>
-                  <a:srgbClr val="000000"/>
-                </a:solidFill>
-                <a:latin typeface="Calibri"/>
-                <a:ea typeface="DejaVu Sans"/>
-              </a:rPr>
-              <a:t>Use </a:t>
-            </a:r>
-            <a:r>
-              <a:rPr lang="en-US" sz="2800">
-                <a:solidFill>
-                  <a:srgbClr val="800000"/>
-                </a:solidFill>
-                <a:latin typeface="Calibri"/>
-                <a:ea typeface="DejaVu Sans"/>
-              </a:rPr>
-              <a:t>Sakai Forums</a:t>
-            </a:r>
-            <a:r>
-              <a:rPr lang="en-US" sz="2800">
-                <a:solidFill>
-                  <a:srgbClr val="000000"/>
-                </a:solidFill>
-                <a:latin typeface="Calibri"/>
-                <a:ea typeface="DejaVu Sans"/>
-              </a:rPr>
-              <a:t> for any queries. However, if you need to send an email to your TA then please use </a:t>
-            </a:r>
-            <a:r>
-              <a:rPr b="1" lang="en-US" sz="2800">
-                <a:solidFill>
-                  <a:srgbClr val="800000"/>
-                </a:solidFill>
-                <a:latin typeface="Calibri"/>
-                <a:ea typeface="DejaVu Sans"/>
-              </a:rPr>
-              <a:t>CS-211</a:t>
-            </a:r>
-            <a:r>
-              <a:rPr lang="en-US" sz="2800">
-                <a:solidFill>
-                  <a:srgbClr val="000000"/>
-                </a:solidFill>
-                <a:latin typeface="Calibri"/>
-                <a:ea typeface="DejaVu Sans"/>
-              </a:rPr>
-              <a:t> as prefix in your </a:t>
-            </a:r>
-            <a:r>
-              <a:rPr lang="en-US" sz="2800">
-                <a:solidFill>
-                  <a:srgbClr val="800000"/>
-                </a:solidFill>
-                <a:latin typeface="Calibri"/>
-                <a:ea typeface="DejaVu Sans"/>
-              </a:rPr>
-              <a:t>Email Subject</a:t>
-            </a:r>
-            <a:r>
-              <a:rPr lang="en-US" sz="2800">
-                <a:solidFill>
-                  <a:srgbClr val="000000"/>
-                </a:solidFill>
-                <a:latin typeface="Calibri"/>
-                <a:ea typeface="DejaVu Sans"/>
-              </a:rPr>
-              <a:t>! </a:t>
-            </a:r>
-            <a:endParaRPr/>
-          </a:p>
-          <a:p>
-            <a:pPr>
-              <a:lnSpc>
                 <a:spcPct val="100000"/>
               </a:lnSpc>
             </a:pPr>
-            <a:endParaRPr/>
+            <a:endParaRPr dirty="0"/>
           </a:p>
         </p:txBody>
       </p:sp>
     </p:spTree>
   </p:cSld>
+  <p:clrMapOvr>
+    <a:masterClrMapping/>
+  </p:clrMapOvr>
   <p:timing>
     <p:tnLst>
       <p:par>
-        <p:cTn id="3" dur="indefinite" restart="never" nodeType="tmRoot">
+        <p:cTn id="1" dur="indefinite" restart="never" nodeType="tmRoot">
           <p:childTnLst>
             <p:seq>
-              <p:cTn id="4" nodeType="mainSeq"/>
+              <p:cTn id="2" nodeType="mainSeq"/>
               <p:prevCondLst>
-                <p:cond delay="0" evt="onPrev">
+                <p:cond evt="onPrev" delay="0">
                   <p:tgtEl>
                     <p:sldTgt/>
                   </p:tgtEl>
                 </p:cond>
               </p:prevCondLst>
               <p:nextCondLst>
-                <p:cond delay="0" evt="onNext">
+                <p:cond evt="onNext" delay="0">
                   <p:tgtEl>
                     <p:sldTgt/>
                   </p:tgtEl>
@@ -4082,7 +5082,7 @@
 </file>
 
 <file path=ppt/slides/slide3.xml><?xml version="1.0" encoding="utf-8"?>
-<p:sld xmlns:a="http://schemas.openxmlformats.org/drawingml/2006/main" xmlns:p="http://schemas.openxmlformats.org/presentationml/2006/main" xmlns:r="http://schemas.openxmlformats.org/officeDocument/2006/relationships">
+<p:sld xmlns:a="http://schemas.openxmlformats.org/drawingml/2006/main" xmlns:r="http://schemas.openxmlformats.org/officeDocument/2006/relationships" xmlns:p="http://schemas.openxmlformats.org/presentationml/2006/main">
   <p:cSld>
     <p:spTree>
       <p:nvGrpSpPr>
@@ -4118,7 +5118,8 @@
           </a:ln>
         </p:spPr>
         <p:txBody>
-          <a:bodyPr lIns="90000" rIns="90000" tIns="45000" bIns="45000" anchor="ctr"/>
+          <a:bodyPr lIns="90000" tIns="45000" rIns="90000" bIns="45000" anchor="ctr"/>
+          <a:lstStyle/>
           <a:p>
             <a:pPr>
               <a:lnSpc>
@@ -4159,18 +5160,19 @@
           </a:ln>
         </p:spPr>
         <p:txBody>
-          <a:bodyPr lIns="90000" rIns="90000" tIns="45000" bIns="45000"/>
-          <a:p>
-            <a:pPr>
+          <a:bodyPr lIns="90000" tIns="45000" rIns="90000" bIns="45000"/>
+          <a:lstStyle/>
+          <a:p>
+            <a:pPr marL="457200" indent="-457200">
               <a:lnSpc>
                 <a:spcPct val="90000"/>
               </a:lnSpc>
               <a:buSzPct val="45000"/>
-              <a:buFont typeface="StarSymbol"/>
-              <a:buChar char=""/>
-            </a:pPr>
-            <a:r>
-              <a:rPr lang="en-US" sz="2800">
+              <a:buFont typeface="Wingdings" panose="05000000000000000000" pitchFamily="2" charset="2"/>
+              <a:buChar char="§"/>
+            </a:pPr>
+            <a:r>
+              <a:rPr lang="en-US" sz="2800" dirty="0">
                 <a:solidFill>
                   <a:srgbClr val="000000"/>
                 </a:solidFill>
@@ -4179,40 +5181,60 @@
               </a:rPr>
               <a:t>Introduction</a:t>
             </a:r>
-            <a:endParaRPr/>
-          </a:p>
-          <a:p>
-            <a:pPr>
+            <a:endParaRPr dirty="0"/>
+          </a:p>
+          <a:p>
+            <a:pPr marL="457200" indent="-457200">
               <a:lnSpc>
                 <a:spcPct val="90000"/>
               </a:lnSpc>
               <a:buSzPct val="45000"/>
-              <a:buFont typeface="StarSymbol"/>
-              <a:buChar char=""/>
-            </a:pPr>
-            <a:r>
-              <a:rPr lang="en-US" sz="2800">
-                <a:solidFill>
-                  <a:srgbClr val="000000"/>
-                </a:solidFill>
-                <a:latin typeface="Calibri"/>
-                <a:ea typeface="DejaVu Sans"/>
-              </a:rPr>
-              <a:t>How to use iLab machines</a:t>
-            </a:r>
-            <a:endParaRPr/>
-          </a:p>
-          <a:p>
-            <a:pPr>
+              <a:buFont typeface="Wingdings" panose="05000000000000000000" pitchFamily="2" charset="2"/>
+              <a:buChar char="§"/>
+            </a:pPr>
+            <a:r>
+              <a:rPr lang="en-US" sz="2800" dirty="0">
+                <a:solidFill>
+                  <a:srgbClr val="000000"/>
+                </a:solidFill>
+                <a:latin typeface="Calibri"/>
+                <a:ea typeface="DejaVu Sans"/>
+              </a:rPr>
+              <a:t>How to use </a:t>
+            </a:r>
+            <a:r>
+              <a:rPr lang="en-US" sz="2800" dirty="0" err="1">
+                <a:solidFill>
+                  <a:srgbClr val="000000"/>
+                </a:solidFill>
+                <a:latin typeface="Calibri"/>
+                <a:ea typeface="DejaVu Sans"/>
+              </a:rPr>
+              <a:t>iLab</a:t>
+            </a:r>
+            <a:r>
+              <a:rPr lang="en-US" sz="2800" dirty="0">
+                <a:solidFill>
+                  <a:srgbClr val="000000"/>
+                </a:solidFill>
+                <a:latin typeface="Calibri"/>
+                <a:ea typeface="DejaVu Sans"/>
+              </a:rPr>
+              <a:t> machines</a:t>
+            </a:r>
+            <a:endParaRPr dirty="0"/>
+          </a:p>
+          <a:p>
+            <a:pPr marL="457200" indent="-457200">
               <a:lnSpc>
                 <a:spcPct val="90000"/>
               </a:lnSpc>
               <a:buSzPct val="45000"/>
-              <a:buFont typeface="StarSymbol"/>
-              <a:buChar char=""/>
-            </a:pPr>
-            <a:r>
-              <a:rPr lang="en-US" sz="2800">
+              <a:buFont typeface="Wingdings" panose="05000000000000000000" pitchFamily="2" charset="2"/>
+              <a:buChar char="§"/>
+            </a:pPr>
+            <a:r>
+              <a:rPr lang="en-US" sz="2800" dirty="0">
                 <a:solidFill>
                   <a:srgbClr val="000000"/>
                 </a:solidFill>
@@ -4221,19 +5243,19 @@
               </a:rPr>
               <a:t>Useful Linux Commands</a:t>
             </a:r>
-            <a:endParaRPr/>
-          </a:p>
-          <a:p>
-            <a:pPr>
+            <a:endParaRPr dirty="0"/>
+          </a:p>
+          <a:p>
+            <a:pPr marL="457200" indent="-457200">
               <a:lnSpc>
                 <a:spcPct val="90000"/>
               </a:lnSpc>
               <a:buSzPct val="45000"/>
-              <a:buFont typeface="StarSymbol"/>
-              <a:buChar char=""/>
-            </a:pPr>
-            <a:r>
-              <a:rPr lang="en-US" sz="2800">
+              <a:buFont typeface="Wingdings" panose="05000000000000000000" pitchFamily="2" charset="2"/>
+              <a:buChar char="§"/>
+            </a:pPr>
+            <a:r>
+              <a:rPr lang="en-US" sz="2800" dirty="0">
                 <a:solidFill>
                   <a:srgbClr val="000000"/>
                 </a:solidFill>
@@ -4242,44 +5264,51 @@
               </a:rPr>
               <a:t>How to write and compile C programs </a:t>
             </a:r>
-            <a:endParaRPr/>
-          </a:p>
-          <a:p>
-            <a:pPr>
+            <a:endParaRPr dirty="0"/>
+          </a:p>
+          <a:p>
+            <a:pPr marL="285750" indent="-285750">
               <a:lnSpc>
                 <a:spcPct val="100000"/>
               </a:lnSpc>
-            </a:pPr>
-            <a:endParaRPr/>
-          </a:p>
-          <a:p>
-            <a:pPr>
+              <a:buFont typeface="Wingdings" panose="05000000000000000000" pitchFamily="2" charset="2"/>
+              <a:buChar char="§"/>
+            </a:pPr>
+            <a:endParaRPr dirty="0"/>
+          </a:p>
+          <a:p>
+            <a:pPr marL="285750" indent="-285750">
               <a:lnSpc>
                 <a:spcPct val="90000"/>
               </a:lnSpc>
-            </a:pPr>
-            <a:endParaRPr/>
+              <a:buFont typeface="Wingdings" panose="05000000000000000000" pitchFamily="2" charset="2"/>
+              <a:buChar char="§"/>
+            </a:pPr>
+            <a:endParaRPr dirty="0"/>
           </a:p>
         </p:txBody>
       </p:sp>
     </p:spTree>
   </p:cSld>
+  <p:clrMapOvr>
+    <a:masterClrMapping/>
+  </p:clrMapOvr>
   <p:timing>
     <p:tnLst>
       <p:par>
-        <p:cTn id="5" dur="indefinite" restart="never" nodeType="tmRoot">
+        <p:cTn id="1" dur="indefinite" restart="never" nodeType="tmRoot">
           <p:childTnLst>
             <p:seq>
-              <p:cTn id="6" nodeType="mainSeq"/>
+              <p:cTn id="2" nodeType="mainSeq"/>
               <p:prevCondLst>
-                <p:cond delay="0" evt="onPrev">
+                <p:cond evt="onPrev" delay="0">
                   <p:tgtEl>
                     <p:sldTgt/>
                   </p:tgtEl>
                 </p:cond>
               </p:prevCondLst>
               <p:nextCondLst>
-                <p:cond delay="0" evt="onNext">
+                <p:cond evt="onNext" delay="0">
                   <p:tgtEl>
                     <p:sldTgt/>
                   </p:tgtEl>
@@ -4295,7 +5324,7 @@
 </file>
 
 <file path=ppt/slides/slide4.xml><?xml version="1.0" encoding="utf-8"?>
-<p:sld xmlns:a="http://schemas.openxmlformats.org/drawingml/2006/main" xmlns:p="http://schemas.openxmlformats.org/presentationml/2006/main" xmlns:r="http://schemas.openxmlformats.org/officeDocument/2006/relationships">
+<p:sld xmlns:a="http://schemas.openxmlformats.org/drawingml/2006/main" xmlns:r="http://schemas.openxmlformats.org/officeDocument/2006/relationships" xmlns:p="http://schemas.openxmlformats.org/presentationml/2006/main">
   <p:cSld>
     <p:spTree>
       <p:nvGrpSpPr>
@@ -4331,7 +5360,8 @@
           </a:ln>
         </p:spPr>
         <p:txBody>
-          <a:bodyPr lIns="90000" rIns="90000" tIns="45000" bIns="45000" anchor="ctr"/>
+          <a:bodyPr lIns="90000" tIns="45000" rIns="90000" bIns="45000" anchor="ctr"/>
+          <a:lstStyle/>
           <a:p>
             <a:pPr>
               <a:lnSpc>
@@ -4354,12 +5384,12 @@
       </p:sp>
       <p:pic>
         <p:nvPicPr>
-          <p:cNvPr id="85" name="Picture 84" descr=""/>
+          <p:cNvPr id="85" name="Picture 84"/>
           <p:cNvPicPr/>
           <p:nvPr/>
         </p:nvPicPr>
         <p:blipFill>
-          <a:blip r:embed="rId1"/>
+          <a:blip r:embed="rId3"/>
           <a:stretch>
             <a:fillRect/>
           </a:stretch>
@@ -4397,7 +5427,8 @@
           </a:ln>
         </p:spPr>
         <p:txBody>
-          <a:bodyPr lIns="90000" rIns="90000" tIns="45000" bIns="45000" anchor="ctr"/>
+          <a:bodyPr lIns="90000" tIns="45000" rIns="90000" bIns="45000" anchor="ctr"/>
+          <a:lstStyle/>
           <a:p>
             <a:pPr algn="ctr">
               <a:lnSpc>
@@ -4420,22 +5451,25 @@
       </p:sp>
     </p:spTree>
   </p:cSld>
+  <p:clrMapOvr>
+    <a:masterClrMapping/>
+  </p:clrMapOvr>
   <p:timing>
     <p:tnLst>
       <p:par>
-        <p:cTn id="7" dur="indefinite" restart="never" nodeType="tmRoot">
+        <p:cTn id="1" dur="indefinite" restart="never" nodeType="tmRoot">
           <p:childTnLst>
             <p:seq>
-              <p:cTn id="8" nodeType="mainSeq"/>
+              <p:cTn id="2" nodeType="mainSeq"/>
               <p:prevCondLst>
-                <p:cond delay="0" evt="onPrev">
+                <p:cond evt="onPrev" delay="0">
                   <p:tgtEl>
                     <p:sldTgt/>
                   </p:tgtEl>
                 </p:cond>
               </p:prevCondLst>
               <p:nextCondLst>
-                <p:cond delay="0" evt="onNext">
+                <p:cond evt="onNext" delay="0">
                   <p:tgtEl>
                     <p:sldTgt/>
                   </p:tgtEl>
@@ -4451,7 +5485,7 @@
 </file>
 
 <file path=ppt/slides/slide5.xml><?xml version="1.0" encoding="utf-8"?>
-<p:sld xmlns:a="http://schemas.openxmlformats.org/drawingml/2006/main" xmlns:p="http://schemas.openxmlformats.org/presentationml/2006/main" xmlns:r="http://schemas.openxmlformats.org/officeDocument/2006/relationships">
+<p:sld xmlns:a="http://schemas.openxmlformats.org/drawingml/2006/main" xmlns:r="http://schemas.openxmlformats.org/officeDocument/2006/relationships" xmlns:p="http://schemas.openxmlformats.org/presentationml/2006/main">
   <p:cSld>
     <p:spTree>
       <p:nvGrpSpPr>
@@ -4487,7 +5521,8 @@
           </a:ln>
         </p:spPr>
         <p:txBody>
-          <a:bodyPr lIns="90000" rIns="90000" tIns="45000" bIns="45000" anchor="ctr"/>
+          <a:bodyPr lIns="90000" tIns="45000" rIns="90000" bIns="45000" anchor="ctr"/>
+          <a:lstStyle/>
           <a:p>
             <a:pPr>
               <a:lnSpc>
@@ -4528,18 +5563,19 @@
           </a:ln>
         </p:spPr>
         <p:txBody>
-          <a:bodyPr lIns="90000" rIns="90000" tIns="45000" bIns="45000"/>
-          <a:p>
-            <a:pPr>
+          <a:bodyPr lIns="90000" tIns="45000" rIns="90000" bIns="45000"/>
+          <a:lstStyle/>
+          <a:p>
+            <a:pPr marL="457200" indent="-457200">
               <a:lnSpc>
                 <a:spcPct val="90000"/>
               </a:lnSpc>
               <a:buSzPct val="45000"/>
-              <a:buFont typeface="StarSymbol"/>
-              <a:buChar char=""/>
-            </a:pPr>
-            <a:r>
-              <a:rPr lang="en-US" sz="2800">
+              <a:buFont typeface="Wingdings" panose="05000000000000000000" pitchFamily="2" charset="2"/>
+              <a:buChar char="§"/>
+            </a:pPr>
+            <a:r>
+              <a:rPr lang="en-US" sz="2800" dirty="0">
                 <a:solidFill>
                   <a:srgbClr val="000000"/>
                 </a:solidFill>
@@ -4549,49 +5585,69 @@
               <a:t>Follow the link to open your account now </a:t>
             </a:r>
             <a:r>
-              <a:rPr lang="en-US" sz="2200" u="sng">
-                <a:solidFill>
-                  <a:srgbClr val="0563c1"/>
+              <a:rPr lang="en-US" sz="2200" u="sng" dirty="0">
+                <a:solidFill>
+                  <a:srgbClr val="0563C1"/>
                 </a:solidFill>
                 <a:latin typeface="Calibri"/>
                 <a:ea typeface="DejaVu Sans"/>
               </a:rPr>
               <a:t>http://www.cs.rutgers.edu/resources/systems/ilab/</a:t>
             </a:r>
-            <a:endParaRPr/>
-          </a:p>
-          <a:p>
-            <a:pPr>
+            <a:endParaRPr dirty="0"/>
+          </a:p>
+          <a:p>
+            <a:pPr marL="342900" indent="-342900">
               <a:lnSpc>
                 <a:spcPct val="100000"/>
               </a:lnSpc>
               <a:buSzPct val="45000"/>
-              <a:buFont typeface="StarSymbol"/>
-              <a:buChar char=""/>
-            </a:pPr>
-            <a:r>
-              <a:rPr lang="en-US" sz="2400">
-                <a:solidFill>
-                  <a:srgbClr val="000000"/>
-                </a:solidFill>
-                <a:latin typeface="Calibri"/>
-                <a:ea typeface="DejaVu Sans"/>
-              </a:rPr>
-              <a:t>To get connected with iLab machines</a:t>
-            </a:r>
-            <a:endParaRPr/>
-          </a:p>
-          <a:p>
-            <a:pPr lvl="2">
+              <a:buFont typeface="Wingdings" panose="05000000000000000000" pitchFamily="2" charset="2"/>
+              <a:buChar char="§"/>
+            </a:pPr>
+            <a:r>
+              <a:rPr lang="en-US" sz="2400" dirty="0">
+                <a:solidFill>
+                  <a:srgbClr val="000000"/>
+                </a:solidFill>
+                <a:latin typeface="Calibri"/>
+                <a:ea typeface="DejaVu Sans"/>
+              </a:rPr>
+              <a:t>To get connected with </a:t>
+            </a:r>
+            <a:r>
+              <a:rPr lang="en-US" sz="2400" dirty="0" err="1">
+                <a:solidFill>
+                  <a:srgbClr val="000000"/>
+                </a:solidFill>
+                <a:latin typeface="Calibri"/>
+                <a:ea typeface="DejaVu Sans"/>
+              </a:rPr>
+              <a:t>iLab</a:t>
+            </a:r>
+            <a:r>
+              <a:rPr lang="en-US" sz="2400" dirty="0">
+                <a:solidFill>
+                  <a:srgbClr val="000000"/>
+                </a:solidFill>
+                <a:latin typeface="Calibri"/>
+                <a:ea typeface="DejaVu Sans"/>
+              </a:rPr>
+              <a:t> machines</a:t>
+            </a:r>
+            <a:endParaRPr dirty="0"/>
+          </a:p>
+          <a:p>
+            <a:pPr marL="1257300" lvl="2" indent="-342900">
               <a:lnSpc>
                 <a:spcPct val="90000"/>
               </a:lnSpc>
               <a:buSzPct val="45000"/>
-              <a:buFont typeface="StarSymbol"/>
-              <a:buChar char=""/>
-            </a:pPr>
-            <a:r>
-              <a:rPr lang="en-US" sz="2400">
+              <a:buFont typeface="Wingdings" panose="05000000000000000000" pitchFamily="2" charset="2"/>
+              <a:buChar char="§"/>
+            </a:pPr>
+            <a:r>
+              <a:rPr lang="en-US" sz="2400" dirty="0">
                 <a:solidFill>
                   <a:srgbClr val="000000"/>
                 </a:solidFill>
@@ -4601,7 +5657,7 @@
               <a:t>Use </a:t>
             </a:r>
             <a:r>
-              <a:rPr b="1" lang="en-US" sz="2400">
+              <a:rPr lang="en-US" sz="2400" b="1" dirty="0">
                 <a:solidFill>
                   <a:srgbClr val="800000"/>
                 </a:solidFill>
@@ -4611,7 +5667,7 @@
               <a:t>X2GO</a:t>
             </a:r>
             <a:r>
-              <a:rPr lang="en-US" sz="2400">
+              <a:rPr lang="en-US" sz="2400" dirty="0">
                 <a:solidFill>
                   <a:srgbClr val="000000"/>
                 </a:solidFill>
@@ -4620,61 +5676,81 @@
               </a:rPr>
               <a:t> client for GUI</a:t>
             </a:r>
-            <a:endParaRPr/>
-          </a:p>
-          <a:p>
-            <a:pPr lvl="4">
+            <a:endParaRPr dirty="0"/>
+          </a:p>
+          <a:p>
+            <a:pPr marL="2171700" lvl="4" indent="-342900">
               <a:lnSpc>
                 <a:spcPct val="90000"/>
               </a:lnSpc>
               <a:buSzPct val="45000"/>
-              <a:buFont typeface="StarSymbol"/>
-              <a:buChar char=""/>
-            </a:pPr>
-            <a:r>
-              <a:rPr lang="en-US" sz="2400">
-                <a:solidFill>
-                  <a:srgbClr val="000000"/>
-                </a:solidFill>
-                <a:latin typeface="Calibri"/>
-                <a:ea typeface="DejaVu Sans"/>
-              </a:rPr>
-              <a:t>Windows : download and install</a:t>
-            </a:r>
-            <a:endParaRPr/>
-          </a:p>
-          <a:p>
-            <a:pPr lvl="4">
+              <a:buFont typeface="Wingdings" panose="05000000000000000000" pitchFamily="2" charset="2"/>
+              <a:buChar char="§"/>
+            </a:pPr>
+            <a:r>
+              <a:rPr lang="en-US" sz="2400" dirty="0">
+                <a:solidFill>
+                  <a:srgbClr val="000000"/>
+                </a:solidFill>
+                <a:latin typeface="Calibri"/>
+                <a:ea typeface="DejaVu Sans"/>
+              </a:rPr>
+              <a:t>Windows : Download and install</a:t>
+            </a:r>
+            <a:endParaRPr dirty="0"/>
+          </a:p>
+          <a:p>
+            <a:pPr marL="2171700" lvl="4" indent="-342900">
               <a:lnSpc>
                 <a:spcPct val="90000"/>
               </a:lnSpc>
               <a:buSzPct val="45000"/>
-              <a:buFont typeface="StarSymbol"/>
-              <a:buChar char=""/>
-            </a:pPr>
-            <a:r>
-              <a:rPr lang="en-US" sz="2400">
-                <a:solidFill>
-                  <a:srgbClr val="000000"/>
-                </a:solidFill>
-                <a:latin typeface="Calibri"/>
-                <a:ea typeface="DejaVu Sans"/>
-              </a:rPr>
-              <a:t>Linux : sudo apt-get install x2goclient   </a:t>
-            </a:r>
-            <a:endParaRPr/>
-          </a:p>
-          <a:p>
-            <a:pPr lvl="2">
+              <a:buFont typeface="Wingdings" panose="05000000000000000000" pitchFamily="2" charset="2"/>
+              <a:buChar char="§"/>
+            </a:pPr>
+            <a:r>
+              <a:rPr lang="en-US" sz="2400" dirty="0">
+                <a:solidFill>
+                  <a:srgbClr val="000000"/>
+                </a:solidFill>
+                <a:latin typeface="Calibri"/>
+                <a:ea typeface="DejaVu Sans"/>
+              </a:rPr>
+              <a:t>Linux : </a:t>
+            </a:r>
+            <a:r>
+              <a:rPr lang="en-US" sz="2400" dirty="0" err="1">
+                <a:solidFill>
+                  <a:srgbClr val="000000"/>
+                </a:solidFill>
+                <a:latin typeface="Calibri"/>
+                <a:ea typeface="DejaVu Sans"/>
+              </a:rPr>
+              <a:t>sudo</a:t>
+            </a:r>
+            <a:r>
+              <a:rPr lang="en-US" sz="2400" dirty="0">
+                <a:solidFill>
+                  <a:srgbClr val="000000"/>
+                </a:solidFill>
+                <a:latin typeface="Calibri"/>
+                <a:ea typeface="DejaVu Sans"/>
+              </a:rPr>
+              <a:t> apt-get install x2goclient   </a:t>
+            </a:r>
+            <a:endParaRPr dirty="0"/>
+          </a:p>
+          <a:p>
+            <a:pPr marL="1257300" lvl="2" indent="-342900">
               <a:lnSpc>
                 <a:spcPct val="90000"/>
               </a:lnSpc>
               <a:buSzPct val="45000"/>
-              <a:buFont typeface="StarSymbol"/>
-              <a:buChar char=""/>
-            </a:pPr>
-            <a:r>
-              <a:rPr lang="en-US" sz="2400">
+              <a:buFont typeface="Wingdings" panose="05000000000000000000" pitchFamily="2" charset="2"/>
+              <a:buChar char="§"/>
+            </a:pPr>
+            <a:r>
+              <a:rPr lang="en-US" sz="2400" dirty="0">
                 <a:solidFill>
                   <a:srgbClr val="000000"/>
                 </a:solidFill>
@@ -4683,82 +5759,111 @@
               </a:rPr>
               <a:t>Or use Terminal/Command Line application</a:t>
             </a:r>
-            <a:endParaRPr/>
-          </a:p>
-          <a:p>
-            <a:pPr lvl="4">
+            <a:endParaRPr dirty="0"/>
+          </a:p>
+          <a:p>
+            <a:pPr marL="2171700" lvl="4" indent="-342900">
               <a:lnSpc>
                 <a:spcPct val="90000"/>
               </a:lnSpc>
               <a:buSzPct val="45000"/>
-              <a:buFont typeface="StarSymbol"/>
-              <a:buChar char=""/>
-            </a:pPr>
-            <a:r>
-              <a:rPr lang="en-US" sz="2400">
-                <a:solidFill>
-                  <a:srgbClr val="000000"/>
-                </a:solidFill>
-                <a:latin typeface="Calibri"/>
-                <a:ea typeface="DejaVu Sans"/>
-              </a:rPr>
-              <a:t>ssh netid@address</a:t>
-            </a:r>
-            <a:endParaRPr/>
-          </a:p>
-          <a:p>
-            <a:pPr lvl="4">
+              <a:buFont typeface="Wingdings" panose="05000000000000000000" pitchFamily="2" charset="2"/>
+              <a:buChar char="§"/>
+            </a:pPr>
+            <a:r>
+              <a:rPr lang="en-US" sz="2400" dirty="0" err="1">
+                <a:solidFill>
+                  <a:srgbClr val="000000"/>
+                </a:solidFill>
+                <a:latin typeface="Calibri"/>
+                <a:ea typeface="DejaVu Sans"/>
+              </a:rPr>
+              <a:t>ssh</a:t>
+            </a:r>
+            <a:r>
+              <a:rPr lang="en-US" sz="2400" dirty="0">
+                <a:solidFill>
+                  <a:srgbClr val="000000"/>
+                </a:solidFill>
+                <a:latin typeface="Calibri"/>
+                <a:ea typeface="DejaVu Sans"/>
+              </a:rPr>
+              <a:t> </a:t>
+            </a:r>
+            <a:r>
+              <a:rPr lang="en-US" sz="2400" dirty="0" err="1">
+                <a:solidFill>
+                  <a:srgbClr val="000000"/>
+                </a:solidFill>
+                <a:latin typeface="Calibri"/>
+                <a:ea typeface="DejaVu Sans"/>
+              </a:rPr>
+              <a:t>netid@address</a:t>
+            </a:r>
+            <a:endParaRPr dirty="0"/>
+          </a:p>
+          <a:p>
+            <a:pPr marL="2171700" lvl="4" indent="-342900">
               <a:lnSpc>
                 <a:spcPct val="90000"/>
               </a:lnSpc>
               <a:buSzPct val="45000"/>
-              <a:buFont typeface="StarSymbol"/>
-              <a:buChar char=""/>
-            </a:pPr>
-            <a:r>
-              <a:rPr lang="en-US" sz="2400">
-                <a:solidFill>
-                  <a:srgbClr val="000000"/>
-                </a:solidFill>
-                <a:latin typeface="Calibri"/>
-                <a:ea typeface="DejaVu Sans"/>
-              </a:rPr>
-              <a:t>eg. </a:t>
-            </a:r>
-            <a:r>
-              <a:rPr b="1" lang="en-US" sz="2400">
-                <a:solidFill>
-                  <a:srgbClr val="0000ff"/>
-                </a:solidFill>
-                <a:latin typeface="Calibri"/>
-                <a:ea typeface="DejaVu Sans"/>
-              </a:rPr>
-              <a:t>ssh shoeb@builder.cs.rutgers.edu</a:t>
-            </a:r>
-            <a:endParaRPr/>
-          </a:p>
-          <a:p>
-            <a:pPr>
+              <a:buFont typeface="Wingdings" panose="05000000000000000000" pitchFamily="2" charset="2"/>
+              <a:buChar char="§"/>
+            </a:pPr>
+            <a:r>
+              <a:rPr lang="en-US" sz="2400" dirty="0" err="1">
+                <a:solidFill>
+                  <a:srgbClr val="000000"/>
+                </a:solidFill>
+                <a:latin typeface="Calibri"/>
+                <a:ea typeface="DejaVu Sans"/>
+              </a:rPr>
+              <a:t>eg</a:t>
+            </a:r>
+            <a:r>
+              <a:rPr lang="en-US" sz="2400" dirty="0">
+                <a:solidFill>
+                  <a:srgbClr val="000000"/>
+                </a:solidFill>
+                <a:latin typeface="Calibri"/>
+                <a:ea typeface="DejaVu Sans"/>
+              </a:rPr>
+              <a:t>. </a:t>
+            </a:r>
+            <a:r>
+              <a:rPr lang="en-US" sz="2400" b="1" dirty="0" err="1">
+                <a:solidFill>
+                  <a:srgbClr val="0000FF"/>
+                </a:solidFill>
+                <a:latin typeface="Calibri"/>
+                <a:ea typeface="DejaVu Sans"/>
+              </a:rPr>
+              <a:t>ssh</a:t>
+            </a:r>
+            <a:r>
+              <a:rPr lang="en-US" sz="2400" b="1" dirty="0">
+                <a:solidFill>
+                  <a:srgbClr val="0000FF"/>
+                </a:solidFill>
+                <a:latin typeface="Calibri"/>
+                <a:ea typeface="DejaVu Sans"/>
+              </a:rPr>
+              <a:t> shoeb@builder.cs.rutgers.edu</a:t>
+            </a:r>
+            <a:endParaRPr dirty="0"/>
+          </a:p>
+          <a:p>
+            <a:pPr marL="1257300" lvl="2" indent="-342900">
               <a:lnSpc>
                 <a:spcPct val="90000"/>
               </a:lnSpc>
               <a:buSzPct val="45000"/>
-              <a:buFont typeface="StarSymbol"/>
-              <a:buChar char=""/>
-            </a:pPr>
-            <a:endParaRPr/>
-          </a:p>
-          <a:p>
-            <a:pPr lvl="2">
-              <a:lnSpc>
-                <a:spcPct val="90000"/>
-              </a:lnSpc>
-              <a:buSzPct val="45000"/>
-              <a:buFont typeface="StarSymbol"/>
-              <a:buChar char=""/>
-            </a:pPr>
-            <a:r>
-              <a:rPr lang="en-US" sz="2400">
+              <a:buFont typeface="Wingdings" panose="05000000000000000000" pitchFamily="2" charset="2"/>
+              <a:buChar char="§"/>
+            </a:pPr>
+            <a:r>
+              <a:rPr lang="en-US" sz="2400" dirty="0">
                 <a:solidFill>
                   <a:srgbClr val="000000"/>
                 </a:solidFill>
@@ -4767,28 +5872,31 @@
               </a:rPr>
               <a:t>You can also use Putty/WinSCP on Windows</a:t>
             </a:r>
-            <a:endParaRPr/>
+            <a:endParaRPr dirty="0"/>
           </a:p>
         </p:txBody>
       </p:sp>
     </p:spTree>
   </p:cSld>
+  <p:clrMapOvr>
+    <a:masterClrMapping/>
+  </p:clrMapOvr>
   <p:timing>
     <p:tnLst>
       <p:par>
-        <p:cTn id="9" dur="indefinite" restart="never" nodeType="tmRoot">
+        <p:cTn id="1" dur="indefinite" restart="never" nodeType="tmRoot">
           <p:childTnLst>
             <p:seq>
-              <p:cTn id="10" nodeType="mainSeq"/>
+              <p:cTn id="2" nodeType="mainSeq"/>
               <p:prevCondLst>
-                <p:cond delay="0" evt="onPrev">
+                <p:cond evt="onPrev" delay="0">
                   <p:tgtEl>
                     <p:sldTgt/>
                   </p:tgtEl>
                 </p:cond>
               </p:prevCondLst>
               <p:nextCondLst>
-                <p:cond delay="0" evt="onNext">
+                <p:cond evt="onNext" delay="0">
                   <p:tgtEl>
                     <p:sldTgt/>
                   </p:tgtEl>
@@ -4804,7 +5912,7 @@
 </file>
 
 <file path=ppt/slides/slide6.xml><?xml version="1.0" encoding="utf-8"?>
-<p:sld xmlns:a="http://schemas.openxmlformats.org/drawingml/2006/main" xmlns:p="http://schemas.openxmlformats.org/presentationml/2006/main" xmlns:r="http://schemas.openxmlformats.org/officeDocument/2006/relationships">
+<p:sld xmlns:a="http://schemas.openxmlformats.org/drawingml/2006/main" xmlns:r="http://schemas.openxmlformats.org/officeDocument/2006/relationships" xmlns:p="http://schemas.openxmlformats.org/presentationml/2006/main">
   <p:cSld>
     <p:spTree>
       <p:nvGrpSpPr>
@@ -4840,7 +5948,8 @@
           </a:ln>
         </p:spPr>
         <p:txBody>
-          <a:bodyPr lIns="90000" rIns="90000" tIns="45000" bIns="45000" anchor="ctr"/>
+          <a:bodyPr lIns="90000" tIns="45000" rIns="90000" bIns="45000" anchor="ctr"/>
+          <a:lstStyle/>
           <a:p>
             <a:pPr>
               <a:lnSpc>
@@ -4869,8 +5978,8 @@
         </p:nvSpPr>
         <p:spPr>
           <a:xfrm>
-            <a:off x="628560" y="1465560"/>
-            <a:ext cx="7882920" cy="4347360"/>
+            <a:off x="628560" y="1465559"/>
+            <a:ext cx="7882920" cy="5166149"/>
           </a:xfrm>
           <a:prstGeom prst="rect">
             <a:avLst/>
@@ -4881,18 +5990,19 @@
           </a:ln>
         </p:spPr>
         <p:txBody>
-          <a:bodyPr lIns="90000" rIns="90000" tIns="45000" bIns="45000"/>
-          <a:p>
-            <a:pPr>
+          <a:bodyPr lIns="90000" tIns="45000" rIns="90000" bIns="45000"/>
+          <a:lstStyle/>
+          <a:p>
+            <a:pPr marL="342900" indent="-342900">
               <a:lnSpc>
                 <a:spcPct val="90000"/>
               </a:lnSpc>
               <a:buSzPct val="45000"/>
-              <a:buFont typeface="StarSymbol"/>
-              <a:buChar char=""/>
-            </a:pPr>
-            <a:r>
-              <a:rPr lang="en-US" sz="2400">
+              <a:buFont typeface="Wingdings" panose="05000000000000000000" pitchFamily="2" charset="2"/>
+              <a:buChar char="§"/>
+            </a:pPr>
+            <a:r>
+              <a:rPr lang="en-US" sz="2400" dirty="0">
                 <a:solidFill>
                   <a:srgbClr val="000000"/>
                 </a:solidFill>
@@ -4901,19 +6011,19 @@
               </a:rPr>
               <a:t>Edit your code using</a:t>
             </a:r>
-            <a:endParaRPr/>
-          </a:p>
-          <a:p>
-            <a:pPr lvl="2">
+            <a:endParaRPr dirty="0"/>
+          </a:p>
+          <a:p>
+            <a:pPr marL="1257300" lvl="2" indent="-342900">
               <a:lnSpc>
                 <a:spcPct val="90000"/>
               </a:lnSpc>
               <a:buSzPct val="45000"/>
-              <a:buFont typeface="StarSymbol"/>
-              <a:buChar char=""/>
-            </a:pPr>
-            <a:r>
-              <a:rPr lang="en-US" sz="2400">
+              <a:buFont typeface="Wingdings" panose="05000000000000000000" pitchFamily="2" charset="2"/>
+              <a:buChar char="§"/>
+            </a:pPr>
+            <a:r>
+              <a:rPr lang="en-US" sz="2400" dirty="0">
                 <a:solidFill>
                   <a:srgbClr val="000000"/>
                 </a:solidFill>
@@ -4922,19 +6032,19 @@
               </a:rPr>
               <a:t>Graphical User Interface</a:t>
             </a:r>
-            <a:endParaRPr/>
-          </a:p>
-          <a:p>
-            <a:pPr lvl="4">
+            <a:endParaRPr dirty="0"/>
+          </a:p>
+          <a:p>
+            <a:pPr marL="2171700" lvl="4" indent="-342900">
               <a:lnSpc>
                 <a:spcPct val="90000"/>
               </a:lnSpc>
               <a:buSzPct val="45000"/>
-              <a:buFont typeface="StarSymbol"/>
-              <a:buChar char=""/>
-            </a:pPr>
-            <a:r>
-              <a:rPr lang="en-US" sz="2400">
+              <a:buFont typeface="Wingdings" panose="05000000000000000000" pitchFamily="2" charset="2"/>
+              <a:buChar char="§"/>
+            </a:pPr>
+            <a:r>
+              <a:rPr lang="en-US" sz="2400" dirty="0" err="1">
                 <a:solidFill>
                   <a:srgbClr val="000000"/>
                 </a:solidFill>
@@ -4943,19 +6053,19 @@
               </a:rPr>
               <a:t>Gedit</a:t>
             </a:r>
-            <a:endParaRPr/>
-          </a:p>
-          <a:p>
-            <a:pPr lvl="4">
+            <a:endParaRPr dirty="0"/>
+          </a:p>
+          <a:p>
+            <a:pPr marL="2171700" lvl="4" indent="-342900">
               <a:lnSpc>
                 <a:spcPct val="90000"/>
               </a:lnSpc>
               <a:buSzPct val="45000"/>
-              <a:buFont typeface="StarSymbol"/>
-              <a:buChar char=""/>
-            </a:pPr>
-            <a:r>
-              <a:rPr lang="en-US" sz="2400">
+              <a:buFont typeface="Wingdings" panose="05000000000000000000" pitchFamily="2" charset="2"/>
+              <a:buChar char="§"/>
+            </a:pPr>
+            <a:r>
+              <a:rPr lang="en-US" sz="2400" dirty="0">
                 <a:solidFill>
                   <a:srgbClr val="000000"/>
                 </a:solidFill>
@@ -4964,40 +6074,50 @@
               </a:rPr>
               <a:t>Notepad++(Windows)</a:t>
             </a:r>
-            <a:endParaRPr/>
-          </a:p>
-          <a:p>
-            <a:pPr lvl="4">
+            <a:endParaRPr dirty="0"/>
+          </a:p>
+          <a:p>
+            <a:pPr marL="2171700" lvl="4" indent="-342900">
               <a:lnSpc>
                 <a:spcPct val="90000"/>
               </a:lnSpc>
               <a:buSzPct val="45000"/>
-              <a:buFont typeface="StarSymbol"/>
-              <a:buChar char=""/>
-            </a:pPr>
-            <a:r>
-              <a:rPr lang="en-US" sz="2400">
-                <a:solidFill>
-                  <a:srgbClr val="000000"/>
-                </a:solidFill>
-                <a:latin typeface="Calibri"/>
-                <a:ea typeface="DejaVu Sans"/>
-              </a:rPr>
-              <a:t>Geany(Linux)</a:t>
-            </a:r>
-            <a:endParaRPr/>
-          </a:p>
-          <a:p>
-            <a:pPr lvl="2">
+              <a:buFont typeface="Wingdings" panose="05000000000000000000" pitchFamily="2" charset="2"/>
+              <a:buChar char="§"/>
+            </a:pPr>
+            <a:r>
+              <a:rPr lang="en-US" sz="2400" dirty="0" err="1">
+                <a:solidFill>
+                  <a:srgbClr val="000000"/>
+                </a:solidFill>
+                <a:latin typeface="Calibri"/>
+                <a:ea typeface="DejaVu Sans"/>
+              </a:rPr>
+              <a:t>Geany</a:t>
+            </a:r>
+            <a:r>
+              <a:rPr lang="en-US" sz="2400" dirty="0">
+                <a:solidFill>
+                  <a:srgbClr val="000000"/>
+                </a:solidFill>
+                <a:latin typeface="Calibri"/>
+                <a:ea typeface="DejaVu Sans"/>
+              </a:rPr>
+              <a:t>(Linux)</a:t>
+            </a:r>
+            <a:endParaRPr dirty="0"/>
+          </a:p>
+          <a:p>
+            <a:pPr marL="1257300" lvl="2" indent="-342900">
               <a:lnSpc>
                 <a:spcPct val="90000"/>
               </a:lnSpc>
               <a:buSzPct val="45000"/>
-              <a:buFont typeface="StarSymbol"/>
-              <a:buChar char=""/>
-            </a:pPr>
-            <a:r>
-              <a:rPr lang="en-US" sz="2400">
+              <a:buFont typeface="Wingdings" panose="05000000000000000000" pitchFamily="2" charset="2"/>
+              <a:buChar char="§"/>
+            </a:pPr>
+            <a:r>
+              <a:rPr lang="en-US" sz="2400" dirty="0">
                 <a:solidFill>
                   <a:srgbClr val="000000"/>
                 </a:solidFill>
@@ -5006,40 +6126,50 @@
               </a:rPr>
               <a:t>Command Line</a:t>
             </a:r>
-            <a:endParaRPr/>
-          </a:p>
-          <a:p>
-            <a:pPr lvl="4">
+            <a:endParaRPr dirty="0"/>
+          </a:p>
+          <a:p>
+            <a:pPr marL="2171700" lvl="4" indent="-342900">
               <a:lnSpc>
                 <a:spcPct val="90000"/>
               </a:lnSpc>
               <a:buSzPct val="45000"/>
-              <a:buFont typeface="StarSymbol"/>
-              <a:buChar char=""/>
-            </a:pPr>
-            <a:r>
-              <a:rPr lang="en-US" sz="2400">
-                <a:solidFill>
-                  <a:srgbClr val="000000"/>
-                </a:solidFill>
-                <a:latin typeface="Calibri"/>
-                <a:ea typeface="DejaVu Sans"/>
-              </a:rPr>
-              <a:t>Gedit/Nano/Vim</a:t>
-            </a:r>
-            <a:endParaRPr/>
-          </a:p>
-          <a:p>
-            <a:pPr lvl="6">
+              <a:buFont typeface="Wingdings" panose="05000000000000000000" pitchFamily="2" charset="2"/>
+              <a:buChar char="§"/>
+            </a:pPr>
+            <a:r>
+              <a:rPr lang="en-US" sz="2400" dirty="0" err="1">
+                <a:solidFill>
+                  <a:srgbClr val="000000"/>
+                </a:solidFill>
+                <a:latin typeface="Calibri"/>
+                <a:ea typeface="DejaVu Sans"/>
+              </a:rPr>
+              <a:t>Gedit</a:t>
+            </a:r>
+            <a:r>
+              <a:rPr lang="en-US" sz="2400" dirty="0">
+                <a:solidFill>
+                  <a:srgbClr val="000000"/>
+                </a:solidFill>
+                <a:latin typeface="Calibri"/>
+                <a:ea typeface="DejaVu Sans"/>
+              </a:rPr>
+              <a:t>/Nano/Vim</a:t>
+            </a:r>
+            <a:endParaRPr dirty="0"/>
+          </a:p>
+          <a:p>
+            <a:pPr marL="3086100" lvl="6" indent="-342900">
               <a:lnSpc>
                 <a:spcPct val="90000"/>
               </a:lnSpc>
               <a:buSzPct val="45000"/>
-              <a:buFont typeface="StarSymbol"/>
-              <a:buChar char=""/>
-            </a:pPr>
-            <a:r>
-              <a:rPr lang="en-US" sz="2400">
+              <a:buFont typeface="Wingdings" panose="05000000000000000000" pitchFamily="2" charset="2"/>
+              <a:buChar char="§"/>
+            </a:pPr>
+            <a:r>
+              <a:rPr lang="en-US" sz="2400" dirty="0">
                 <a:solidFill>
                   <a:srgbClr val="000000"/>
                 </a:solidFill>
@@ -5048,61 +6178,121 @@
               </a:rPr>
               <a:t>Vim Commands</a:t>
             </a:r>
-            <a:endParaRPr/>
-          </a:p>
-          <a:p>
-            <a:pPr lvl="8">
+            <a:endParaRPr dirty="0"/>
+          </a:p>
+          <a:p>
+            <a:pPr marL="4000500" lvl="8" indent="-342900">
               <a:lnSpc>
                 <a:spcPct val="90000"/>
               </a:lnSpc>
               <a:buSzPct val="45000"/>
-              <a:buFont typeface="StarSymbol"/>
-              <a:buChar char=""/>
-            </a:pPr>
-            <a:r>
-              <a:rPr lang="en-US" sz="2400">
-                <a:solidFill>
-                  <a:srgbClr val="000000"/>
-                </a:solidFill>
-                <a:latin typeface="Calibri"/>
-                <a:ea typeface="DejaVu Sans"/>
-              </a:rPr>
-              <a:t>Type vim filename (eg. vim welcome.c)</a:t>
-            </a:r>
-            <a:endParaRPr/>
-          </a:p>
-          <a:p>
-            <a:pPr lvl="8">
+              <a:buFont typeface="Wingdings" panose="05000000000000000000" pitchFamily="2" charset="2"/>
+              <a:buChar char="§"/>
+            </a:pPr>
+            <a:r>
+              <a:rPr lang="en-US" sz="2400" dirty="0">
+                <a:solidFill>
+                  <a:srgbClr val="000000"/>
+                </a:solidFill>
+                <a:latin typeface="Calibri"/>
+                <a:ea typeface="DejaVu Sans"/>
+              </a:rPr>
+              <a:t>Type vim filename (</a:t>
+            </a:r>
+            <a:r>
+              <a:rPr lang="en-US" sz="2400" dirty="0" err="1">
+                <a:solidFill>
+                  <a:srgbClr val="000000"/>
+                </a:solidFill>
+                <a:latin typeface="Calibri"/>
+                <a:ea typeface="DejaVu Sans"/>
+              </a:rPr>
+              <a:t>eg</a:t>
+            </a:r>
+            <a:r>
+              <a:rPr lang="en-US" sz="2400" dirty="0">
+                <a:solidFill>
+                  <a:srgbClr val="000000"/>
+                </a:solidFill>
+                <a:latin typeface="Calibri"/>
+                <a:ea typeface="DejaVu Sans"/>
+              </a:rPr>
+              <a:t>. vim </a:t>
+            </a:r>
+            <a:r>
+              <a:rPr lang="en-US" sz="2400" dirty="0" err="1">
+                <a:solidFill>
+                  <a:srgbClr val="000000"/>
+                </a:solidFill>
+                <a:latin typeface="Calibri"/>
+                <a:ea typeface="DejaVu Sans"/>
+              </a:rPr>
+              <a:t>welcome.c</a:t>
+            </a:r>
+            <a:r>
+              <a:rPr lang="en-US" sz="2400" dirty="0">
+                <a:solidFill>
+                  <a:srgbClr val="000000"/>
+                </a:solidFill>
+                <a:latin typeface="Calibri"/>
+                <a:ea typeface="DejaVu Sans"/>
+              </a:rPr>
+              <a:t>)</a:t>
+            </a:r>
+            <a:endParaRPr dirty="0"/>
+          </a:p>
+          <a:p>
+            <a:pPr marL="4000500" lvl="8" indent="-342900">
               <a:lnSpc>
                 <a:spcPct val="90000"/>
               </a:lnSpc>
               <a:buSzPct val="45000"/>
-              <a:buFont typeface="StarSymbol"/>
-              <a:buChar char=""/>
-            </a:pPr>
-            <a:r>
-              <a:rPr lang="en-US" sz="2400">
-                <a:solidFill>
-                  <a:srgbClr val="000000"/>
-                </a:solidFill>
-                <a:latin typeface="Calibri"/>
-                <a:ea typeface="DejaVu Sans"/>
-              </a:rPr>
-              <a:t>Press “a” to append “i” to insert text</a:t>
-            </a:r>
-            <a:endParaRPr/>
-          </a:p>
-          <a:p>
-            <a:pPr lvl="8">
+              <a:buFont typeface="Wingdings" panose="05000000000000000000" pitchFamily="2" charset="2"/>
+              <a:buChar char="§"/>
+            </a:pPr>
+            <a:r>
+              <a:rPr lang="en-US" sz="2400" dirty="0">
+                <a:solidFill>
+                  <a:srgbClr val="000000"/>
+                </a:solidFill>
+                <a:latin typeface="Calibri"/>
+                <a:ea typeface="DejaVu Sans"/>
+              </a:rPr>
+              <a:t>Press “a” to append “</a:t>
+            </a:r>
+            <a:r>
+              <a:rPr lang="en-US" sz="2400" dirty="0" err="1">
+                <a:solidFill>
+                  <a:srgbClr val="000000"/>
+                </a:solidFill>
+                <a:latin typeface="Calibri"/>
+                <a:ea typeface="DejaVu Sans"/>
+              </a:rPr>
+              <a:t>i</a:t>
+            </a:r>
+            <a:r>
+              <a:rPr lang="en-US" sz="2400" dirty="0">
+                <a:solidFill>
+                  <a:srgbClr val="000000"/>
+                </a:solidFill>
+                <a:latin typeface="Calibri"/>
+                <a:ea typeface="DejaVu Sans"/>
+              </a:rPr>
+              <a:t>” to insert text</a:t>
+            </a:r>
+            <a:endParaRPr dirty="0"/>
+          </a:p>
+          <a:p>
+            <a:pPr marL="4000500" lvl="8" indent="-342900">
               <a:lnSpc>
                 <a:spcPct val="90000"/>
               </a:lnSpc>
               <a:buSzPct val="45000"/>
-              <a:buFont typeface="StarSymbol"/>
-              <a:buChar char=""/>
-            </a:pPr>
-            <a:r>
-              <a:rPr lang="en-US" sz="2400">
+              <a:buFont typeface="Wingdings" panose="05000000000000000000" pitchFamily="2" charset="2"/>
+              <a:buChar char="§"/>
+            </a:pPr>
+            <a:r>
+              <a:rPr lang="en-US" sz="2400" dirty="0">
                 <a:solidFill>
                   <a:srgbClr val="000000"/>
                 </a:solidFill>
@@ -5111,19 +6301,19 @@
               </a:rPr>
               <a:t>Press ESC for command</a:t>
             </a:r>
-            <a:endParaRPr/>
-          </a:p>
-          <a:p>
-            <a:pPr lvl="8">
+            <a:endParaRPr dirty="0"/>
+          </a:p>
+          <a:p>
+            <a:pPr marL="4000500" lvl="8" indent="-342900">
               <a:lnSpc>
                 <a:spcPct val="90000"/>
               </a:lnSpc>
               <a:buSzPct val="45000"/>
-              <a:buFont typeface="StarSymbol"/>
-              <a:buChar char=""/>
-            </a:pPr>
-            <a:r>
-              <a:rPr lang="en-US" sz="2400">
+              <a:buFont typeface="Wingdings" panose="05000000000000000000" pitchFamily="2" charset="2"/>
+              <a:buChar char="§"/>
+            </a:pPr>
+            <a:r>
+              <a:rPr lang="en-US" sz="2400" dirty="0">
                 <a:solidFill>
                   <a:srgbClr val="000000"/>
                 </a:solidFill>
@@ -5132,49 +6322,72 @@
               </a:rPr>
               <a:t>Type :q! (quit without saving)</a:t>
             </a:r>
-            <a:endParaRPr/>
-          </a:p>
-          <a:p>
-            <a:pPr lvl="8">
+            <a:endParaRPr dirty="0"/>
+          </a:p>
+          <a:p>
+            <a:pPr marL="4000500" lvl="8" indent="-342900">
               <a:lnSpc>
                 <a:spcPct val="90000"/>
               </a:lnSpc>
               <a:buSzPct val="45000"/>
-              <a:buFont typeface="StarSymbol"/>
-              <a:buChar char=""/>
-            </a:pPr>
-            <a:r>
-              <a:rPr lang="en-US" sz="2400">
-                <a:solidFill>
-                  <a:srgbClr val="000000"/>
-                </a:solidFill>
-                <a:latin typeface="Calibri"/>
-                <a:ea typeface="DejaVu Sans"/>
-              </a:rPr>
-              <a:t>Type :wq (write and quit)</a:t>
-            </a:r>
-            <a:endParaRPr/>
+              <a:buFont typeface="Wingdings" panose="05000000000000000000" pitchFamily="2" charset="2"/>
+              <a:buChar char="§"/>
+            </a:pPr>
+            <a:r>
+              <a:rPr lang="en-US" sz="2400" dirty="0">
+                <a:solidFill>
+                  <a:srgbClr val="000000"/>
+                </a:solidFill>
+                <a:latin typeface="Calibri"/>
+                <a:ea typeface="DejaVu Sans"/>
+              </a:rPr>
+              <a:t>Type :</a:t>
+            </a:r>
+            <a:r>
+              <a:rPr lang="en-US" sz="2400" dirty="0" err="1">
+                <a:solidFill>
+                  <a:srgbClr val="000000"/>
+                </a:solidFill>
+                <a:latin typeface="Calibri"/>
+                <a:ea typeface="DejaVu Sans"/>
+              </a:rPr>
+              <a:t>wq</a:t>
+            </a:r>
+            <a:r>
+              <a:rPr lang="en-US" sz="2400" dirty="0">
+                <a:solidFill>
+                  <a:srgbClr val="000000"/>
+                </a:solidFill>
+                <a:latin typeface="Calibri"/>
+                <a:ea typeface="DejaVu Sans"/>
+              </a:rPr>
+              <a:t> (write and quit)</a:t>
+            </a:r>
+            <a:endParaRPr dirty="0"/>
           </a:p>
         </p:txBody>
       </p:sp>
     </p:spTree>
   </p:cSld>
+  <p:clrMapOvr>
+    <a:masterClrMapping/>
+  </p:clrMapOvr>
   <p:timing>
     <p:tnLst>
       <p:par>
-        <p:cTn id="11" dur="indefinite" restart="never" nodeType="tmRoot">
+        <p:cTn id="1" dur="indefinite" restart="never" nodeType="tmRoot">
           <p:childTnLst>
             <p:seq>
-              <p:cTn id="12" nodeType="mainSeq"/>
+              <p:cTn id="2" nodeType="mainSeq"/>
               <p:prevCondLst>
-                <p:cond delay="0" evt="onPrev">
+                <p:cond evt="onPrev" delay="0">
                   <p:tgtEl>
                     <p:sldTgt/>
                   </p:tgtEl>
                 </p:cond>
               </p:prevCondLst>
               <p:nextCondLst>
-                <p:cond delay="0" evt="onNext">
+                <p:cond evt="onNext" delay="0">
                   <p:tgtEl>
                     <p:sldTgt/>
                   </p:tgtEl>
@@ -5190,7 +6403,7 @@
 </file>
 
 <file path=ppt/slides/slide7.xml><?xml version="1.0" encoding="utf-8"?>
-<p:sld xmlns:a="http://schemas.openxmlformats.org/drawingml/2006/main" xmlns:p="http://schemas.openxmlformats.org/presentationml/2006/main" xmlns:r="http://schemas.openxmlformats.org/officeDocument/2006/relationships">
+<p:sld xmlns:a="http://schemas.openxmlformats.org/drawingml/2006/main" xmlns:r="http://schemas.openxmlformats.org/officeDocument/2006/relationships" xmlns:p="http://schemas.openxmlformats.org/presentationml/2006/main">
   <p:cSld>
     <p:spTree>
       <p:nvGrpSpPr>
@@ -5226,7 +6439,8 @@
           </a:ln>
         </p:spPr>
         <p:txBody>
-          <a:bodyPr lIns="90000" rIns="90000" tIns="45000" bIns="45000" anchor="ctr"/>
+          <a:bodyPr lIns="90000" tIns="45000" rIns="90000" bIns="45000" anchor="ctr"/>
+          <a:lstStyle/>
           <a:p>
             <a:pPr>
               <a:lnSpc>
@@ -5267,7 +6481,8 @@
           </a:ln>
         </p:spPr>
         <p:txBody>
-          <a:bodyPr lIns="90000" rIns="90000" tIns="45000" bIns="45000"/>
+          <a:bodyPr lIns="90000" tIns="45000" rIns="90000" bIns="45000"/>
+          <a:lstStyle/>
           <a:p>
             <a:pPr>
               <a:lnSpc>
@@ -5275,7 +6490,7 @@
               </a:lnSpc>
             </a:pPr>
             <a:r>
-              <a:rPr lang="en-US" sz="2400">
+              <a:rPr lang="en-US" sz="2400" dirty="0">
                 <a:solidFill>
                   <a:srgbClr val="000000"/>
                 </a:solidFill>
@@ -5284,7 +6499,376 @@
               </a:rPr>
               <a:t>Check this: http://linuxcommand.org/index.php</a:t>
             </a:r>
-            <a:endParaRPr/>
+            <a:endParaRPr dirty="0"/>
+          </a:p>
+          <a:p>
+            <a:pPr marL="285750" indent="-285750">
+              <a:lnSpc>
+                <a:spcPct val="90000"/>
+              </a:lnSpc>
+              <a:buFont typeface="Wingdings" panose="05000000000000000000" pitchFamily="2" charset="2"/>
+              <a:buChar char="§"/>
+            </a:pPr>
+            <a:endParaRPr dirty="0"/>
+          </a:p>
+          <a:p>
+            <a:pPr marL="342900" indent="-342900">
+              <a:lnSpc>
+                <a:spcPct val="90000"/>
+              </a:lnSpc>
+              <a:buFont typeface="Wingdings" panose="05000000000000000000" pitchFamily="2" charset="2"/>
+              <a:buChar char="§"/>
+            </a:pPr>
+            <a:r>
+              <a:rPr lang="en-US" sz="2200" dirty="0" err="1">
+                <a:solidFill>
+                  <a:srgbClr val="000000"/>
+                </a:solidFill>
+                <a:latin typeface="Calibri"/>
+                <a:ea typeface="DejaVu Sans"/>
+              </a:rPr>
+              <a:t>ssh</a:t>
+            </a:r>
+            <a:r>
+              <a:rPr lang="en-US" sz="2200" dirty="0">
+                <a:solidFill>
+                  <a:srgbClr val="000000"/>
+                </a:solidFill>
+                <a:latin typeface="Calibri"/>
+                <a:ea typeface="DejaVu Sans"/>
+              </a:rPr>
+              <a:t>: login to any machines remotely</a:t>
+            </a:r>
+            <a:endParaRPr dirty="0"/>
+          </a:p>
+          <a:p>
+            <a:pPr marL="342900" indent="-342900">
+              <a:lnSpc>
+                <a:spcPct val="90000"/>
+              </a:lnSpc>
+              <a:buFont typeface="Wingdings" panose="05000000000000000000" pitchFamily="2" charset="2"/>
+              <a:buChar char="§"/>
+            </a:pPr>
+            <a:r>
+              <a:rPr lang="en-US" sz="2200" dirty="0" err="1">
+                <a:solidFill>
+                  <a:srgbClr val="000000"/>
+                </a:solidFill>
+                <a:latin typeface="Calibri"/>
+                <a:ea typeface="DejaVu Sans"/>
+              </a:rPr>
+              <a:t>pwd</a:t>
+            </a:r>
+            <a:r>
+              <a:rPr lang="en-US" sz="2200" dirty="0">
+                <a:solidFill>
+                  <a:srgbClr val="000000"/>
+                </a:solidFill>
+                <a:latin typeface="Calibri"/>
+                <a:ea typeface="DejaVu Sans"/>
+              </a:rPr>
+              <a:t>: show current location</a:t>
+            </a:r>
+            <a:endParaRPr dirty="0"/>
+          </a:p>
+          <a:p>
+            <a:pPr marL="342900" indent="-342900">
+              <a:lnSpc>
+                <a:spcPct val="90000"/>
+              </a:lnSpc>
+              <a:buFont typeface="Wingdings" panose="05000000000000000000" pitchFamily="2" charset="2"/>
+              <a:buChar char="§"/>
+            </a:pPr>
+            <a:r>
+              <a:rPr lang="en-US" sz="2200" dirty="0">
+                <a:solidFill>
+                  <a:srgbClr val="000000"/>
+                </a:solidFill>
+                <a:latin typeface="Calibri"/>
+                <a:ea typeface="DejaVu Sans"/>
+              </a:rPr>
+              <a:t>cd: change directory (</a:t>
+            </a:r>
+            <a:r>
+              <a:rPr lang="en-US" sz="2200" dirty="0" err="1">
+                <a:solidFill>
+                  <a:srgbClr val="000000"/>
+                </a:solidFill>
+                <a:latin typeface="Calibri"/>
+                <a:ea typeface="DejaVu Sans"/>
+              </a:rPr>
+              <a:t>eg</a:t>
+            </a:r>
+            <a:r>
+              <a:rPr lang="en-US" sz="2200" dirty="0">
+                <a:solidFill>
+                  <a:srgbClr val="000000"/>
+                </a:solidFill>
+                <a:latin typeface="Calibri"/>
+                <a:ea typeface="DejaVu Sans"/>
+              </a:rPr>
+              <a:t>. $cd Documents, or $ cd ..)</a:t>
+            </a:r>
+            <a:endParaRPr dirty="0"/>
+          </a:p>
+          <a:p>
+            <a:pPr marL="342900" indent="-342900">
+              <a:lnSpc>
+                <a:spcPct val="90000"/>
+              </a:lnSpc>
+              <a:buFont typeface="Wingdings" panose="05000000000000000000" pitchFamily="2" charset="2"/>
+              <a:buChar char="§"/>
+            </a:pPr>
+            <a:r>
+              <a:rPr lang="en-US" sz="2200" dirty="0">
+                <a:solidFill>
+                  <a:srgbClr val="000000"/>
+                </a:solidFill>
+                <a:latin typeface="Calibri"/>
+                <a:ea typeface="DejaVu Sans"/>
+              </a:rPr>
+              <a:t>ls: list all contents (http://www.rapidtables.com/code/linux/ls.htm) </a:t>
+            </a:r>
+            <a:endParaRPr dirty="0"/>
+          </a:p>
+          <a:p>
+            <a:pPr marL="342900" indent="-342900">
+              <a:lnSpc>
+                <a:spcPct val="90000"/>
+              </a:lnSpc>
+              <a:buFont typeface="Wingdings" panose="05000000000000000000" pitchFamily="2" charset="2"/>
+              <a:buChar char="§"/>
+            </a:pPr>
+            <a:r>
+              <a:rPr lang="en-US" sz="2200" dirty="0">
+                <a:solidFill>
+                  <a:srgbClr val="000000"/>
+                </a:solidFill>
+                <a:latin typeface="Calibri"/>
+                <a:ea typeface="DejaVu Sans"/>
+              </a:rPr>
+              <a:t>locate: show location of a file (</a:t>
+            </a:r>
+            <a:r>
+              <a:rPr lang="en-US" sz="2200" dirty="0" err="1">
+                <a:solidFill>
+                  <a:srgbClr val="000000"/>
+                </a:solidFill>
+                <a:latin typeface="Calibri"/>
+                <a:ea typeface="DejaVu Sans"/>
+              </a:rPr>
+              <a:t>eg</a:t>
+            </a:r>
+            <a:r>
+              <a:rPr lang="en-US" sz="2200" dirty="0">
+                <a:solidFill>
+                  <a:srgbClr val="000000"/>
+                </a:solidFill>
+                <a:latin typeface="Calibri"/>
+                <a:ea typeface="DejaVu Sans"/>
+              </a:rPr>
+              <a:t>. $locate test.txt)</a:t>
+            </a:r>
+            <a:endParaRPr dirty="0"/>
+          </a:p>
+          <a:p>
+            <a:pPr marL="342900" indent="-342900">
+              <a:lnSpc>
+                <a:spcPct val="90000"/>
+              </a:lnSpc>
+              <a:buFont typeface="Wingdings" panose="05000000000000000000" pitchFamily="2" charset="2"/>
+              <a:buChar char="§"/>
+            </a:pPr>
+            <a:r>
+              <a:rPr lang="en-US" sz="2200" dirty="0">
+                <a:solidFill>
+                  <a:srgbClr val="000000"/>
+                </a:solidFill>
+                <a:latin typeface="Calibri"/>
+              </a:rPr>
+              <a:t>grep: </a:t>
+            </a:r>
+            <a:r>
+              <a:rPr lang="en-US" sz="2200" dirty="0">
+                <a:solidFill>
+                  <a:srgbClr val="000000"/>
+                </a:solidFill>
+                <a:latin typeface="Calibri"/>
+                <a:ea typeface="DejaVu Sans"/>
+              </a:rPr>
+              <a:t>search texts in files (http://www.cyberciti.biz/faq/howto-use-grep-command-in-linux-unix/)</a:t>
+            </a:r>
+            <a:endParaRPr dirty="0"/>
+          </a:p>
+          <a:p>
+            <a:pPr marL="342900" indent="-342900">
+              <a:lnSpc>
+                <a:spcPct val="90000"/>
+              </a:lnSpc>
+              <a:buFont typeface="Wingdings" panose="05000000000000000000" pitchFamily="2" charset="2"/>
+              <a:buChar char="§"/>
+            </a:pPr>
+            <a:r>
+              <a:rPr lang="en-US" sz="2200" dirty="0">
+                <a:solidFill>
+                  <a:srgbClr val="000000"/>
+                </a:solidFill>
+                <a:latin typeface="Calibri"/>
+                <a:ea typeface="DejaVu Sans"/>
+              </a:rPr>
+              <a:t> --version: show version (</a:t>
+            </a:r>
+            <a:r>
+              <a:rPr lang="en-US" sz="2200" dirty="0" err="1">
+                <a:solidFill>
+                  <a:srgbClr val="000000"/>
+                </a:solidFill>
+                <a:latin typeface="Calibri"/>
+                <a:ea typeface="DejaVu Sans"/>
+              </a:rPr>
+              <a:t>eg</a:t>
+            </a:r>
+            <a:r>
+              <a:rPr lang="en-US" sz="2200" dirty="0">
+                <a:solidFill>
+                  <a:srgbClr val="000000"/>
+                </a:solidFill>
+                <a:latin typeface="Calibri"/>
+                <a:ea typeface="DejaVu Sans"/>
+              </a:rPr>
+              <a:t>. $ java –version)</a:t>
+            </a:r>
+            <a:endParaRPr dirty="0"/>
+          </a:p>
+          <a:p>
+            <a:pPr marL="342900" indent="-342900">
+              <a:lnSpc>
+                <a:spcPct val="90000"/>
+              </a:lnSpc>
+              <a:buFont typeface="Wingdings" panose="05000000000000000000" pitchFamily="2" charset="2"/>
+              <a:buChar char="§"/>
+            </a:pPr>
+            <a:r>
+              <a:rPr lang="en-US" sz="2200" dirty="0">
+                <a:solidFill>
+                  <a:srgbClr val="000000"/>
+                </a:solidFill>
+                <a:latin typeface="Calibri"/>
+                <a:ea typeface="DejaVu Sans"/>
+              </a:rPr>
+              <a:t>cat: print contents on screen (ex. $ cat test.txt)</a:t>
+            </a:r>
+            <a:endParaRPr dirty="0"/>
+          </a:p>
+          <a:p>
+            <a:pPr marL="342900" indent="-342900">
+              <a:lnSpc>
+                <a:spcPct val="90000"/>
+              </a:lnSpc>
+              <a:buFont typeface="Wingdings" panose="05000000000000000000" pitchFamily="2" charset="2"/>
+              <a:buChar char="§"/>
+            </a:pPr>
+            <a:r>
+              <a:rPr lang="en-US" sz="2200" dirty="0">
+                <a:solidFill>
+                  <a:srgbClr val="000000"/>
+                </a:solidFill>
+                <a:latin typeface="Calibri"/>
+                <a:ea typeface="DejaVu Sans"/>
+              </a:rPr>
+              <a:t>touch: create a file (</a:t>
+            </a:r>
+            <a:r>
+              <a:rPr lang="en-US" sz="2200" dirty="0" err="1">
+                <a:solidFill>
+                  <a:srgbClr val="000000"/>
+                </a:solidFill>
+                <a:latin typeface="Calibri"/>
+                <a:ea typeface="DejaVu Sans"/>
+              </a:rPr>
+              <a:t>eg</a:t>
+            </a:r>
+            <a:r>
+              <a:rPr lang="en-US" sz="2200" dirty="0">
+                <a:solidFill>
+                  <a:srgbClr val="000000"/>
+                </a:solidFill>
+                <a:latin typeface="Calibri"/>
+                <a:ea typeface="DejaVu Sans"/>
+              </a:rPr>
+              <a:t>. $ touch test.txt)</a:t>
+            </a:r>
+            <a:endParaRPr dirty="0"/>
+          </a:p>
+          <a:p>
+            <a:pPr marL="342900" indent="-342900">
+              <a:lnSpc>
+                <a:spcPct val="90000"/>
+              </a:lnSpc>
+              <a:buFont typeface="Wingdings" panose="05000000000000000000" pitchFamily="2" charset="2"/>
+              <a:buChar char="§"/>
+            </a:pPr>
+            <a:r>
+              <a:rPr lang="en-US" sz="2200" dirty="0" err="1">
+                <a:solidFill>
+                  <a:srgbClr val="000000"/>
+                </a:solidFill>
+                <a:latin typeface="Calibri"/>
+                <a:ea typeface="DejaVu Sans"/>
+              </a:rPr>
+              <a:t>nano</a:t>
+            </a:r>
+            <a:r>
+              <a:rPr lang="en-US" sz="2200" dirty="0">
+                <a:solidFill>
+                  <a:srgbClr val="000000"/>
+                </a:solidFill>
+                <a:latin typeface="Calibri"/>
+                <a:ea typeface="DejaVu Sans"/>
+              </a:rPr>
+              <a:t>, vim: editor (</a:t>
+            </a:r>
+            <a:r>
+              <a:rPr lang="en-US" sz="2200" dirty="0" err="1">
+                <a:solidFill>
+                  <a:srgbClr val="000000"/>
+                </a:solidFill>
+                <a:latin typeface="Calibri"/>
+                <a:ea typeface="DejaVu Sans"/>
+              </a:rPr>
+              <a:t>eg</a:t>
+            </a:r>
+            <a:r>
+              <a:rPr lang="en-US" sz="2200" dirty="0">
+                <a:solidFill>
+                  <a:srgbClr val="000000"/>
+                </a:solidFill>
+                <a:latin typeface="Calibri"/>
+                <a:ea typeface="DejaVu Sans"/>
+              </a:rPr>
+              <a:t>. $ </a:t>
+            </a:r>
+            <a:r>
+              <a:rPr lang="en-US" sz="2200" dirty="0" err="1">
+                <a:solidFill>
+                  <a:srgbClr val="000000"/>
+                </a:solidFill>
+                <a:latin typeface="Calibri"/>
+                <a:ea typeface="DejaVu Sans"/>
+              </a:rPr>
+              <a:t>nano</a:t>
+            </a:r>
+            <a:r>
+              <a:rPr lang="en-US" sz="2200" dirty="0">
+                <a:solidFill>
+                  <a:srgbClr val="000000"/>
+                </a:solidFill>
+                <a:latin typeface="Calibri"/>
+                <a:ea typeface="DejaVu Sans"/>
+              </a:rPr>
+              <a:t> test.txt)</a:t>
+            </a:r>
+            <a:endParaRPr dirty="0"/>
           </a:p>
           <a:p>
             <a:pPr>
@@ -5292,138 +6876,8 @@
                 <a:spcPct val="90000"/>
               </a:lnSpc>
             </a:pPr>
-            <a:endParaRPr/>
-          </a:p>
-          <a:p>
-            <a:pPr>
-              <a:lnSpc>
-                <a:spcPct val="90000"/>
-              </a:lnSpc>
-              <a:buFont typeface="Arial"/>
-              <a:buChar char="•"/>
-            </a:pPr>
-            <a:r>
-              <a:rPr lang="en-US" sz="2200">
-                <a:solidFill>
-                  <a:srgbClr val="000000"/>
-                </a:solidFill>
-                <a:latin typeface="Calibri"/>
-                <a:ea typeface="DejaVu Sans"/>
-              </a:rPr>
-              <a:t>ssh: login to any machines remotely</a:t>
-            </a:r>
-            <a:endParaRPr/>
-          </a:p>
-          <a:p>
-            <a:pPr>
-              <a:lnSpc>
-                <a:spcPct val="90000"/>
-              </a:lnSpc>
-              <a:buFont typeface="Arial"/>
-              <a:buChar char="•"/>
-            </a:pPr>
-            <a:r>
-              <a:rPr lang="en-US" sz="2200">
-                <a:solidFill>
-                  <a:srgbClr val="000000"/>
-                </a:solidFill>
-                <a:latin typeface="Calibri"/>
-                <a:ea typeface="DejaVu Sans"/>
-              </a:rPr>
-              <a:t>pwd: show current location</a:t>
-            </a:r>
-            <a:endParaRPr/>
-          </a:p>
-          <a:p>
-            <a:pPr>
-              <a:lnSpc>
-                <a:spcPct val="90000"/>
-              </a:lnSpc>
-              <a:buFont typeface="Arial"/>
-              <a:buChar char="•"/>
-            </a:pPr>
-            <a:r>
-              <a:rPr lang="en-US" sz="2200">
-                <a:solidFill>
-                  <a:srgbClr val="000000"/>
-                </a:solidFill>
-                <a:latin typeface="Calibri"/>
-                <a:ea typeface="DejaVu Sans"/>
-              </a:rPr>
-              <a:t>cd: change directory (eg. $cd Documents, or $ cd ..)</a:t>
-            </a:r>
-            <a:endParaRPr/>
-          </a:p>
-          <a:p>
-            <a:pPr>
-              <a:lnSpc>
-                <a:spcPct val="90000"/>
-              </a:lnSpc>
-              <a:buFont typeface="Arial"/>
-              <a:buChar char="•"/>
-            </a:pPr>
-            <a:r>
-              <a:rPr lang="en-US" sz="2200">
-                <a:solidFill>
-                  <a:srgbClr val="000000"/>
-                </a:solidFill>
-                <a:latin typeface="Calibri"/>
-                <a:ea typeface="DejaVu Sans"/>
-              </a:rPr>
-              <a:t>ls: list all contents (http://www.rapidtables.com/code/linux/ls.htm) </a:t>
-            </a:r>
-            <a:endParaRPr/>
-          </a:p>
-          <a:p>
-            <a:pPr>
-              <a:lnSpc>
-                <a:spcPct val="90000"/>
-              </a:lnSpc>
-              <a:buFont typeface="Arial"/>
-              <a:buChar char="•"/>
-            </a:pPr>
-            <a:r>
-              <a:rPr lang="en-US" sz="2200">
-                <a:solidFill>
-                  <a:srgbClr val="000000"/>
-                </a:solidFill>
-                <a:latin typeface="Calibri"/>
-                <a:ea typeface="DejaVu Sans"/>
-              </a:rPr>
-              <a:t>locate: show location of a file (eg. $locate test.txt)</a:t>
-            </a:r>
-            <a:endParaRPr/>
-          </a:p>
-          <a:p>
-            <a:pPr>
-              <a:lnSpc>
-                <a:spcPct val="90000"/>
-              </a:lnSpc>
-              <a:buFont typeface="Arial"/>
-              <a:buChar char="•"/>
-            </a:pPr>
-            <a:r>
-              <a:rPr lang="en-US" sz="2200">
-                <a:solidFill>
-                  <a:srgbClr val="000000"/>
-                </a:solidFill>
-                <a:latin typeface="Calibri"/>
-                <a:ea typeface="DejaVu Sans"/>
-              </a:rPr>
-              <a:t>Grep: search texts in files (http://www.cyberciti.biz/faq/howto-use-grep-command-in-linux-unix/)</a:t>
-            </a:r>
-            <a:endParaRPr/>
-          </a:p>
-          <a:p>
-            <a:pPr>
-              <a:lnSpc>
-                <a:spcPct val="90000"/>
-              </a:lnSpc>
-              <a:buFont typeface="Arial"/>
-              <a:buChar char="•"/>
-            </a:pPr>
-            <a:r>
-              <a:rPr lang="en-US" sz="2200">
+            <a:r>
+              <a:rPr lang="en-US" sz="2200" dirty="0">
                 <a:solidFill>
                   <a:srgbClr val="000000"/>
                 </a:solidFill>
@@ -5432,116 +6886,31 @@
               </a:rPr>
               <a:t> </a:t>
             </a:r>
-            <a:r>
-              <a:rPr lang="en-US" sz="2200">
-                <a:solidFill>
-                  <a:srgbClr val="000000"/>
-                </a:solidFill>
-                <a:latin typeface="Calibri"/>
-                <a:ea typeface="DejaVu Sans"/>
-              </a:rPr>
-              <a:t>--version: show version (eg. $ java –version)</a:t>
-            </a:r>
-            <a:endParaRPr/>
-          </a:p>
-          <a:p>
-            <a:pPr>
-              <a:lnSpc>
-                <a:spcPct val="90000"/>
-              </a:lnSpc>
-              <a:buFont typeface="Arial"/>
-              <a:buChar char="•"/>
-            </a:pPr>
-            <a:r>
-              <a:rPr lang="en-US" sz="2200">
-                <a:solidFill>
-                  <a:srgbClr val="000000"/>
-                </a:solidFill>
-                <a:latin typeface="Calibri"/>
-                <a:ea typeface="DejaVu Sans"/>
-              </a:rPr>
-              <a:t>cat: print contents on screen (ex. $ cat test.txt)</a:t>
-            </a:r>
-            <a:endParaRPr/>
-          </a:p>
-          <a:p>
-            <a:pPr>
-              <a:lnSpc>
-                <a:spcPct val="90000"/>
-              </a:lnSpc>
-              <a:buFont typeface="Arial"/>
-              <a:buChar char="•"/>
-            </a:pPr>
-            <a:r>
-              <a:rPr lang="en-US" sz="2200">
-                <a:solidFill>
-                  <a:srgbClr val="000000"/>
-                </a:solidFill>
-                <a:latin typeface="Calibri"/>
-                <a:ea typeface="DejaVu Sans"/>
-              </a:rPr>
-              <a:t>touch: create a file (eg. $ touch test.txt)</a:t>
-            </a:r>
-            <a:endParaRPr/>
-          </a:p>
-          <a:p>
-            <a:pPr>
-              <a:lnSpc>
-                <a:spcPct val="90000"/>
-              </a:lnSpc>
-              <a:buFont typeface="Arial"/>
-              <a:buChar char="•"/>
-            </a:pPr>
-            <a:r>
-              <a:rPr lang="en-US" sz="2200">
-                <a:solidFill>
-                  <a:srgbClr val="000000"/>
-                </a:solidFill>
-                <a:latin typeface="Calibri"/>
-                <a:ea typeface="DejaVu Sans"/>
-              </a:rPr>
-              <a:t>nano, vim: editor (eg. $ nano test.txt)</a:t>
-            </a:r>
-            <a:endParaRPr/>
-          </a:p>
-          <a:p>
-            <a:pPr>
-              <a:lnSpc>
-                <a:spcPct val="90000"/>
-              </a:lnSpc>
-            </a:pPr>
-            <a:r>
-              <a:rPr lang="en-US" sz="2200">
-                <a:solidFill>
-                  <a:srgbClr val="000000"/>
-                </a:solidFill>
-                <a:latin typeface="Calibri"/>
-                <a:ea typeface="DejaVu Sans"/>
-              </a:rPr>
-              <a:t> </a:t>
-            </a:r>
-            <a:endParaRPr/>
+            <a:endParaRPr dirty="0"/>
           </a:p>
         </p:txBody>
       </p:sp>
     </p:spTree>
   </p:cSld>
+  <p:clrMapOvr>
+    <a:masterClrMapping/>
+  </p:clrMapOvr>
   <p:timing>
     <p:tnLst>
       <p:par>
-        <p:cTn id="13" dur="indefinite" restart="never" nodeType="tmRoot">
+        <p:cTn id="1" dur="indefinite" restart="never" nodeType="tmRoot">
           <p:childTnLst>
             <p:seq>
-              <p:cTn id="14" nodeType="mainSeq"/>
+              <p:cTn id="2" nodeType="mainSeq"/>
               <p:prevCondLst>
-                <p:cond delay="0" evt="onPrev">
+                <p:cond evt="onPrev" delay="0">
                   <p:tgtEl>
                     <p:sldTgt/>
                   </p:tgtEl>
                 </p:cond>
               </p:prevCondLst>
               <p:nextCondLst>
-                <p:cond delay="0" evt="onNext">
+                <p:cond evt="onNext" delay="0">
                   <p:tgtEl>
                     <p:sldTgt/>
                   </p:tgtEl>
@@ -5557,7 +6926,7 @@
 </file>
 
 <file path=ppt/slides/slide8.xml><?xml version="1.0" encoding="utf-8"?>
-<p:sld xmlns:a="http://schemas.openxmlformats.org/drawingml/2006/main" xmlns:p="http://schemas.openxmlformats.org/presentationml/2006/main" xmlns:r="http://schemas.openxmlformats.org/officeDocument/2006/relationships">
+<p:sld xmlns:a="http://schemas.openxmlformats.org/drawingml/2006/main" xmlns:r="http://schemas.openxmlformats.org/officeDocument/2006/relationships" xmlns:p="http://schemas.openxmlformats.org/presentationml/2006/main">
   <p:cSld>
     <p:spTree>
       <p:nvGrpSpPr>
@@ -5593,7 +6962,8 @@
           </a:ln>
         </p:spPr>
         <p:txBody>
-          <a:bodyPr lIns="90000" rIns="90000" tIns="45000" bIns="45000" anchor="ctr"/>
+          <a:bodyPr lIns="90000" tIns="45000" rIns="90000" bIns="45000" anchor="ctr"/>
+          <a:lstStyle/>
           <a:p>
             <a:pPr>
               <a:lnSpc>
@@ -5634,38 +7004,79 @@
           </a:ln>
         </p:spPr>
         <p:txBody>
-          <a:bodyPr lIns="90000" rIns="90000" tIns="45000" bIns="45000"/>
-          <a:p>
-            <a:pPr>
+          <a:bodyPr lIns="90000" tIns="45000" rIns="90000" bIns="45000"/>
+          <a:lstStyle/>
+          <a:p>
+            <a:pPr marL="342900" indent="-342900">
               <a:lnSpc>
                 <a:spcPct val="90000"/>
               </a:lnSpc>
               <a:buSzPct val="45000"/>
-              <a:buFont typeface="StarSymbol"/>
-              <a:buChar char=""/>
-            </a:pPr>
-            <a:r>
-              <a:rPr lang="en-US" sz="2200">
-                <a:solidFill>
-                  <a:srgbClr val="000000"/>
-                </a:solidFill>
-                <a:latin typeface="Calibri"/>
-                <a:ea typeface="DejaVu Sans"/>
-              </a:rPr>
-              <a:t>cp: copy file (eg. $ </a:t>
-            </a:r>
-            <a:r>
-              <a:rPr lang="en-US" sz="2200">
-                <a:solidFill>
-                  <a:srgbClr val="7e0021"/>
-                </a:solidFill>
-                <a:latin typeface="Calibri"/>
-                <a:ea typeface="DejaVu Sans"/>
-              </a:rPr>
-              <a:t>cp source.txt destination.txt</a:t>
-            </a:r>
-            <a:r>
-              <a:rPr lang="en-US" sz="2200">
+              <a:buFont typeface="Wingdings" panose="05000000000000000000" pitchFamily="2" charset="2"/>
+              <a:buChar char="§"/>
+            </a:pPr>
+            <a:r>
+              <a:rPr lang="en-US" sz="2200" dirty="0" err="1">
+                <a:solidFill>
+                  <a:srgbClr val="000000"/>
+                </a:solidFill>
+                <a:latin typeface="Calibri"/>
+                <a:ea typeface="DejaVu Sans"/>
+              </a:rPr>
+              <a:t>cp</a:t>
+            </a:r>
+            <a:r>
+              <a:rPr lang="en-US" sz="2200" dirty="0">
+                <a:solidFill>
+                  <a:srgbClr val="000000"/>
+                </a:solidFill>
+                <a:latin typeface="Calibri"/>
+                <a:ea typeface="DejaVu Sans"/>
+              </a:rPr>
+              <a:t>: copy file (</a:t>
+            </a:r>
+            <a:r>
+              <a:rPr lang="en-US" sz="2200" dirty="0" err="1">
+                <a:solidFill>
+                  <a:srgbClr val="000000"/>
+                </a:solidFill>
+                <a:latin typeface="Calibri"/>
+                <a:ea typeface="DejaVu Sans"/>
+              </a:rPr>
+              <a:t>eg</a:t>
+            </a:r>
+            <a:r>
+              <a:rPr lang="en-US" sz="2200" dirty="0">
+                <a:solidFill>
+                  <a:srgbClr val="000000"/>
+                </a:solidFill>
+                <a:latin typeface="Calibri"/>
+                <a:ea typeface="DejaVu Sans"/>
+              </a:rPr>
+              <a:t>. $ </a:t>
+            </a:r>
+            <a:r>
+              <a:rPr lang="en-US" sz="2200" dirty="0" err="1">
+                <a:solidFill>
+                  <a:srgbClr val="7E0021"/>
+                </a:solidFill>
+                <a:latin typeface="Calibri"/>
+                <a:ea typeface="DejaVu Sans"/>
+              </a:rPr>
+              <a:t>cp</a:t>
+            </a:r>
+            <a:r>
+              <a:rPr lang="en-US" sz="2200" dirty="0">
+                <a:solidFill>
+                  <a:srgbClr val="7E0021"/>
+                </a:solidFill>
+                <a:latin typeface="Calibri"/>
+                <a:ea typeface="DejaVu Sans"/>
+              </a:rPr>
+              <a:t> source.txt destination.txt</a:t>
+            </a:r>
+            <a:r>
+              <a:rPr lang="en-US" sz="2200" dirty="0">
                 <a:solidFill>
                   <a:srgbClr val="000000"/>
                 </a:solidFill>
@@ -5674,39 +7085,89 @@
               </a:rPr>
               <a:t>)</a:t>
             </a:r>
-            <a:endParaRPr/>
-          </a:p>
-          <a:p>
-            <a:pPr>
+            <a:endParaRPr dirty="0"/>
+          </a:p>
+          <a:p>
+            <a:pPr marL="342900" indent="-342900">
               <a:lnSpc>
                 <a:spcPct val="90000"/>
               </a:lnSpc>
               <a:buSzPct val="45000"/>
-              <a:buFont typeface="StarSymbol"/>
-              <a:buChar char=""/>
-            </a:pPr>
-            <a:r>
-              <a:rPr lang="en-US" sz="2200">
-                <a:solidFill>
-                  <a:srgbClr val="000000"/>
-                </a:solidFill>
-                <a:latin typeface="Calibri"/>
-                <a:ea typeface="DejaVu Sans"/>
-              </a:rPr>
-              <a:t>mkdir: make directory (eg. $ </a:t>
-            </a:r>
-            <a:r>
-              <a:rPr lang="en-US" sz="2200">
-                <a:solidFill>
-                  <a:srgbClr val="7e0021"/>
-                </a:solidFill>
-                <a:latin typeface="Calibri"/>
-                <a:ea typeface="DejaVu Sans"/>
-              </a:rPr>
-              <a:t>mkdir myfolder</a:t>
-            </a:r>
-            <a:r>
-              <a:rPr lang="en-US" sz="2200">
+              <a:buFont typeface="Wingdings" panose="05000000000000000000" pitchFamily="2" charset="2"/>
+              <a:buChar char="§"/>
+            </a:pPr>
+            <a:r>
+              <a:rPr lang="en-US" sz="2200" dirty="0" err="1">
+                <a:solidFill>
+                  <a:srgbClr val="000000"/>
+                </a:solidFill>
+                <a:latin typeface="Calibri"/>
+                <a:ea typeface="DejaVu Sans"/>
+              </a:rPr>
+              <a:t>mkdir</a:t>
+            </a:r>
+            <a:r>
+              <a:rPr lang="en-US" sz="2200" dirty="0">
+                <a:solidFill>
+                  <a:srgbClr val="000000"/>
+                </a:solidFill>
+                <a:latin typeface="Calibri"/>
+                <a:ea typeface="DejaVu Sans"/>
+              </a:rPr>
+              <a:t>: make directory (</a:t>
+            </a:r>
+            <a:r>
+              <a:rPr lang="en-US" sz="2200" dirty="0" err="1">
+                <a:solidFill>
+                  <a:srgbClr val="000000"/>
+                </a:solidFill>
+                <a:latin typeface="Calibri"/>
+                <a:ea typeface="DejaVu Sans"/>
+              </a:rPr>
+              <a:t>eg</a:t>
+            </a:r>
+            <a:r>
+              <a:rPr lang="en-US" sz="2200" dirty="0">
+                <a:solidFill>
+                  <a:srgbClr val="000000"/>
+                </a:solidFill>
+                <a:latin typeface="Calibri"/>
+                <a:ea typeface="DejaVu Sans"/>
+              </a:rPr>
+              <a:t>. $ </a:t>
+            </a:r>
+            <a:r>
+              <a:rPr lang="en-US" sz="2200" dirty="0" err="1">
+                <a:solidFill>
+                  <a:srgbClr val="7E0021"/>
+                </a:solidFill>
+                <a:latin typeface="Calibri"/>
+                <a:ea typeface="DejaVu Sans"/>
+              </a:rPr>
+              <a:t>mkdir</a:t>
+            </a:r>
+            <a:r>
+              <a:rPr lang="en-US" sz="2200" dirty="0">
+                <a:solidFill>
+                  <a:srgbClr val="7E0021"/>
+                </a:solidFill>
+                <a:latin typeface="Calibri"/>
+                <a:ea typeface="DejaVu Sans"/>
+              </a:rPr>
+              <a:t> </a:t>
+            </a:r>
+            <a:r>
+              <a:rPr lang="en-US" sz="2200" dirty="0" err="1">
+                <a:solidFill>
+                  <a:srgbClr val="7E0021"/>
+                </a:solidFill>
+                <a:latin typeface="Calibri"/>
+                <a:ea typeface="DejaVu Sans"/>
+              </a:rPr>
+              <a:t>myfolder</a:t>
+            </a:r>
+            <a:r>
+              <a:rPr lang="en-US" sz="2200" dirty="0">
                 <a:solidFill>
                   <a:srgbClr val="000000"/>
                 </a:solidFill>
@@ -5715,39 +7176,79 @@
               </a:rPr>
               <a:t>)</a:t>
             </a:r>
-            <a:endParaRPr/>
-          </a:p>
-          <a:p>
-            <a:pPr>
+            <a:endParaRPr dirty="0"/>
+          </a:p>
+          <a:p>
+            <a:pPr marL="342900" indent="-342900">
               <a:lnSpc>
                 <a:spcPct val="90000"/>
               </a:lnSpc>
               <a:buSzPct val="45000"/>
-              <a:buFont typeface="StarSymbol"/>
-              <a:buChar char=""/>
-            </a:pPr>
-            <a:r>
-              <a:rPr lang="en-US" sz="2200">
-                <a:solidFill>
-                  <a:srgbClr val="000000"/>
-                </a:solidFill>
-                <a:latin typeface="Calibri"/>
-                <a:ea typeface="DejaVu Sans"/>
-              </a:rPr>
-              <a:t>rm: remove file (eg. $ </a:t>
-            </a:r>
-            <a:r>
-              <a:rPr lang="en-US" sz="2200">
-                <a:solidFill>
-                  <a:srgbClr val="7e0021"/>
-                </a:solidFill>
-                <a:latin typeface="Calibri"/>
-                <a:ea typeface="DejaVu Sans"/>
-              </a:rPr>
-              <a:t>rm test.txt</a:t>
-            </a:r>
-            <a:r>
-              <a:rPr lang="en-US" sz="2200">
+              <a:buFont typeface="Wingdings" panose="05000000000000000000" pitchFamily="2" charset="2"/>
+              <a:buChar char="§"/>
+            </a:pPr>
+            <a:r>
+              <a:rPr lang="en-US" sz="2200" dirty="0" err="1">
+                <a:solidFill>
+                  <a:srgbClr val="000000"/>
+                </a:solidFill>
+                <a:latin typeface="Calibri"/>
+                <a:ea typeface="DejaVu Sans"/>
+              </a:rPr>
+              <a:t>rm</a:t>
+            </a:r>
+            <a:r>
+              <a:rPr lang="en-US" sz="2200" dirty="0">
+                <a:solidFill>
+                  <a:srgbClr val="000000"/>
+                </a:solidFill>
+                <a:latin typeface="Calibri"/>
+                <a:ea typeface="DejaVu Sans"/>
+              </a:rPr>
+              <a:t>: remove file (</a:t>
+            </a:r>
+            <a:r>
+              <a:rPr lang="en-US" sz="2200" dirty="0" err="1">
+                <a:solidFill>
+                  <a:srgbClr val="000000"/>
+                </a:solidFill>
+                <a:latin typeface="Calibri"/>
+                <a:ea typeface="DejaVu Sans"/>
+              </a:rPr>
+              <a:t>eg</a:t>
+            </a:r>
+            <a:r>
+              <a:rPr lang="en-US" sz="2200" dirty="0">
+                <a:solidFill>
+                  <a:srgbClr val="000000"/>
+                </a:solidFill>
+                <a:latin typeface="Calibri"/>
+                <a:ea typeface="DejaVu Sans"/>
+              </a:rPr>
+              <a:t>. $ </a:t>
+            </a:r>
+            <a:r>
+              <a:rPr lang="en-US" sz="2200" dirty="0" err="1">
+                <a:solidFill>
+                  <a:srgbClr val="7E0021"/>
+                </a:solidFill>
+                <a:latin typeface="Calibri"/>
+                <a:ea typeface="DejaVu Sans"/>
+              </a:rPr>
+              <a:t>rm</a:t>
+            </a:r>
+            <a:r>
+              <a:rPr lang="en-US" sz="2200" dirty="0">
+                <a:solidFill>
+                  <a:srgbClr val="7E0021"/>
+                </a:solidFill>
+                <a:latin typeface="Calibri"/>
+                <a:ea typeface="DejaVu Sans"/>
+              </a:rPr>
+              <a:t> test.txt</a:t>
+            </a:r>
+            <a:r>
+              <a:rPr lang="en-US" sz="2200" dirty="0">
                 <a:solidFill>
                   <a:srgbClr val="000000"/>
                 </a:solidFill>
@@ -5756,31 +7257,51 @@
               </a:rPr>
               <a:t>)</a:t>
             </a:r>
-            <a:endParaRPr/>
-          </a:p>
-          <a:p>
-            <a:pPr>
+            <a:endParaRPr dirty="0"/>
+          </a:p>
+          <a:p>
+            <a:pPr marL="342900" indent="-342900">
               <a:lnSpc>
                 <a:spcPct val="90000"/>
               </a:lnSpc>
               <a:buSzPct val="45000"/>
-              <a:buFont typeface="StarSymbol"/>
-              <a:buChar char=""/>
-            </a:pPr>
-            <a:r>
-              <a:rPr lang="en-US" sz="2200">
-                <a:solidFill>
-                  <a:srgbClr val="000000"/>
-                </a:solidFill>
-                <a:latin typeface="Calibri"/>
-                <a:ea typeface="DejaVu Sans"/>
-              </a:rPr>
-              <a:t>mv: rename file (eg. $ </a:t>
-            </a:r>
-            <a:r>
-              <a:rPr lang="en-US" sz="2200">
-                <a:solidFill>
-                  <a:srgbClr val="7e0021"/>
+              <a:buFont typeface="Wingdings" panose="05000000000000000000" pitchFamily="2" charset="2"/>
+              <a:buChar char="§"/>
+            </a:pPr>
+            <a:r>
+              <a:rPr lang="en-US" sz="2200" dirty="0">
+                <a:solidFill>
+                  <a:srgbClr val="000000"/>
+                </a:solidFill>
+                <a:latin typeface="Calibri"/>
+                <a:ea typeface="DejaVu Sans"/>
+              </a:rPr>
+              <a:t>mv: rename file (</a:t>
+            </a:r>
+            <a:r>
+              <a:rPr lang="en-US" sz="2200" dirty="0" err="1">
+                <a:solidFill>
+                  <a:srgbClr val="000000"/>
+                </a:solidFill>
+                <a:latin typeface="Calibri"/>
+                <a:ea typeface="DejaVu Sans"/>
+              </a:rPr>
+              <a:t>eg</a:t>
+            </a:r>
+            <a:r>
+              <a:rPr lang="en-US" sz="2200" dirty="0">
+                <a:solidFill>
+                  <a:srgbClr val="000000"/>
+                </a:solidFill>
+                <a:latin typeface="Calibri"/>
+                <a:ea typeface="DejaVu Sans"/>
+              </a:rPr>
+              <a:t>. $ </a:t>
+            </a:r>
+            <a:r>
+              <a:rPr lang="en-US" sz="2200" dirty="0">
+                <a:solidFill>
+                  <a:srgbClr val="7E0021"/>
                 </a:solidFill>
                 <a:latin typeface="Calibri"/>
                 <a:ea typeface="DejaVu Sans"/>
@@ -5788,7 +7309,7 @@
               <a:t>mv oldname.txt newname.txt</a:t>
             </a:r>
             <a:r>
-              <a:rPr lang="en-US" sz="2200">
+              <a:rPr lang="en-US" sz="2200" dirty="0">
                 <a:solidFill>
                   <a:srgbClr val="000000"/>
                 </a:solidFill>
@@ -5797,112 +7318,203 @@
               </a:rPr>
               <a:t>)</a:t>
             </a:r>
-            <a:endParaRPr/>
-          </a:p>
-          <a:p>
-            <a:pPr>
+            <a:endParaRPr dirty="0"/>
+          </a:p>
+          <a:p>
+            <a:pPr marL="342900" indent="-342900">
               <a:lnSpc>
                 <a:spcPct val="90000"/>
               </a:lnSpc>
               <a:buSzPct val="45000"/>
-              <a:buFont typeface="StarSymbol"/>
-              <a:buChar char=""/>
-            </a:pPr>
-            <a:endParaRPr/>
-          </a:p>
-          <a:p>
-            <a:pPr>
+              <a:buFont typeface="Wingdings" panose="05000000000000000000" pitchFamily="2" charset="2"/>
+              <a:buChar char="§"/>
+            </a:pPr>
+            <a:r>
+              <a:rPr lang="en-US" sz="2200" dirty="0" err="1">
+                <a:solidFill>
+                  <a:srgbClr val="000000"/>
+                </a:solidFill>
+                <a:latin typeface="Calibri"/>
+                <a:ea typeface="DejaVu Sans"/>
+              </a:rPr>
+              <a:t>scp</a:t>
+            </a:r>
+            <a:r>
+              <a:rPr lang="en-US" sz="2200" dirty="0">
+                <a:solidFill>
+                  <a:srgbClr val="000000"/>
+                </a:solidFill>
+                <a:latin typeface="Calibri"/>
+                <a:ea typeface="DejaVu Sans"/>
+              </a:rPr>
+              <a:t>: transfer file from local to server machine and vice versa (</a:t>
+            </a:r>
+            <a:r>
+              <a:rPr lang="en-US" sz="2200" dirty="0" err="1">
+                <a:solidFill>
+                  <a:srgbClr val="7E0021"/>
+                </a:solidFill>
+                <a:latin typeface="Calibri"/>
+                <a:ea typeface="DejaVu Sans"/>
+              </a:rPr>
+              <a:t>scp</a:t>
+            </a:r>
+            <a:r>
+              <a:rPr lang="en-US" sz="2200" dirty="0">
+                <a:solidFill>
+                  <a:srgbClr val="7E0021"/>
+                </a:solidFill>
+                <a:latin typeface="Calibri"/>
+                <a:ea typeface="DejaVu Sans"/>
+              </a:rPr>
+              <a:t> source destination</a:t>
+            </a:r>
+            <a:r>
+              <a:rPr lang="en-US" sz="2200" dirty="0">
+                <a:solidFill>
+                  <a:srgbClr val="000000"/>
+                </a:solidFill>
+                <a:latin typeface="Calibri"/>
+                <a:ea typeface="DejaVu Sans"/>
+              </a:rPr>
+              <a:t>)</a:t>
+            </a:r>
+            <a:endParaRPr dirty="0"/>
+          </a:p>
+          <a:p>
+            <a:pPr marL="1257300" lvl="2" indent="-342900">
               <a:lnSpc>
                 <a:spcPct val="90000"/>
               </a:lnSpc>
               <a:buSzPct val="45000"/>
-              <a:buFont typeface="StarSymbol"/>
-              <a:buChar char=""/>
-            </a:pPr>
-            <a:r>
-              <a:rPr lang="en-US" sz="2200">
-                <a:solidFill>
-                  <a:srgbClr val="000000"/>
-                </a:solidFill>
-                <a:latin typeface="Calibri"/>
-                <a:ea typeface="DejaVu Sans"/>
-              </a:rPr>
-              <a:t>scp: transfer file from local to server machine and vice versa (</a:t>
-            </a:r>
-            <a:r>
-              <a:rPr lang="en-US" sz="2200">
-                <a:solidFill>
-                  <a:srgbClr val="7e0021"/>
-                </a:solidFill>
-                <a:latin typeface="Calibri"/>
-                <a:ea typeface="DejaVu Sans"/>
-              </a:rPr>
-              <a:t>scp sourcce destination</a:t>
-            </a:r>
-            <a:r>
-              <a:rPr lang="en-US" sz="2200">
-                <a:solidFill>
-                  <a:srgbClr val="000000"/>
-                </a:solidFill>
-                <a:latin typeface="Calibri"/>
-                <a:ea typeface="DejaVu Sans"/>
-              </a:rPr>
-              <a:t>)</a:t>
-            </a:r>
-            <a:endParaRPr/>
-          </a:p>
-          <a:p>
-            <a:pPr lvl="2">
+              <a:buFont typeface="Wingdings" panose="05000000000000000000" pitchFamily="2" charset="2"/>
+              <a:buChar char="§"/>
+            </a:pPr>
+            <a:r>
+              <a:rPr lang="en-US" sz="2200" dirty="0">
+                <a:solidFill>
+                  <a:srgbClr val="000000"/>
+                </a:solidFill>
+                <a:latin typeface="Calibri"/>
+                <a:ea typeface="DejaVu Sans"/>
+              </a:rPr>
+              <a:t>Local computer to </a:t>
+            </a:r>
+            <a:r>
+              <a:rPr lang="en-US" sz="2200" dirty="0" err="1">
+                <a:solidFill>
+                  <a:srgbClr val="000000"/>
+                </a:solidFill>
+                <a:latin typeface="Calibri"/>
+                <a:ea typeface="DejaVu Sans"/>
+              </a:rPr>
+              <a:t>iLab</a:t>
+            </a:r>
+            <a:endParaRPr dirty="0"/>
+          </a:p>
+          <a:p>
+            <a:pPr marL="342900" indent="-342900">
               <a:lnSpc>
                 <a:spcPct val="90000"/>
               </a:lnSpc>
               <a:buSzPct val="45000"/>
-              <a:buFont typeface="StarSymbol"/>
-              <a:buChar char=""/>
-            </a:pPr>
-            <a:r>
-              <a:rPr lang="en-US" sz="2200">
-                <a:solidFill>
-                  <a:srgbClr val="000000"/>
-                </a:solidFill>
-                <a:latin typeface="Calibri"/>
-                <a:ea typeface="DejaVu Sans"/>
-              </a:rPr>
-              <a:t>Local computer to iLab</a:t>
-            </a:r>
-            <a:endParaRPr/>
-          </a:p>
-          <a:p>
-            <a:pPr>
+              <a:buFont typeface="Wingdings" panose="05000000000000000000" pitchFamily="2" charset="2"/>
+              <a:buChar char="§"/>
+            </a:pPr>
+            <a:r>
+              <a:rPr lang="en-US" sz="2200" dirty="0">
+                <a:solidFill>
+                  <a:srgbClr val="000000"/>
+                </a:solidFill>
+                <a:latin typeface="Calibri"/>
+                <a:ea typeface="DejaVu Sans"/>
+              </a:rPr>
+              <a:t>	   </a:t>
+            </a:r>
+            <a:r>
+              <a:rPr lang="en-US" sz="2000" dirty="0">
+                <a:solidFill>
+                  <a:srgbClr val="000000"/>
+                </a:solidFill>
+                <a:latin typeface="Calibri"/>
+                <a:ea typeface="DejaVu Sans"/>
+              </a:rPr>
+              <a:t>$ </a:t>
+            </a:r>
+            <a:r>
+              <a:rPr lang="en-US" sz="2000" dirty="0" err="1">
+                <a:solidFill>
+                  <a:srgbClr val="7E0021"/>
+                </a:solidFill>
+                <a:latin typeface="Calibri"/>
+                <a:ea typeface="DejaVu Sans"/>
+              </a:rPr>
+              <a:t>scp</a:t>
+            </a:r>
+            <a:r>
+              <a:rPr lang="en-US" sz="2000" dirty="0">
+                <a:solidFill>
+                  <a:srgbClr val="7E0021"/>
+                </a:solidFill>
+                <a:latin typeface="Calibri"/>
+                <a:ea typeface="DejaVu Sans"/>
+              </a:rPr>
+              <a:t> -r local-folder/ shoeb@null.cs.rutgers.edu:~/</a:t>
+            </a:r>
+            <a:endParaRPr dirty="0"/>
+          </a:p>
+          <a:p>
+            <a:pPr marL="1257300" lvl="2" indent="-342900">
               <a:lnSpc>
                 <a:spcPct val="90000"/>
               </a:lnSpc>
               <a:buSzPct val="45000"/>
-              <a:buFont typeface="StarSymbol"/>
-              <a:buChar char=""/>
-            </a:pPr>
-            <a:r>
-              <a:rPr lang="en-US" sz="2200">
-                <a:solidFill>
-                  <a:srgbClr val="000000"/>
-                </a:solidFill>
-                <a:latin typeface="Calibri"/>
-                <a:ea typeface="DejaVu Sans"/>
-              </a:rPr>
-              <a:t>	</a:t>
-            </a:r>
-            <a:r>
-              <a:rPr lang="en-US" sz="2200">
-                <a:solidFill>
-                  <a:srgbClr val="000000"/>
-                </a:solidFill>
-                <a:latin typeface="Calibri"/>
-                <a:ea typeface="DejaVu Sans"/>
-              </a:rPr>
-              <a:t>   </a:t>
-            </a:r>
-            <a:r>
-              <a:rPr lang="en-US" sz="2000">
+              <a:buFont typeface="Wingdings" panose="05000000000000000000" pitchFamily="2" charset="2"/>
+              <a:buChar char="§"/>
+            </a:pPr>
+            <a:r>
+              <a:rPr lang="en-US" sz="2200" dirty="0" err="1">
+                <a:solidFill>
+                  <a:srgbClr val="000000"/>
+                </a:solidFill>
+                <a:latin typeface="Calibri"/>
+                <a:ea typeface="DejaVu Sans"/>
+              </a:rPr>
+              <a:t>iLab</a:t>
+            </a:r>
+            <a:r>
+              <a:rPr lang="en-US" sz="2200" dirty="0">
+                <a:solidFill>
+                  <a:srgbClr val="000000"/>
+                </a:solidFill>
+                <a:latin typeface="Calibri"/>
+                <a:ea typeface="DejaVu Sans"/>
+              </a:rPr>
+              <a:t> to Local (execute command from local machine)</a:t>
+            </a:r>
+            <a:endParaRPr dirty="0"/>
+          </a:p>
+          <a:p>
+            <a:pPr marL="342900" indent="-342900">
+              <a:lnSpc>
+                <a:spcPct val="90000"/>
+              </a:lnSpc>
+              <a:buSzPct val="45000"/>
+              <a:buFont typeface="Wingdings" panose="05000000000000000000" pitchFamily="2" charset="2"/>
+              <a:buChar char="§"/>
+            </a:pPr>
+            <a:r>
+              <a:rPr lang="en-US" sz="2200" dirty="0">
+                <a:solidFill>
+                  <a:srgbClr val="7E0021"/>
+                </a:solidFill>
+                <a:latin typeface="Calibri"/>
+                <a:ea typeface="DejaVu Sans"/>
+              </a:rPr>
+              <a:t>	   </a:t>
+            </a:r>
+            <a:r>
+              <a:rPr lang="en-US" sz="2200" dirty="0">
                 <a:solidFill>
                   <a:srgbClr val="000000"/>
                 </a:solidFill>
@@ -5912,99 +7524,70 @@
               <a:t>$ </a:t>
             </a:r>
             <a:r>
-              <a:rPr lang="en-US" sz="2000">
-                <a:solidFill>
-                  <a:srgbClr val="7e0021"/>
-                </a:solidFill>
-                <a:latin typeface="Calibri"/>
-                <a:ea typeface="DejaVu Sans"/>
-              </a:rPr>
-              <a:t>scp -r local-folder/ shoeb@null.cs.rutgers.edu:~/</a:t>
-            </a:r>
-            <a:endParaRPr/>
-          </a:p>
-          <a:p>
-            <a:pPr lvl="2">
-              <a:lnSpc>
-                <a:spcPct val="90000"/>
-              </a:lnSpc>
-              <a:buSzPct val="45000"/>
-              <a:buFont typeface="StarSymbol"/>
-              <a:buChar char=""/>
-            </a:pPr>
-            <a:r>
-              <a:rPr lang="en-US" sz="2200">
-                <a:solidFill>
-                  <a:srgbClr val="000000"/>
-                </a:solidFill>
-                <a:latin typeface="Calibri"/>
-                <a:ea typeface="DejaVu Sans"/>
-              </a:rPr>
-              <a:t>iLab to Local (execute command from local machine)</a:t>
-            </a:r>
-            <a:endParaRPr/>
-          </a:p>
-          <a:p>
-            <a:pPr>
-              <a:lnSpc>
-                <a:spcPct val="90000"/>
-              </a:lnSpc>
-              <a:buSzPct val="45000"/>
-              <a:buFont typeface="StarSymbol"/>
-              <a:buChar char=""/>
-            </a:pPr>
-            <a:r>
-              <a:rPr lang="en-US" sz="2200">
-                <a:solidFill>
-                  <a:srgbClr val="7e0021"/>
-                </a:solidFill>
-                <a:latin typeface="Calibri"/>
-                <a:ea typeface="DejaVu Sans"/>
-              </a:rPr>
-              <a:t>	</a:t>
-            </a:r>
-            <a:r>
-              <a:rPr lang="en-US" sz="2200">
-                <a:solidFill>
-                  <a:srgbClr val="000000"/>
-                </a:solidFill>
-                <a:latin typeface="Calibri"/>
-                <a:ea typeface="DejaVu Sans"/>
-              </a:rPr>
-              <a:t>$ </a:t>
-            </a:r>
-            <a:r>
-              <a:rPr lang="en-US" sz="2200">
-                <a:solidFill>
-                  <a:srgbClr val="7e0021"/>
-                </a:solidFill>
-                <a:latin typeface="Calibri"/>
-                <a:ea typeface="DejaVu Sans"/>
-              </a:rPr>
-              <a:t>scp -r shoeb@null.cs.rutgers.edu:~/remote-folder/ /home/shoeb/</a:t>
-            </a:r>
-            <a:endParaRPr/>
+              <a:rPr lang="en-US" sz="2200" dirty="0" err="1">
+                <a:solidFill>
+                  <a:srgbClr val="7E0021"/>
+                </a:solidFill>
+                <a:latin typeface="Calibri"/>
+                <a:ea typeface="DejaVu Sans"/>
+              </a:rPr>
+              <a:t>scp</a:t>
+            </a:r>
+            <a:r>
+              <a:rPr lang="en-US" sz="2200" dirty="0">
+                <a:solidFill>
+                  <a:srgbClr val="7E0021"/>
+                </a:solidFill>
+                <a:latin typeface="Calibri"/>
+                <a:ea typeface="DejaVu Sans"/>
+              </a:rPr>
+              <a:t> -r shoeb@null.cs.rutgers.edu:~/remote-folder/ /home/</a:t>
+            </a:r>
+            <a:r>
+              <a:rPr lang="en-US" sz="2200" dirty="0" err="1">
+                <a:solidFill>
+                  <a:srgbClr val="7E0021"/>
+                </a:solidFill>
+                <a:latin typeface="Calibri"/>
+                <a:ea typeface="DejaVu Sans"/>
+              </a:rPr>
+              <a:t>shoeb</a:t>
+            </a:r>
+            <a:r>
+              <a:rPr lang="en-US" sz="2200" dirty="0">
+                <a:solidFill>
+                  <a:srgbClr val="7E0021"/>
+                </a:solidFill>
+                <a:latin typeface="Calibri"/>
+                <a:ea typeface="DejaVu Sans"/>
+              </a:rPr>
+              <a:t>/</a:t>
+            </a:r>
+            <a:endParaRPr dirty="0"/>
           </a:p>
         </p:txBody>
       </p:sp>
     </p:spTree>
   </p:cSld>
+  <p:clrMapOvr>
+    <a:masterClrMapping/>
+  </p:clrMapOvr>
   <p:timing>
     <p:tnLst>
       <p:par>
-        <p:cTn id="15" dur="indefinite" restart="never" nodeType="tmRoot">
+        <p:cTn id="1" dur="indefinite" restart="never" nodeType="tmRoot">
           <p:childTnLst>
             <p:seq>
-              <p:cTn id="16" nodeType="mainSeq"/>
+              <p:cTn id="2" nodeType="mainSeq"/>
               <p:prevCondLst>
-                <p:cond delay="0" evt="onPrev">
+                <p:cond evt="onPrev" delay="0">
                   <p:tgtEl>
                     <p:sldTgt/>
                   </p:tgtEl>
                 </p:cond>
               </p:prevCondLst>
               <p:nextCondLst>
-                <p:cond delay="0" evt="onNext">
+                <p:cond evt="onNext" delay="0">
                   <p:tgtEl>
                     <p:sldTgt/>
                   </p:tgtEl>
@@ -6020,7 +7603,7 @@
 </file>
 
 <file path=ppt/slides/slide9.xml><?xml version="1.0" encoding="utf-8"?>
-<p:sld xmlns:a="http://schemas.openxmlformats.org/drawingml/2006/main" xmlns:p="http://schemas.openxmlformats.org/presentationml/2006/main" xmlns:r="http://schemas.openxmlformats.org/officeDocument/2006/relationships">
+<p:sld xmlns:a="http://schemas.openxmlformats.org/drawingml/2006/main" xmlns:r="http://schemas.openxmlformats.org/officeDocument/2006/relationships" xmlns:p="http://schemas.openxmlformats.org/presentationml/2006/main">
   <p:cSld>
     <p:spTree>
       <p:nvGrpSpPr>
@@ -6056,7 +7639,8 @@
           </a:ln>
         </p:spPr>
         <p:txBody>
-          <a:bodyPr lIns="90000" rIns="90000" tIns="45000" bIns="45000" anchor="ctr"/>
+          <a:bodyPr lIns="90000" tIns="45000" rIns="90000" bIns="45000" anchor="ctr"/>
+          <a:lstStyle/>
           <a:p>
             <a:pPr>
               <a:lnSpc>
@@ -6097,60 +7681,141 @@
           </a:ln>
         </p:spPr>
         <p:txBody>
-          <a:bodyPr lIns="90000" rIns="90000" tIns="45000" bIns="45000"/>
-          <a:p>
-            <a:pPr>
+          <a:bodyPr lIns="90000" tIns="45000" rIns="90000" bIns="45000"/>
+          <a:lstStyle/>
+          <a:p>
+            <a:pPr marL="342900" indent="-342900">
               <a:lnSpc>
                 <a:spcPct val="90000"/>
               </a:lnSpc>
               <a:buSzPct val="45000"/>
-              <a:buFont typeface="StarSymbol"/>
-              <a:buChar char=""/>
-            </a:pPr>
-            <a:r>
-              <a:rPr lang="en-US" sz="2200">
-                <a:solidFill>
-                  <a:srgbClr val="000000"/>
-                </a:solidFill>
-                <a:latin typeface="Calibri"/>
-                <a:ea typeface="DejaVu Sans"/>
-              </a:rPr>
-              <a:t>Create a .c file (eg. $ touch hello.c)</a:t>
-            </a:r>
-            <a:endParaRPr/>
-          </a:p>
-          <a:p>
-            <a:pPr>
+              <a:buFont typeface="Wingdings" panose="05000000000000000000" pitchFamily="2" charset="2"/>
+              <a:buChar char="§"/>
+            </a:pPr>
+            <a:r>
+              <a:rPr lang="en-US" sz="2200" dirty="0">
+                <a:solidFill>
+                  <a:srgbClr val="000000"/>
+                </a:solidFill>
+                <a:latin typeface="Calibri"/>
+                <a:ea typeface="DejaVu Sans"/>
+              </a:rPr>
+              <a:t>Create a .c file (</a:t>
+            </a:r>
+            <a:r>
+              <a:rPr lang="en-US" sz="2200" dirty="0" err="1">
+                <a:solidFill>
+                  <a:srgbClr val="000000"/>
+                </a:solidFill>
+                <a:latin typeface="Calibri"/>
+                <a:ea typeface="DejaVu Sans"/>
+              </a:rPr>
+              <a:t>eg</a:t>
+            </a:r>
+            <a:r>
+              <a:rPr lang="en-US" sz="2200" dirty="0">
+                <a:solidFill>
+                  <a:srgbClr val="000000"/>
+                </a:solidFill>
+                <a:latin typeface="Calibri"/>
+                <a:ea typeface="DejaVu Sans"/>
+              </a:rPr>
+              <a:t>. $ touch </a:t>
+            </a:r>
+            <a:r>
+              <a:rPr lang="en-US" sz="2200" dirty="0" err="1">
+                <a:solidFill>
+                  <a:srgbClr val="000000"/>
+                </a:solidFill>
+                <a:latin typeface="Calibri"/>
+                <a:ea typeface="DejaVu Sans"/>
+              </a:rPr>
+              <a:t>hello.c</a:t>
+            </a:r>
+            <a:r>
+              <a:rPr lang="en-US" sz="2200" dirty="0">
+                <a:solidFill>
+                  <a:srgbClr val="000000"/>
+                </a:solidFill>
+                <a:latin typeface="Calibri"/>
+                <a:ea typeface="DejaVu Sans"/>
+              </a:rPr>
+              <a:t>)</a:t>
+            </a:r>
+            <a:endParaRPr dirty="0"/>
+          </a:p>
+          <a:p>
+            <a:pPr marL="342900" indent="-342900">
               <a:lnSpc>
                 <a:spcPct val="90000"/>
               </a:lnSpc>
               <a:buSzPct val="45000"/>
-              <a:buFont typeface="StarSymbol"/>
-              <a:buChar char=""/>
-            </a:pPr>
-            <a:r>
-              <a:rPr lang="en-US" sz="2200">
-                <a:solidFill>
-                  <a:srgbClr val="000000"/>
-                </a:solidFill>
-                <a:latin typeface="Calibri"/>
-                <a:ea typeface="DejaVu Sans"/>
-              </a:rPr>
-              <a:t>Open the file with gedit/vim/nano </a:t>
-            </a:r>
-            <a:endParaRPr/>
-          </a:p>
-          <a:p>
-            <a:pPr>
+              <a:buFont typeface="Wingdings" panose="05000000000000000000" pitchFamily="2" charset="2"/>
+              <a:buChar char="§"/>
+            </a:pPr>
+            <a:r>
+              <a:rPr lang="en-US" sz="2200" dirty="0">
+                <a:solidFill>
+                  <a:srgbClr val="000000"/>
+                </a:solidFill>
+                <a:latin typeface="Calibri"/>
+                <a:ea typeface="DejaVu Sans"/>
+              </a:rPr>
+              <a:t>Open the file with </a:t>
+            </a:r>
+            <a:r>
+              <a:rPr lang="en-US" sz="2200" dirty="0" err="1">
+                <a:solidFill>
+                  <a:srgbClr val="000000"/>
+                </a:solidFill>
+                <a:latin typeface="Calibri"/>
+                <a:ea typeface="DejaVu Sans"/>
+              </a:rPr>
+              <a:t>gedit</a:t>
+            </a:r>
+            <a:r>
+              <a:rPr lang="en-US" sz="2200" dirty="0">
+                <a:solidFill>
+                  <a:srgbClr val="000000"/>
+                </a:solidFill>
+                <a:latin typeface="Calibri"/>
+                <a:ea typeface="DejaVu Sans"/>
+              </a:rPr>
+              <a:t>/vim/</a:t>
+            </a:r>
+            <a:r>
+              <a:rPr lang="en-US" sz="2200" dirty="0" err="1">
+                <a:solidFill>
+                  <a:srgbClr val="000000"/>
+                </a:solidFill>
+                <a:latin typeface="Calibri"/>
+                <a:ea typeface="DejaVu Sans"/>
+              </a:rPr>
+              <a:t>nano</a:t>
+            </a:r>
+            <a:r>
+              <a:rPr lang="en-US" sz="2200" dirty="0">
+                <a:solidFill>
+                  <a:srgbClr val="000000"/>
+                </a:solidFill>
+                <a:latin typeface="Calibri"/>
+                <a:ea typeface="DejaVu Sans"/>
+              </a:rPr>
+              <a:t> </a:t>
+            </a:r>
+            <a:endParaRPr dirty="0"/>
+          </a:p>
+          <a:p>
+            <a:pPr marL="342900" indent="-342900">
               <a:lnSpc>
                 <a:spcPct val="90000"/>
               </a:lnSpc>
               <a:buSzPct val="45000"/>
-              <a:buFont typeface="StarSymbol"/>
-              <a:buChar char=""/>
-            </a:pPr>
-            <a:r>
-              <a:rPr lang="en-US" sz="2200">
+              <a:buFont typeface="Wingdings" panose="05000000000000000000" pitchFamily="2" charset="2"/>
+              <a:buChar char="§"/>
+            </a:pPr>
+            <a:r>
+              <a:rPr lang="en-US" sz="2200" dirty="0">
                 <a:solidFill>
                   <a:srgbClr val="000000"/>
                 </a:solidFill>
@@ -6159,40 +7824,130 @@
               </a:rPr>
               <a:t>Compile your code </a:t>
             </a:r>
-            <a:endParaRPr/>
-          </a:p>
-          <a:p>
-            <a:pPr lvl="2">
+            <a:endParaRPr dirty="0"/>
+          </a:p>
+          <a:p>
+            <a:pPr marL="1257300" lvl="2" indent="-342900">
               <a:lnSpc>
                 <a:spcPct val="90000"/>
               </a:lnSpc>
               <a:buSzPct val="45000"/>
-              <a:buFont typeface="StarSymbol"/>
-              <a:buChar char=""/>
-            </a:pPr>
-            <a:r>
-              <a:rPr lang="en-US" sz="2200">
-                <a:solidFill>
-                  <a:srgbClr val="000000"/>
-                </a:solidFill>
-                <a:latin typeface="Calibri"/>
-                <a:ea typeface="DejaVu Sans"/>
-              </a:rPr>
-              <a:t>$ gcc -Wall -Werror -fsanitize=address hello.c -o hello.out</a:t>
-            </a:r>
-            <a:endParaRPr/>
-          </a:p>
-          <a:p>
-            <a:pPr>
+              <a:buFont typeface="Wingdings" panose="05000000000000000000" pitchFamily="2" charset="2"/>
+              <a:buChar char="§"/>
+            </a:pPr>
+            <a:r>
+              <a:rPr lang="en-US" sz="2200" dirty="0">
+                <a:solidFill>
+                  <a:srgbClr val="000000"/>
+                </a:solidFill>
+                <a:latin typeface="Calibri"/>
+                <a:ea typeface="DejaVu Sans"/>
+              </a:rPr>
+              <a:t>$ </a:t>
+            </a:r>
+            <a:r>
+              <a:rPr lang="en-US" sz="2200" dirty="0" err="1">
+                <a:solidFill>
+                  <a:srgbClr val="000000"/>
+                </a:solidFill>
+                <a:latin typeface="Calibri"/>
+                <a:ea typeface="DejaVu Sans"/>
+              </a:rPr>
+              <a:t>gcc</a:t>
+            </a:r>
+            <a:r>
+              <a:rPr lang="en-US" sz="2200" dirty="0">
+                <a:solidFill>
+                  <a:srgbClr val="000000"/>
+                </a:solidFill>
+                <a:latin typeface="Calibri"/>
+                <a:ea typeface="DejaVu Sans"/>
+              </a:rPr>
+              <a:t> -Wall -</a:t>
+            </a:r>
+            <a:r>
+              <a:rPr lang="en-US" sz="2200" dirty="0" err="1">
+                <a:solidFill>
+                  <a:srgbClr val="000000"/>
+                </a:solidFill>
+                <a:latin typeface="Calibri"/>
+                <a:ea typeface="DejaVu Sans"/>
+              </a:rPr>
+              <a:t>Werror</a:t>
+            </a:r>
+            <a:r>
+              <a:rPr lang="en-US" sz="2200" dirty="0">
+                <a:solidFill>
+                  <a:srgbClr val="000000"/>
+                </a:solidFill>
+                <a:latin typeface="Calibri"/>
+                <a:ea typeface="DejaVu Sans"/>
+              </a:rPr>
+              <a:t> -</a:t>
+            </a:r>
+            <a:r>
+              <a:rPr lang="en-US" sz="2200" dirty="0" err="1">
+                <a:solidFill>
+                  <a:srgbClr val="000000"/>
+                </a:solidFill>
+                <a:latin typeface="Calibri"/>
+                <a:ea typeface="DejaVu Sans"/>
+              </a:rPr>
+              <a:t>fsanitize</a:t>
+            </a:r>
+            <a:r>
+              <a:rPr lang="en-US" sz="2200" dirty="0">
+                <a:solidFill>
+                  <a:srgbClr val="000000"/>
+                </a:solidFill>
+                <a:latin typeface="Calibri"/>
+                <a:ea typeface="DejaVu Sans"/>
+              </a:rPr>
+              <a:t>=address </a:t>
+            </a:r>
+            <a:r>
+              <a:rPr lang="en-US" sz="2200" dirty="0" err="1">
+                <a:solidFill>
+                  <a:srgbClr val="000000"/>
+                </a:solidFill>
+                <a:latin typeface="Calibri"/>
+                <a:ea typeface="DejaVu Sans"/>
+              </a:rPr>
+              <a:t>hello.c</a:t>
+            </a:r>
+            <a:r>
+              <a:rPr lang="en-US" sz="2200" dirty="0">
+                <a:solidFill>
+                  <a:srgbClr val="000000"/>
+                </a:solidFill>
+                <a:latin typeface="Calibri"/>
+                <a:ea typeface="DejaVu Sans"/>
+              </a:rPr>
+              <a:t> -o </a:t>
+            </a:r>
+            <a:r>
+              <a:rPr lang="en-US" sz="2200" dirty="0" err="1">
+                <a:solidFill>
+                  <a:srgbClr val="000000"/>
+                </a:solidFill>
+                <a:latin typeface="Calibri"/>
+                <a:ea typeface="DejaVu Sans"/>
+              </a:rPr>
+              <a:t>hello.out</a:t>
+            </a:r>
+            <a:endParaRPr dirty="0"/>
+          </a:p>
+          <a:p>
+            <a:pPr marL="342900" indent="-342900">
               <a:lnSpc>
                 <a:spcPct val="90000"/>
               </a:lnSpc>
               <a:buSzPct val="45000"/>
-              <a:buFont typeface="StarSymbol"/>
-              <a:buChar char=""/>
-            </a:pPr>
-            <a:r>
-              <a:rPr lang="en-US" sz="2200">
+              <a:buFont typeface="Wingdings" panose="05000000000000000000" pitchFamily="2" charset="2"/>
+              <a:buChar char="§"/>
+            </a:pPr>
+            <a:r>
+              <a:rPr lang="en-US" sz="2200" dirty="0">
                 <a:solidFill>
                   <a:srgbClr val="000000"/>
                 </a:solidFill>
@@ -6201,61 +7956,39 @@
               </a:rPr>
               <a:t>Run your code</a:t>
             </a:r>
-            <a:endParaRPr/>
-          </a:p>
-          <a:p>
-            <a:pPr lvl="2">
+            <a:endParaRPr dirty="0"/>
+          </a:p>
+          <a:p>
+            <a:pPr marL="1257300" lvl="2" indent="-342900">
               <a:lnSpc>
                 <a:spcPct val="90000"/>
               </a:lnSpc>
               <a:buSzPct val="45000"/>
-              <a:buFont typeface="StarSymbol"/>
-              <a:buChar char=""/>
-            </a:pPr>
-            <a:r>
-              <a:rPr lang="en-US" sz="2200">
-                <a:solidFill>
-                  <a:srgbClr val="000000"/>
-                </a:solidFill>
-                <a:latin typeface="Calibri"/>
-                <a:ea typeface="DejaVu Sans"/>
-              </a:rPr>
-              <a:t>$ ./hello.out</a:t>
-            </a:r>
-            <a:endParaRPr/>
-          </a:p>
-          <a:p>
-            <a:pPr>
-              <a:lnSpc>
-                <a:spcPct val="90000"/>
-              </a:lnSpc>
-            </a:pPr>
-            <a:endParaRPr/>
-          </a:p>
-          <a:p>
-            <a:pPr>
-              <a:lnSpc>
-                <a:spcPct val="90000"/>
-              </a:lnSpc>
-            </a:pPr>
-            <a:endParaRPr/>
-          </a:p>
-          <a:p>
-            <a:pPr>
-              <a:lnSpc>
-                <a:spcPct val="90000"/>
-              </a:lnSpc>
-            </a:pPr>
-            <a:endParaRPr/>
-          </a:p>
-          <a:p>
-            <a:pPr>
-              <a:lnSpc>
-                <a:spcPct val="90000"/>
-              </a:lnSpc>
-            </a:pPr>
-            <a:r>
-              <a:rPr lang="en-US" sz="2400">
+              <a:buFont typeface="Wingdings" panose="05000000000000000000" pitchFamily="2" charset="2"/>
+              <a:buChar char="§"/>
+            </a:pPr>
+            <a:r>
+              <a:rPr lang="en-US" sz="2200" dirty="0">
+                <a:solidFill>
+                  <a:srgbClr val="000000"/>
+                </a:solidFill>
+                <a:latin typeface="Calibri"/>
+                <a:ea typeface="DejaVu Sans"/>
+              </a:rPr>
+              <a:t>$ ./</a:t>
+            </a:r>
+            <a:r>
+              <a:rPr lang="en-US" sz="2200" dirty="0" err="1">
+                <a:solidFill>
+                  <a:srgbClr val="000000"/>
+                </a:solidFill>
+                <a:latin typeface="Calibri"/>
+                <a:ea typeface="DejaVu Sans"/>
+              </a:rPr>
+              <a:t>hello.out</a:t>
+            </a:r>
+            <a:r>
+              <a:rPr lang="en-US" sz="2400" dirty="0">
                 <a:solidFill>
                   <a:srgbClr val="000000"/>
                 </a:solidFill>
@@ -6264,28 +7997,31 @@
               </a:rPr>
               <a:t> </a:t>
             </a:r>
-            <a:endParaRPr/>
+            <a:endParaRPr dirty="0"/>
           </a:p>
         </p:txBody>
       </p:sp>
     </p:spTree>
   </p:cSld>
+  <p:clrMapOvr>
+    <a:masterClrMapping/>
+  </p:clrMapOvr>
   <p:timing>
     <p:tnLst>
       <p:par>
-        <p:cTn id="17" dur="indefinite" restart="never" nodeType="tmRoot">
+        <p:cTn id="1" dur="indefinite" restart="never" nodeType="tmRoot">
           <p:childTnLst>
             <p:seq>
-              <p:cTn id="18" nodeType="mainSeq"/>
+              <p:cTn id="2" nodeType="mainSeq"/>
               <p:prevCondLst>
-                <p:cond delay="0" evt="onPrev">
+                <p:cond evt="onPrev" delay="0">
                   <p:tgtEl>
                     <p:sldTgt/>
                   </p:tgtEl>
                 </p:cond>
               </p:prevCondLst>
               <p:nextCondLst>
-                <p:cond delay="0" evt="onNext">
+                <p:cond evt="onNext" delay="0">
                   <p:tgtEl>
                     <p:sldTgt/>
                   </p:tgtEl>
@@ -6520,6 +8256,8 @@
       </a:bgFillStyleLst>
     </a:fmtScheme>
   </a:themeElements>
+  <a:objectDefaults/>
+  <a:extraClrSchemeLst/>
 </a:theme>
 </file>
 
@@ -6743,6 +8481,8 @@
       </a:bgFillStyleLst>
     </a:fmtScheme>
   </a:themeElements>
+  <a:objectDefaults/>
+  <a:extraClrSchemeLst/>
 </a:theme>
 </file>
 
@@ -6966,5 +8706,7 @@
       </a:bgFillStyleLst>
     </a:fmtScheme>
   </a:themeElements>
+  <a:objectDefaults/>
+  <a:extraClrSchemeLst/>
 </a:theme>
 </file>